--- a/docs/img/220421研究計画(CREST)(MOD)3-花岡グループ.pptx
+++ b/docs/img/220421研究計画(CREST)(MOD)3-花岡グループ.pptx
@@ -15,6 +15,8 @@
     <p:sldId id="286" r:id="rId9"/>
     <p:sldId id="283" r:id="rId10"/>
     <p:sldId id="291" r:id="rId11"/>
+    <p:sldId id="293" r:id="rId12"/>
+    <p:sldId id="292" r:id="rId13"/>
   </p:sldIdLst>
   <p:sldSz cx="9144000" cy="6858000" type="screen4x3"/>
   <p:notesSz cx="6858000" cy="9144000"/>
@@ -258,7 +260,7 @@
           <a:p>
             <a:fld id="{5C5F1BB8-7A03-4496-8749-FF17083EAC34}" type="datetimeFigureOut">
               <a:rPr kumimoji="1" lang="ja-JP" altLang="en-US" smtClean="0"/>
-              <a:t>2022/4/21</a:t>
+              <a:t>2023/12/16</a:t>
             </a:fld>
             <a:endParaRPr kumimoji="1" lang="ja-JP" altLang="en-US"/>
           </a:p>
@@ -460,7 +462,7 @@
           <a:p>
             <a:fld id="{5C5F1BB8-7A03-4496-8749-FF17083EAC34}" type="datetimeFigureOut">
               <a:rPr kumimoji="1" lang="ja-JP" altLang="en-US" smtClean="0"/>
-              <a:t>2022/4/21</a:t>
+              <a:t>2023/12/16</a:t>
             </a:fld>
             <a:endParaRPr kumimoji="1" lang="ja-JP" altLang="en-US"/>
           </a:p>
@@ -672,7 +674,7 @@
           <a:p>
             <a:fld id="{5C5F1BB8-7A03-4496-8749-FF17083EAC34}" type="datetimeFigureOut">
               <a:rPr kumimoji="1" lang="ja-JP" altLang="en-US" smtClean="0"/>
-              <a:t>2022/4/21</a:t>
+              <a:t>2023/12/16</a:t>
             </a:fld>
             <a:endParaRPr kumimoji="1" lang="ja-JP" altLang="en-US"/>
           </a:p>
@@ -874,7 +876,7 @@
           <a:p>
             <a:fld id="{5C5F1BB8-7A03-4496-8749-FF17083EAC34}" type="datetimeFigureOut">
               <a:rPr kumimoji="1" lang="ja-JP" altLang="en-US" smtClean="0"/>
-              <a:t>2022/4/21</a:t>
+              <a:t>2023/12/16</a:t>
             </a:fld>
             <a:endParaRPr kumimoji="1" lang="ja-JP" altLang="en-US"/>
           </a:p>
@@ -1118,7 +1120,7 @@
           <a:p>
             <a:fld id="{5C5F1BB8-7A03-4496-8749-FF17083EAC34}" type="datetimeFigureOut">
               <a:rPr kumimoji="1" lang="ja-JP" altLang="en-US" smtClean="0"/>
-              <a:t>2022/4/21</a:t>
+              <a:t>2023/12/16</a:t>
             </a:fld>
             <a:endParaRPr kumimoji="1" lang="ja-JP" altLang="en-US"/>
           </a:p>
@@ -1414,7 +1416,7 @@
           <a:p>
             <a:fld id="{5C5F1BB8-7A03-4496-8749-FF17083EAC34}" type="datetimeFigureOut">
               <a:rPr kumimoji="1" lang="ja-JP" altLang="en-US" smtClean="0"/>
-              <a:t>2022/4/21</a:t>
+              <a:t>2023/12/16</a:t>
             </a:fld>
             <a:endParaRPr kumimoji="1" lang="ja-JP" altLang="en-US"/>
           </a:p>
@@ -1845,7 +1847,7 @@
           <a:p>
             <a:fld id="{5C5F1BB8-7A03-4496-8749-FF17083EAC34}" type="datetimeFigureOut">
               <a:rPr kumimoji="1" lang="ja-JP" altLang="en-US" smtClean="0"/>
-              <a:t>2022/4/21</a:t>
+              <a:t>2023/12/16</a:t>
             </a:fld>
             <a:endParaRPr kumimoji="1" lang="ja-JP" altLang="en-US"/>
           </a:p>
@@ -1963,7 +1965,7 @@
           <a:p>
             <a:fld id="{5C5F1BB8-7A03-4496-8749-FF17083EAC34}" type="datetimeFigureOut">
               <a:rPr kumimoji="1" lang="ja-JP" altLang="en-US" smtClean="0"/>
-              <a:t>2022/4/21</a:t>
+              <a:t>2023/12/16</a:t>
             </a:fld>
             <a:endParaRPr kumimoji="1" lang="ja-JP" altLang="en-US"/>
           </a:p>
@@ -2058,7 +2060,7 @@
           <a:p>
             <a:fld id="{5C5F1BB8-7A03-4496-8749-FF17083EAC34}" type="datetimeFigureOut">
               <a:rPr kumimoji="1" lang="ja-JP" altLang="en-US" smtClean="0"/>
-              <a:t>2022/4/21</a:t>
+              <a:t>2023/12/16</a:t>
             </a:fld>
             <a:endParaRPr kumimoji="1" lang="ja-JP" altLang="en-US"/>
           </a:p>
@@ -2367,7 +2369,7 @@
           <a:p>
             <a:fld id="{5C5F1BB8-7A03-4496-8749-FF17083EAC34}" type="datetimeFigureOut">
               <a:rPr kumimoji="1" lang="ja-JP" altLang="en-US" smtClean="0"/>
-              <a:t>2022/4/21</a:t>
+              <a:t>2023/12/16</a:t>
             </a:fld>
             <a:endParaRPr kumimoji="1" lang="ja-JP" altLang="en-US"/>
           </a:p>
@@ -2624,7 +2626,7 @@
           <a:p>
             <a:fld id="{5C5F1BB8-7A03-4496-8749-FF17083EAC34}" type="datetimeFigureOut">
               <a:rPr kumimoji="1" lang="ja-JP" altLang="en-US" smtClean="0"/>
-              <a:t>2022/4/21</a:t>
+              <a:t>2023/12/16</a:t>
             </a:fld>
             <a:endParaRPr kumimoji="1" lang="ja-JP" altLang="en-US"/>
           </a:p>
@@ -2869,7 +2871,7 @@
           <a:p>
             <a:fld id="{5C5F1BB8-7A03-4496-8749-FF17083EAC34}" type="datetimeFigureOut">
               <a:rPr kumimoji="1" lang="ja-JP" altLang="en-US" smtClean="0"/>
-              <a:t>2022/4/21</a:t>
+              <a:t>2023/12/16</a:t>
             </a:fld>
             <a:endParaRPr kumimoji="1" lang="ja-JP" altLang="en-US"/>
           </a:p>
@@ -3299,20 +3301,12 @@
               <a:rPr lang="ja-JP" altLang="en-US" dirty="0"/>
               <a:t> 花岡班 </a:t>
             </a:r>
-            <a:r>
-              <a:rPr lang="en-US" altLang="ja-JP" dirty="0"/>
-              <a:t/>
-            </a:r>
             <a:br>
               <a:rPr lang="en-US" altLang="ja-JP" dirty="0"/>
             </a:br>
             <a:r>
               <a:rPr lang="ja-JP" altLang="en-US" dirty="0"/>
-              <a:t>研究</a:t>
-            </a:r>
-            <a:r>
-              <a:rPr lang="ja-JP" altLang="en-US" dirty="0" smtClean="0"/>
-              <a:t>計画</a:t>
+              <a:t>研究計画</a:t>
             </a:r>
             <a:endParaRPr kumimoji="1" lang="ja-JP" altLang="en-US" dirty="0"/>
           </a:p>
@@ -3334,11 +3328,11 @@
           <a:lstStyle/>
           <a:p>
             <a:r>
-              <a:rPr lang="en-US" altLang="ja-JP" dirty="0" smtClean="0"/>
+              <a:rPr lang="en-US" altLang="ja-JP" dirty="0"/>
               <a:t>2022/04/21</a:t>
             </a:r>
             <a:r>
-              <a:rPr lang="ja-JP" altLang="en-US" dirty="0" smtClean="0"/>
+              <a:rPr lang="ja-JP" altLang="en-US" dirty="0"/>
               <a:t>版</a:t>
             </a:r>
             <a:endParaRPr kumimoji="1" lang="ja-JP" altLang="en-US" dirty="0"/>
@@ -3450,10 +3444,9 @@
           <a:p>
             <a:pPr algn="ctr"/>
             <a:r>
-              <a:rPr kumimoji="1" lang="ja-JP" altLang="en-US" dirty="0" smtClean="0"/>
+              <a:rPr kumimoji="1" lang="ja-JP" altLang="en-US" dirty="0"/>
               <a:t>非公開</a:t>
             </a:r>
-            <a:endParaRPr kumimoji="1" lang="ja-JP" altLang="en-US" dirty="0"/>
           </a:p>
         </p:txBody>
       </p:sp>
@@ -3510,31 +3503,27 @@
           <a:lstStyle/>
           <a:p>
             <a:r>
-              <a:rPr kumimoji="1" lang="ja-JP" altLang="en-US" dirty="0" smtClean="0"/>
+              <a:rPr kumimoji="1" lang="ja-JP" altLang="en-US" dirty="0"/>
               <a:t>田浦</a:t>
             </a:r>
             <a:r>
-              <a:rPr kumimoji="1" lang="en-US" altLang="ja-JP" dirty="0" smtClean="0"/>
+              <a:rPr kumimoji="1" lang="en-US" altLang="ja-JP" dirty="0"/>
               <a:t>G</a:t>
             </a:r>
             <a:r>
-              <a:rPr kumimoji="1" lang="ja-JP" altLang="en-US" dirty="0" smtClean="0"/>
+              <a:rPr kumimoji="1" lang="ja-JP" altLang="en-US" dirty="0"/>
               <a:t>との協同</a:t>
             </a:r>
             <a:r>
               <a:rPr lang="en-US" altLang="ja-JP" dirty="0"/>
-              <a:t> </a:t>
-            </a:r>
-            <a:r>
-              <a:rPr lang="en-US" altLang="ja-JP" dirty="0" smtClean="0"/>
-              <a:t>– </a:t>
-            </a:r>
-            <a:r>
-              <a:rPr lang="ja-JP" altLang="en-US" dirty="0" smtClean="0"/>
+              <a:t> – </a:t>
+            </a:r>
+            <a:r>
+              <a:rPr lang="ja-JP" altLang="en-US" dirty="0"/>
               <a:t>汎用医用画像データベース </a:t>
             </a:r>
             <a:r>
-              <a:rPr lang="en-US" altLang="ja-JP" dirty="0" smtClean="0"/>
+              <a:rPr lang="en-US" altLang="ja-JP" dirty="0"/>
               <a:t>with global DP</a:t>
             </a:r>
             <a:endParaRPr kumimoji="1" lang="ja-JP" altLang="en-US" dirty="0"/>
@@ -3612,10 +3601,9 @@
           <a:p>
             <a:pPr algn="ctr"/>
             <a:r>
-              <a:rPr kumimoji="1" lang="ja-JP" altLang="en-US" sz="1200" dirty="0" smtClean="0"/>
+              <a:rPr kumimoji="1" lang="ja-JP" altLang="en-US" sz="1200" dirty="0"/>
               <a:t>付帯情報</a:t>
             </a:r>
-            <a:endParaRPr kumimoji="1" lang="ja-JP" altLang="en-US" sz="1200" dirty="0"/>
           </a:p>
         </p:txBody>
       </p:sp>
@@ -3688,30 +3676,29 @@
           <a:lstStyle/>
           <a:p>
             <a:r>
-              <a:rPr kumimoji="1" lang="en-US" altLang="ja-JP" dirty="0" smtClean="0"/>
+              <a:rPr kumimoji="1" lang="en-US" altLang="ja-JP" dirty="0"/>
               <a:t>[</a:t>
             </a:r>
             <a:r>
-              <a:rPr kumimoji="1" lang="ja-JP" altLang="en-US" dirty="0" smtClean="0"/>
+              <a:rPr kumimoji="1" lang="ja-JP" altLang="en-US" dirty="0"/>
               <a:t>画像</a:t>
             </a:r>
             <a:r>
-              <a:rPr kumimoji="1" lang="en-US" altLang="ja-JP" dirty="0" smtClean="0"/>
+              <a:rPr kumimoji="1" lang="en-US" altLang="ja-JP" dirty="0"/>
               <a:t>+</a:t>
             </a:r>
             <a:r>
-              <a:rPr kumimoji="1" lang="ja-JP" altLang="en-US" dirty="0" smtClean="0"/>
+              <a:rPr kumimoji="1" lang="ja-JP" altLang="en-US" dirty="0"/>
               <a:t>付帯情報</a:t>
             </a:r>
             <a:r>
-              <a:rPr kumimoji="1" lang="en-US" altLang="ja-JP" dirty="0" smtClean="0"/>
+              <a:rPr kumimoji="1" lang="en-US" altLang="ja-JP" dirty="0"/>
               <a:t>]</a:t>
             </a:r>
             <a:r>
-              <a:rPr kumimoji="1" lang="ja-JP" altLang="en-US" dirty="0" smtClean="0"/>
+              <a:rPr kumimoji="1" lang="ja-JP" altLang="en-US" dirty="0"/>
               <a:t>データベース</a:t>
             </a:r>
-            <a:endParaRPr kumimoji="1" lang="ja-JP" altLang="en-US" dirty="0"/>
           </a:p>
         </p:txBody>
       </p:sp>
@@ -3750,10 +3737,9 @@
           <a:p>
             <a:pPr algn="ctr"/>
             <a:r>
-              <a:rPr kumimoji="1" lang="ja-JP" altLang="en-US" dirty="0" smtClean="0"/>
+              <a:rPr kumimoji="1" lang="ja-JP" altLang="en-US" dirty="0"/>
               <a:t>クエリ（平均画像）</a:t>
             </a:r>
-            <a:endParaRPr kumimoji="1" lang="ja-JP" altLang="en-US" dirty="0"/>
           </a:p>
         </p:txBody>
       </p:sp>
@@ -3792,18 +3778,17 @@
           <a:p>
             <a:pPr algn="ctr"/>
             <a:r>
-              <a:rPr kumimoji="1" lang="ja-JP" altLang="en-US" sz="1200" dirty="0" smtClean="0"/>
+              <a:rPr kumimoji="1" lang="ja-JP" altLang="en-US" sz="1200" dirty="0"/>
               <a:t>クエリ</a:t>
             </a:r>
-            <a:endParaRPr kumimoji="1" lang="en-US" altLang="ja-JP" sz="1200" dirty="0" smtClean="0"/>
+            <a:endParaRPr kumimoji="1" lang="en-US" altLang="ja-JP" sz="1200" dirty="0"/>
           </a:p>
           <a:p>
             <a:pPr algn="ctr"/>
             <a:r>
-              <a:rPr kumimoji="1" lang="ja-JP" altLang="en-US" sz="1200" dirty="0" smtClean="0"/>
+              <a:rPr kumimoji="1" lang="ja-JP" altLang="en-US" sz="1200" dirty="0"/>
               <a:t>（ランダムサンプリング）</a:t>
             </a:r>
-            <a:endParaRPr kumimoji="1" lang="ja-JP" altLang="en-US" sz="1200" dirty="0"/>
           </a:p>
         </p:txBody>
       </p:sp>
@@ -3915,13 +3900,8 @@
             </a:r>
             <a:r>
               <a:rPr kumimoji="1" lang="ja-JP" altLang="en-US" dirty="0"/>
-              <a:t>潜在</a:t>
-            </a:r>
-            <a:r>
-              <a:rPr kumimoji="1" lang="ja-JP" altLang="en-US" dirty="0" smtClean="0"/>
-              <a:t>ベクトルの分布からランダムサンプル</a:t>
-            </a:r>
-            <a:endParaRPr kumimoji="1" lang="ja-JP" altLang="en-US" dirty="0"/>
+              <a:t>潜在ベクトルの分布からランダムサンプル</a:t>
+            </a:r>
           </a:p>
         </p:txBody>
       </p:sp>
@@ -3962,21 +3942,20 @@
           <a:p>
             <a:pPr algn="ctr"/>
             <a:r>
-              <a:rPr kumimoji="1" lang="ja-JP" altLang="en-US" dirty="0" smtClean="0"/>
+              <a:rPr kumimoji="1" lang="ja-JP" altLang="en-US" dirty="0"/>
               <a:t>画像の</a:t>
             </a:r>
             <a:r>
-              <a:rPr kumimoji="1" lang="en-US" altLang="ja-JP" dirty="0" smtClean="0"/>
+              <a:rPr kumimoji="1" lang="en-US" altLang="ja-JP" dirty="0"/>
               <a:t>Glow</a:t>
             </a:r>
           </a:p>
           <a:p>
             <a:pPr algn="ctr"/>
             <a:r>
-              <a:rPr kumimoji="1" lang="ja-JP" altLang="en-US" dirty="0" smtClean="0"/>
+              <a:rPr kumimoji="1" lang="ja-JP" altLang="en-US" dirty="0"/>
               <a:t>モデル</a:t>
             </a:r>
-            <a:endParaRPr kumimoji="1" lang="ja-JP" altLang="en-US" dirty="0"/>
           </a:p>
         </p:txBody>
       </p:sp>
@@ -4003,45 +3982,44 @@
           <a:lstStyle/>
           <a:p>
             <a:r>
-              <a:rPr kumimoji="1" lang="ja-JP" altLang="en-US" dirty="0" smtClean="0"/>
+              <a:rPr kumimoji="1" lang="ja-JP" altLang="en-US" dirty="0"/>
               <a:t>指定された付帯情報</a:t>
             </a:r>
             <a:r>
-              <a:rPr kumimoji="1" lang="en-US" altLang="ja-JP" dirty="0" smtClean="0"/>
+              <a:rPr kumimoji="1" lang="en-US" altLang="ja-JP" dirty="0"/>
               <a:t>(ex.</a:t>
             </a:r>
             <a:r>
-              <a:rPr kumimoji="1" lang="ja-JP" altLang="en-US" dirty="0" smtClean="0"/>
+              <a:rPr kumimoji="1" lang="ja-JP" altLang="en-US" dirty="0"/>
               <a:t>疾患</a:t>
             </a:r>
             <a:r>
-              <a:rPr kumimoji="1" lang="en-US" altLang="ja-JP" dirty="0" smtClean="0"/>
+              <a:rPr kumimoji="1" lang="en-US" altLang="ja-JP" dirty="0"/>
               <a:t>)</a:t>
             </a:r>
             <a:r>
-              <a:rPr kumimoji="1" lang="ja-JP" altLang="en-US" dirty="0" smtClean="0"/>
+              <a:rPr kumimoji="1" lang="ja-JP" altLang="en-US" dirty="0"/>
               <a:t>をもつ症例の画像を収集</a:t>
             </a:r>
-            <a:endParaRPr kumimoji="1" lang="en-US" altLang="ja-JP" dirty="0" smtClean="0"/>
+            <a:endParaRPr kumimoji="1" lang="en-US" altLang="ja-JP" dirty="0"/>
           </a:p>
           <a:p>
             <a:pPr algn="ctr"/>
             <a:r>
-              <a:rPr kumimoji="1" lang="ja-JP" altLang="en-US" dirty="0" smtClean="0"/>
+              <a:rPr kumimoji="1" lang="ja-JP" altLang="en-US" dirty="0"/>
               <a:t>↓</a:t>
             </a:r>
-            <a:endParaRPr kumimoji="1" lang="en-US" altLang="ja-JP" dirty="0" smtClean="0"/>
-          </a:p>
-          <a:p>
-            <a:r>
-              <a:rPr kumimoji="1" lang="en-US" altLang="ja-JP" dirty="0" smtClean="0"/>
+            <a:endParaRPr kumimoji="1" lang="en-US" altLang="ja-JP" dirty="0"/>
+          </a:p>
+          <a:p>
+            <a:r>
+              <a:rPr kumimoji="1" lang="en-US" altLang="ja-JP" dirty="0"/>
               <a:t>Glow</a:t>
             </a:r>
             <a:r>
-              <a:rPr kumimoji="1" lang="ja-JP" altLang="en-US" dirty="0" smtClean="0"/>
+              <a:rPr kumimoji="1" lang="ja-JP" altLang="en-US" dirty="0"/>
               <a:t>潜在表現ベクトルの平均を出力</a:t>
             </a:r>
-            <a:endParaRPr kumimoji="1" lang="ja-JP" altLang="en-US" dirty="0"/>
           </a:p>
         </p:txBody>
       </p:sp>
@@ -4080,14 +4058,13 @@
           <a:p>
             <a:pPr algn="ctr"/>
             <a:r>
-              <a:rPr kumimoji="1" lang="en-US" altLang="ja-JP" dirty="0" smtClean="0"/>
+              <a:rPr kumimoji="1" lang="en-US" altLang="ja-JP" dirty="0"/>
               <a:t>Glow</a:t>
             </a:r>
             <a:r>
-              <a:rPr kumimoji="1" lang="ja-JP" altLang="en-US" dirty="0" smtClean="0"/>
+              <a:rPr kumimoji="1" lang="ja-JP" altLang="en-US" dirty="0"/>
               <a:t>逆変換</a:t>
             </a:r>
-            <a:endParaRPr kumimoji="1" lang="ja-JP" altLang="en-US" dirty="0"/>
           </a:p>
         </p:txBody>
       </p:sp>
@@ -4259,10 +4236,9 @@
           <a:p>
             <a:pPr algn="ctr"/>
             <a:r>
-              <a:rPr kumimoji="1" lang="ja-JP" altLang="en-US" dirty="0" smtClean="0"/>
+              <a:rPr kumimoji="1" lang="ja-JP" altLang="en-US" dirty="0"/>
               <a:t>平均画像</a:t>
             </a:r>
-            <a:endParaRPr kumimoji="1" lang="ja-JP" altLang="en-US" dirty="0"/>
           </a:p>
         </p:txBody>
       </p:sp>
@@ -4290,10 +4266,9 @@
           <a:p>
             <a:pPr algn="ctr"/>
             <a:r>
-              <a:rPr kumimoji="1" lang="ja-JP" altLang="en-US" dirty="0" smtClean="0"/>
+              <a:rPr kumimoji="1" lang="ja-JP" altLang="en-US" dirty="0"/>
               <a:t>サンプル画像群</a:t>
             </a:r>
-            <a:endParaRPr kumimoji="1" lang="ja-JP" altLang="en-US" dirty="0"/>
           </a:p>
         </p:txBody>
       </p:sp>
@@ -4321,10 +4296,9 @@
           <a:p>
             <a:pPr algn="ctr"/>
             <a:r>
-              <a:rPr kumimoji="1" lang="ja-JP" altLang="en-US" dirty="0" smtClean="0"/>
+              <a:rPr kumimoji="1" lang="ja-JP" altLang="en-US" dirty="0"/>
               <a:t>公開</a:t>
             </a:r>
-            <a:endParaRPr kumimoji="1" lang="ja-JP" altLang="en-US" dirty="0"/>
           </a:p>
         </p:txBody>
       </p:sp>
@@ -4352,10 +4326,9 @@
           <a:p>
             <a:pPr algn="ctr"/>
             <a:r>
-              <a:rPr kumimoji="1" lang="ja-JP" altLang="en-US" dirty="0" smtClean="0"/>
+              <a:rPr kumimoji="1" lang="ja-JP" altLang="en-US" dirty="0"/>
               <a:t>公開</a:t>
             </a:r>
-            <a:endParaRPr kumimoji="1" lang="ja-JP" altLang="en-US" dirty="0"/>
           </a:p>
         </p:txBody>
       </p:sp>
@@ -4536,10 +4509,9 @@
           <a:p>
             <a:pPr algn="ctr"/>
             <a:r>
-              <a:rPr kumimoji="1" lang="ja-JP" altLang="en-US" dirty="0" smtClean="0"/>
+              <a:rPr kumimoji="1" lang="ja-JP" altLang="en-US" dirty="0"/>
               <a:t>ラプラスノイズ付加</a:t>
             </a:r>
-            <a:endParaRPr kumimoji="1" lang="ja-JP" altLang="en-US" dirty="0"/>
           </a:p>
         </p:txBody>
       </p:sp>
@@ -4547,6 +4519,2092 @@
     <p:extLst>
       <p:ext uri="{BB962C8B-B14F-4D97-AF65-F5344CB8AC3E}">
         <p14:creationId xmlns:p14="http://schemas.microsoft.com/office/powerpoint/2010/main" val="223691233"/>
+      </p:ext>
+    </p:extLst>
+  </p:cSld>
+  <p:clrMapOvr>
+    <a:masterClrMapping/>
+  </p:clrMapOvr>
+</p:sld>
+</file>
+
+<file path=ppt/slides/slide11.xml><?xml version="1.0" encoding="utf-8"?>
+<p:sld xmlns:a="http://schemas.openxmlformats.org/drawingml/2006/main" xmlns:r="http://schemas.openxmlformats.org/officeDocument/2006/relationships" xmlns:p="http://schemas.openxmlformats.org/presentationml/2006/main">
+  <p:cSld>
+    <p:spTree>
+      <p:nvGrpSpPr>
+        <p:cNvPr id="1" name=""/>
+        <p:cNvGrpSpPr/>
+        <p:nvPr/>
+      </p:nvGrpSpPr>
+      <p:grpSpPr>
+        <a:xfrm>
+          <a:off x="0" y="0"/>
+          <a:ext cx="0" cy="0"/>
+          <a:chOff x="0" y="0"/>
+          <a:chExt cx="0" cy="0"/>
+        </a:xfrm>
+      </p:grpSpPr>
+      <p:sp>
+        <p:nvSpPr>
+          <p:cNvPr id="9" name="正方形/長方形 8">
+            <a:extLst>
+              <a:ext uri="{FF2B5EF4-FFF2-40B4-BE49-F238E27FC236}">
+                <a16:creationId xmlns:a16="http://schemas.microsoft.com/office/drawing/2014/main" id="{2480318B-51E5-42A5-DD61-ECD6D8ECF59C}"/>
+              </a:ext>
+            </a:extLst>
+          </p:cNvPr>
+          <p:cNvSpPr/>
+          <p:nvPr/>
+        </p:nvSpPr>
+        <p:spPr>
+          <a:xfrm>
+            <a:off x="3482754" y="2536070"/>
+            <a:ext cx="4561723" cy="3859730"/>
+          </a:xfrm>
+          <a:prstGeom prst="rect">
+            <a:avLst/>
+          </a:prstGeom>
+          <a:solidFill>
+            <a:schemeClr val="accent1">
+              <a:lumMod val="40000"/>
+              <a:lumOff val="60000"/>
+            </a:schemeClr>
+          </a:solidFill>
+          <a:ln>
+            <a:noFill/>
+          </a:ln>
+        </p:spPr>
+        <p:style>
+          <a:lnRef idx="2">
+            <a:schemeClr val="accent2"/>
+          </a:lnRef>
+          <a:fillRef idx="1">
+            <a:schemeClr val="lt1"/>
+          </a:fillRef>
+          <a:effectRef idx="0">
+            <a:schemeClr val="accent2"/>
+          </a:effectRef>
+          <a:fontRef idx="minor">
+            <a:schemeClr val="dk1"/>
+          </a:fontRef>
+        </p:style>
+        <p:txBody>
+          <a:bodyPr rtlCol="0" anchor="b"/>
+          <a:lstStyle/>
+          <a:p>
+            <a:pPr algn="ctr"/>
+            <a:r>
+              <a:rPr lang="en-US" altLang="ja-JP" sz="2800" dirty="0">
+                <a:solidFill>
+                  <a:schemeClr val="tx1"/>
+                </a:solidFill>
+                <a:ea typeface="游ゴシック"/>
+                <a:cs typeface="Calibri"/>
+              </a:rPr>
+              <a:t>MDX supercomputer</a:t>
+            </a:r>
+            <a:endParaRPr lang="ja-JP" altLang="en-US" sz="2800" dirty="0">
+              <a:solidFill>
+                <a:schemeClr val="tx1"/>
+              </a:solidFill>
+            </a:endParaRPr>
+          </a:p>
+        </p:txBody>
+      </p:sp>
+      <p:sp>
+        <p:nvSpPr>
+          <p:cNvPr id="10" name="正方形/長方形 9">
+            <a:extLst>
+              <a:ext uri="{FF2B5EF4-FFF2-40B4-BE49-F238E27FC236}">
+                <a16:creationId xmlns:a16="http://schemas.microsoft.com/office/drawing/2014/main" id="{2480318B-51E5-42A5-DD61-ECD6D8ECF59C}"/>
+              </a:ext>
+            </a:extLst>
+          </p:cNvPr>
+          <p:cNvSpPr/>
+          <p:nvPr/>
+        </p:nvSpPr>
+        <p:spPr>
+          <a:xfrm>
+            <a:off x="3911599" y="2999136"/>
+            <a:ext cx="3746501" cy="2842863"/>
+          </a:xfrm>
+          <a:prstGeom prst="rect">
+            <a:avLst/>
+          </a:prstGeom>
+          <a:solidFill>
+            <a:schemeClr val="accent1">
+              <a:lumMod val="60000"/>
+              <a:lumOff val="40000"/>
+            </a:schemeClr>
+          </a:solidFill>
+          <a:ln>
+            <a:noFill/>
+          </a:ln>
+        </p:spPr>
+        <p:style>
+          <a:lnRef idx="2">
+            <a:schemeClr val="accent1">
+              <a:shade val="50000"/>
+            </a:schemeClr>
+          </a:lnRef>
+          <a:fillRef idx="1">
+            <a:schemeClr val="accent1"/>
+          </a:fillRef>
+          <a:effectRef idx="0">
+            <a:schemeClr val="accent1"/>
+          </a:effectRef>
+          <a:fontRef idx="minor">
+            <a:schemeClr val="lt1"/>
+          </a:fontRef>
+        </p:style>
+        <p:txBody>
+          <a:bodyPr rtlCol="0" anchor="b"/>
+          <a:lstStyle/>
+          <a:p>
+            <a:pPr algn="ctr"/>
+            <a:r>
+              <a:rPr lang="en-US" altLang="ja-JP" sz="2800" dirty="0">
+                <a:solidFill>
+                  <a:schemeClr val="tx1"/>
+                </a:solidFill>
+                <a:ea typeface="游ゴシック"/>
+                <a:cs typeface="Calibri"/>
+              </a:rPr>
+              <a:t>Secure FS</a:t>
+            </a:r>
+            <a:endParaRPr lang="ja-JP" altLang="en-US" sz="2800" dirty="0">
+              <a:solidFill>
+                <a:schemeClr val="tx1"/>
+              </a:solidFill>
+            </a:endParaRPr>
+          </a:p>
+        </p:txBody>
+      </p:sp>
+      <p:sp>
+        <p:nvSpPr>
+          <p:cNvPr id="11" name="正方形/長方形 10">
+            <a:extLst>
+              <a:ext uri="{FF2B5EF4-FFF2-40B4-BE49-F238E27FC236}">
+                <a16:creationId xmlns:a16="http://schemas.microsoft.com/office/drawing/2014/main" id="{2480318B-51E5-42A5-DD61-ECD6D8ECF59C}"/>
+              </a:ext>
+            </a:extLst>
+          </p:cNvPr>
+          <p:cNvSpPr/>
+          <p:nvPr/>
+        </p:nvSpPr>
+        <p:spPr>
+          <a:xfrm>
+            <a:off x="4152900" y="3174999"/>
+            <a:ext cx="3276600" cy="2146301"/>
+          </a:xfrm>
+          <a:prstGeom prst="rect">
+            <a:avLst/>
+          </a:prstGeom>
+          <a:solidFill>
+            <a:schemeClr val="accent1">
+              <a:lumMod val="75000"/>
+            </a:schemeClr>
+          </a:solidFill>
+          <a:ln>
+            <a:noFill/>
+          </a:ln>
+        </p:spPr>
+        <p:style>
+          <a:lnRef idx="2">
+            <a:schemeClr val="accent1">
+              <a:shade val="50000"/>
+            </a:schemeClr>
+          </a:lnRef>
+          <a:fillRef idx="1">
+            <a:schemeClr val="accent1"/>
+          </a:fillRef>
+          <a:effectRef idx="0">
+            <a:schemeClr val="accent1"/>
+          </a:effectRef>
+          <a:fontRef idx="minor">
+            <a:schemeClr val="lt1"/>
+          </a:fontRef>
+        </p:style>
+        <p:txBody>
+          <a:bodyPr rtlCol="0" anchor="b"/>
+          <a:lstStyle/>
+          <a:p>
+            <a:pPr algn="ctr"/>
+            <a:r>
+              <a:rPr lang="en-US" altLang="ja-JP" sz="2800" dirty="0">
+                <a:solidFill>
+                  <a:schemeClr val="tx1"/>
+                </a:solidFill>
+                <a:ea typeface="游ゴシック"/>
+                <a:cs typeface="Calibri"/>
+              </a:rPr>
+              <a:t>Intel SGX</a:t>
+            </a:r>
+            <a:endParaRPr lang="ja-JP" altLang="en-US" sz="2800" dirty="0">
+              <a:solidFill>
+                <a:schemeClr val="tx1"/>
+              </a:solidFill>
+            </a:endParaRPr>
+          </a:p>
+        </p:txBody>
+      </p:sp>
+      <p:sp>
+        <p:nvSpPr>
+          <p:cNvPr id="4" name="テキスト ボックス 3">
+            <a:extLst>
+              <a:ext uri="{FF2B5EF4-FFF2-40B4-BE49-F238E27FC236}">
+                <a16:creationId xmlns:a16="http://schemas.microsoft.com/office/drawing/2014/main" id="{97A567CA-1670-C641-35B3-E730A2B176BE}"/>
+              </a:ext>
+            </a:extLst>
+          </p:cNvPr>
+          <p:cNvSpPr txBox="1"/>
+          <p:nvPr/>
+        </p:nvSpPr>
+        <p:spPr>
+          <a:xfrm>
+            <a:off x="565104" y="2779603"/>
+            <a:ext cx="2854185" cy="3162299"/>
+          </a:xfrm>
+          <a:prstGeom prst="rect">
+            <a:avLst/>
+          </a:prstGeom>
+          <a:solidFill>
+            <a:schemeClr val="tx1"/>
+          </a:solidFill>
+          <a:ln>
+            <a:solidFill>
+              <a:schemeClr val="tx2">
+                <a:lumMod val="50000"/>
+              </a:schemeClr>
+            </a:solidFill>
+          </a:ln>
+        </p:spPr>
+        <p:txBody>
+          <a:bodyPr rot="0" spcFirstLastPara="0" vertOverflow="overflow" horzOverflow="overflow" vert="horz" wrap="square" lIns="91440" tIns="45720" rIns="91440" bIns="45720" numCol="1" spcCol="0" rtlCol="0" fromWordArt="0" anchor="t" anchorCtr="0" forceAA="0" compatLnSpc="1">
+            <a:prstTxWarp prst="textNoShape">
+              <a:avLst/>
+            </a:prstTxWarp>
+            <a:noAutofit/>
+          </a:bodyPr>
+          <a:lstStyle/>
+          <a:p>
+            <a:pPr algn="l"/>
+            <a:r>
+              <a:rPr lang="ja-JP" altLang="en-US" b="1" dirty="0">
+                <a:solidFill>
+                  <a:schemeClr val="bg1"/>
+                </a:solidFill>
+                <a:ea typeface="游ゴシック"/>
+              </a:rPr>
+              <a:t>病院・医院</a:t>
+            </a:r>
+            <a:endParaRPr lang="ja-JP" altLang="en-US" b="1" dirty="0">
+              <a:solidFill>
+                <a:schemeClr val="bg1"/>
+              </a:solidFill>
+            </a:endParaRPr>
+          </a:p>
+        </p:txBody>
+      </p:sp>
+      <p:cxnSp>
+        <p:nvCxnSpPr>
+          <p:cNvPr id="8" name="直線矢印コネクタ 7">
+            <a:extLst>
+              <a:ext uri="{FF2B5EF4-FFF2-40B4-BE49-F238E27FC236}">
+                <a16:creationId xmlns:a16="http://schemas.microsoft.com/office/drawing/2014/main" id="{9CEEEACD-C8F8-9880-B46C-FC3E853E8B9A}"/>
+              </a:ext>
+            </a:extLst>
+          </p:cNvPr>
+          <p:cNvCxnSpPr>
+            <a:cxnSpLocks/>
+          </p:cNvCxnSpPr>
+          <p:nvPr/>
+        </p:nvCxnSpPr>
+        <p:spPr>
+          <a:xfrm>
+            <a:off x="3165408" y="3592182"/>
+            <a:ext cx="1533592" cy="6896"/>
+          </a:xfrm>
+          <a:prstGeom prst="straightConnector1">
+            <a:avLst/>
+          </a:prstGeom>
+          <a:ln w="76200">
+            <a:solidFill>
+              <a:srgbClr val="FF0000"/>
+            </a:solidFill>
+            <a:tailEnd type="triangle"/>
+          </a:ln>
+        </p:spPr>
+        <p:style>
+          <a:lnRef idx="1">
+            <a:schemeClr val="accent1"/>
+          </a:lnRef>
+          <a:fillRef idx="0">
+            <a:schemeClr val="accent1"/>
+          </a:fillRef>
+          <a:effectRef idx="0">
+            <a:schemeClr val="accent1"/>
+          </a:effectRef>
+          <a:fontRef idx="minor">
+            <a:schemeClr val="tx1"/>
+          </a:fontRef>
+        </p:style>
+      </p:cxnSp>
+      <p:cxnSp>
+        <p:nvCxnSpPr>
+          <p:cNvPr id="23" name="直線矢印コネクタ 22">
+            <a:extLst>
+              <a:ext uri="{FF2B5EF4-FFF2-40B4-BE49-F238E27FC236}">
+                <a16:creationId xmlns:a16="http://schemas.microsoft.com/office/drawing/2014/main" id="{9CEEEACD-C8F8-9880-B46C-FC3E853E8B9A}"/>
+              </a:ext>
+            </a:extLst>
+          </p:cNvPr>
+          <p:cNvCxnSpPr>
+            <a:cxnSpLocks/>
+          </p:cNvCxnSpPr>
+          <p:nvPr/>
+        </p:nvCxnSpPr>
+        <p:spPr>
+          <a:xfrm>
+            <a:off x="5569924" y="3568700"/>
+            <a:ext cx="386376" cy="0"/>
+          </a:xfrm>
+          <a:prstGeom prst="straightConnector1">
+            <a:avLst/>
+          </a:prstGeom>
+          <a:ln w="76200">
+            <a:solidFill>
+              <a:srgbClr val="FF0000"/>
+            </a:solidFill>
+            <a:tailEnd type="triangle"/>
+          </a:ln>
+        </p:spPr>
+        <p:style>
+          <a:lnRef idx="1">
+            <a:schemeClr val="accent1"/>
+          </a:lnRef>
+          <a:fillRef idx="0">
+            <a:schemeClr val="accent1"/>
+          </a:fillRef>
+          <a:effectRef idx="0">
+            <a:schemeClr val="accent1"/>
+          </a:effectRef>
+          <a:fontRef idx="minor">
+            <a:schemeClr val="tx1"/>
+          </a:fontRef>
+        </p:style>
+      </p:cxnSp>
+      <p:cxnSp>
+        <p:nvCxnSpPr>
+          <p:cNvPr id="26" name="直線矢印コネクタ 25">
+            <a:extLst>
+              <a:ext uri="{FF2B5EF4-FFF2-40B4-BE49-F238E27FC236}">
+                <a16:creationId xmlns:a16="http://schemas.microsoft.com/office/drawing/2014/main" id="{9CEEEACD-C8F8-9880-B46C-FC3E853E8B9A}"/>
+              </a:ext>
+            </a:extLst>
+          </p:cNvPr>
+          <p:cNvCxnSpPr>
+            <a:cxnSpLocks/>
+          </p:cNvCxnSpPr>
+          <p:nvPr/>
+        </p:nvCxnSpPr>
+        <p:spPr>
+          <a:xfrm flipH="1">
+            <a:off x="5609525" y="4360754"/>
+            <a:ext cx="346775" cy="0"/>
+          </a:xfrm>
+          <a:prstGeom prst="straightConnector1">
+            <a:avLst/>
+          </a:prstGeom>
+          <a:ln w="76200">
+            <a:solidFill>
+              <a:srgbClr val="FF0000"/>
+            </a:solidFill>
+            <a:tailEnd type="triangle"/>
+          </a:ln>
+        </p:spPr>
+        <p:style>
+          <a:lnRef idx="1">
+            <a:schemeClr val="accent1"/>
+          </a:lnRef>
+          <a:fillRef idx="0">
+            <a:schemeClr val="accent1"/>
+          </a:fillRef>
+          <a:effectRef idx="0">
+            <a:schemeClr val="accent1"/>
+          </a:effectRef>
+          <a:fontRef idx="minor">
+            <a:schemeClr val="tx1"/>
+          </a:fontRef>
+        </p:style>
+      </p:cxnSp>
+      <p:cxnSp>
+        <p:nvCxnSpPr>
+          <p:cNvPr id="29" name="直線矢印コネクタ 28">
+            <a:extLst>
+              <a:ext uri="{FF2B5EF4-FFF2-40B4-BE49-F238E27FC236}">
+                <a16:creationId xmlns:a16="http://schemas.microsoft.com/office/drawing/2014/main" id="{9CEEEACD-C8F8-9880-B46C-FC3E853E8B9A}"/>
+              </a:ext>
+            </a:extLst>
+          </p:cNvPr>
+          <p:cNvCxnSpPr>
+            <a:cxnSpLocks/>
+          </p:cNvCxnSpPr>
+          <p:nvPr/>
+        </p:nvCxnSpPr>
+        <p:spPr>
+          <a:xfrm flipH="1">
+            <a:off x="3222078" y="4360754"/>
+            <a:ext cx="1476922" cy="719569"/>
+          </a:xfrm>
+          <a:prstGeom prst="straightConnector1">
+            <a:avLst/>
+          </a:prstGeom>
+          <a:ln w="76200">
+            <a:solidFill>
+              <a:srgbClr val="FF0000"/>
+            </a:solidFill>
+            <a:tailEnd type="triangle"/>
+          </a:ln>
+        </p:spPr>
+        <p:style>
+          <a:lnRef idx="1">
+            <a:schemeClr val="accent1"/>
+          </a:lnRef>
+          <a:fillRef idx="0">
+            <a:schemeClr val="accent1"/>
+          </a:fillRef>
+          <a:effectRef idx="0">
+            <a:schemeClr val="accent1"/>
+          </a:effectRef>
+          <a:fontRef idx="minor">
+            <a:schemeClr val="tx1"/>
+          </a:fontRef>
+        </p:style>
+      </p:cxnSp>
+      <p:pic>
+        <p:nvPicPr>
+          <p:cNvPr id="1026" name="Picture 2" descr="写真の説明はありません。"/>
+          <p:cNvPicPr>
+            <a:picLocks noChangeAspect="1" noChangeArrowheads="1"/>
+          </p:cNvPicPr>
+          <p:nvPr/>
+        </p:nvPicPr>
+        <p:blipFill>
+          <a:blip r:embed="rId2" cstate="hqprint">
+            <a:extLst>
+              <a:ext uri="{28A0092B-C50C-407E-A947-70E740481C1C}">
+                <a14:useLocalDpi xmlns:a14="http://schemas.microsoft.com/office/drawing/2010/main" val="0"/>
+              </a:ext>
+            </a:extLst>
+          </a:blip>
+          <a:srcRect/>
+          <a:stretch>
+            <a:fillRect/>
+          </a:stretch>
+        </p:blipFill>
+        <p:spPr bwMode="auto">
+          <a:xfrm>
+            <a:off x="764598" y="3159221"/>
+            <a:ext cx="1118110" cy="1118110"/>
+          </a:xfrm>
+          <a:prstGeom prst="rect">
+            <a:avLst/>
+          </a:prstGeom>
+          <a:noFill/>
+          <a:extLst>
+            <a:ext uri="{909E8E84-426E-40DD-AFC4-6F175D3DCCD1}">
+              <a14:hiddenFill xmlns:a14="http://schemas.microsoft.com/office/drawing/2010/main">
+                <a:solidFill>
+                  <a:srgbClr val="FFFFFF"/>
+                </a:solidFill>
+              </a14:hiddenFill>
+            </a:ext>
+          </a:extLst>
+        </p:spPr>
+      </p:pic>
+      <p:cxnSp>
+        <p:nvCxnSpPr>
+          <p:cNvPr id="37" name="直線矢印コネクタ 36"/>
+          <p:cNvCxnSpPr>
+            <a:cxnSpLocks/>
+          </p:cNvCxnSpPr>
+          <p:nvPr/>
+        </p:nvCxnSpPr>
+        <p:spPr>
+          <a:xfrm>
+            <a:off x="1882708" y="3599078"/>
+            <a:ext cx="374593" cy="5946"/>
+          </a:xfrm>
+          <a:prstGeom prst="straightConnector1">
+            <a:avLst/>
+          </a:prstGeom>
+          <a:ln w="76200">
+            <a:solidFill>
+              <a:srgbClr val="FF0000"/>
+            </a:solidFill>
+            <a:tailEnd type="triangle"/>
+          </a:ln>
+        </p:spPr>
+        <p:style>
+          <a:lnRef idx="1">
+            <a:schemeClr val="accent1"/>
+          </a:lnRef>
+          <a:fillRef idx="0">
+            <a:schemeClr val="accent1"/>
+          </a:fillRef>
+          <a:effectRef idx="0">
+            <a:schemeClr val="accent1"/>
+          </a:effectRef>
+          <a:fontRef idx="minor">
+            <a:schemeClr val="tx1"/>
+          </a:fontRef>
+        </p:style>
+      </p:cxnSp>
+      <p:pic>
+        <p:nvPicPr>
+          <p:cNvPr id="41" name="Picture 2" descr="写真の説明はありません。"/>
+          <p:cNvPicPr>
+            <a:picLocks noChangeAspect="1" noChangeArrowheads="1"/>
+          </p:cNvPicPr>
+          <p:nvPr/>
+        </p:nvPicPr>
+        <p:blipFill>
+          <a:blip r:embed="rId2" cstate="hqprint">
+            <a:extLst>
+              <a:ext uri="{28A0092B-C50C-407E-A947-70E740481C1C}">
+                <a14:useLocalDpi xmlns:a14="http://schemas.microsoft.com/office/drawing/2010/main" val="0"/>
+              </a:ext>
+            </a:extLst>
+          </a:blip>
+          <a:srcRect/>
+          <a:stretch>
+            <a:fillRect/>
+          </a:stretch>
+        </p:blipFill>
+        <p:spPr bwMode="auto">
+          <a:xfrm>
+            <a:off x="764598" y="4572351"/>
+            <a:ext cx="1118110" cy="1118110"/>
+          </a:xfrm>
+          <a:prstGeom prst="rect">
+            <a:avLst/>
+          </a:prstGeom>
+          <a:noFill/>
+          <a:extLst>
+            <a:ext uri="{909E8E84-426E-40DD-AFC4-6F175D3DCCD1}">
+              <a14:hiddenFill xmlns:a14="http://schemas.microsoft.com/office/drawing/2010/main">
+                <a:solidFill>
+                  <a:srgbClr val="FFFFFF"/>
+                </a:solidFill>
+              </a14:hiddenFill>
+            </a:ext>
+          </a:extLst>
+        </p:spPr>
+      </p:pic>
+      <p:sp>
+        <p:nvSpPr>
+          <p:cNvPr id="42" name="楕円 41"/>
+          <p:cNvSpPr/>
+          <p:nvPr/>
+        </p:nvSpPr>
+        <p:spPr>
+          <a:xfrm flipV="1">
+            <a:off x="1564928" y="5143544"/>
+            <a:ext cx="178362" cy="178362"/>
+          </a:xfrm>
+          <a:prstGeom prst="ellipse">
+            <a:avLst/>
+          </a:prstGeom>
+          <a:noFill/>
+          <a:ln w="38100">
+            <a:solidFill>
+              <a:srgbClr val="FF0000"/>
+            </a:solidFill>
+          </a:ln>
+        </p:spPr>
+        <p:style>
+          <a:lnRef idx="2">
+            <a:schemeClr val="accent1">
+              <a:shade val="50000"/>
+            </a:schemeClr>
+          </a:lnRef>
+          <a:fillRef idx="1">
+            <a:schemeClr val="accent1"/>
+          </a:fillRef>
+          <a:effectRef idx="0">
+            <a:schemeClr val="accent1"/>
+          </a:effectRef>
+          <a:fontRef idx="minor">
+            <a:schemeClr val="lt1"/>
+          </a:fontRef>
+        </p:style>
+        <p:txBody>
+          <a:bodyPr rtlCol="0" anchor="ctr"/>
+          <a:lstStyle/>
+          <a:p>
+            <a:pPr algn="ctr"/>
+            <a:endParaRPr kumimoji="1" lang="ja-JP" altLang="en-US"/>
+          </a:p>
+        </p:txBody>
+      </p:sp>
+      <p:cxnSp>
+        <p:nvCxnSpPr>
+          <p:cNvPr id="27" name="直線矢印コネクタ 26">
+            <a:extLst>
+              <a:ext uri="{FF2B5EF4-FFF2-40B4-BE49-F238E27FC236}">
+                <a16:creationId xmlns:a16="http://schemas.microsoft.com/office/drawing/2014/main" id="{63FBFD75-5502-407E-BC2E-713C702A19A6}"/>
+              </a:ext>
+            </a:extLst>
+          </p:cNvPr>
+          <p:cNvCxnSpPr>
+            <a:cxnSpLocks/>
+          </p:cNvCxnSpPr>
+          <p:nvPr/>
+        </p:nvCxnSpPr>
+        <p:spPr>
+          <a:xfrm flipH="1">
+            <a:off x="1882708" y="5113815"/>
+            <a:ext cx="410856" cy="0"/>
+          </a:xfrm>
+          <a:prstGeom prst="straightConnector1">
+            <a:avLst/>
+          </a:prstGeom>
+          <a:ln w="76200">
+            <a:solidFill>
+              <a:srgbClr val="FF0000"/>
+            </a:solidFill>
+            <a:tailEnd type="triangle"/>
+          </a:ln>
+        </p:spPr>
+        <p:style>
+          <a:lnRef idx="1">
+            <a:schemeClr val="accent1"/>
+          </a:lnRef>
+          <a:fillRef idx="0">
+            <a:schemeClr val="accent1"/>
+          </a:fillRef>
+          <a:effectRef idx="0">
+            <a:schemeClr val="accent1"/>
+          </a:effectRef>
+          <a:fontRef idx="minor">
+            <a:schemeClr val="tx1"/>
+          </a:fontRef>
+        </p:style>
+      </p:cxnSp>
+      <p:sp>
+        <p:nvSpPr>
+          <p:cNvPr id="16" name="正方形/長方形 15">
+            <a:extLst>
+              <a:ext uri="{FF2B5EF4-FFF2-40B4-BE49-F238E27FC236}">
+                <a16:creationId xmlns:a16="http://schemas.microsoft.com/office/drawing/2014/main" id="{D8497200-CA1C-4FDD-A5AD-81F5E9AF330C}"/>
+              </a:ext>
+            </a:extLst>
+          </p:cNvPr>
+          <p:cNvSpPr/>
+          <p:nvPr/>
+        </p:nvSpPr>
+        <p:spPr>
+          <a:xfrm>
+            <a:off x="2248306" y="3326558"/>
+            <a:ext cx="917102" cy="531248"/>
+          </a:xfrm>
+          <a:prstGeom prst="rect">
+            <a:avLst/>
+          </a:prstGeom>
+          <a:ln>
+            <a:solidFill>
+              <a:schemeClr val="bg1"/>
+            </a:solidFill>
+          </a:ln>
+        </p:spPr>
+        <p:style>
+          <a:lnRef idx="2">
+            <a:schemeClr val="dk1">
+              <a:shade val="50000"/>
+            </a:schemeClr>
+          </a:lnRef>
+          <a:fillRef idx="1">
+            <a:schemeClr val="dk1"/>
+          </a:fillRef>
+          <a:effectRef idx="0">
+            <a:schemeClr val="dk1"/>
+          </a:effectRef>
+          <a:fontRef idx="minor">
+            <a:schemeClr val="lt1"/>
+          </a:fontRef>
+        </p:style>
+        <p:txBody>
+          <a:bodyPr rtlCol="0" anchor="ctr"/>
+          <a:lstStyle/>
+          <a:p>
+            <a:pPr algn="ctr"/>
+            <a:r>
+              <a:rPr kumimoji="1" lang="ja-JP" altLang="en-US" dirty="0"/>
+              <a:t>暗号化</a:t>
+            </a:r>
+          </a:p>
+        </p:txBody>
+      </p:sp>
+      <p:sp>
+        <p:nvSpPr>
+          <p:cNvPr id="30" name="正方形/長方形 29">
+            <a:extLst>
+              <a:ext uri="{FF2B5EF4-FFF2-40B4-BE49-F238E27FC236}">
+                <a16:creationId xmlns:a16="http://schemas.microsoft.com/office/drawing/2014/main" id="{A62ACAA8-52B3-43B0-AAD2-0339E259EB70}"/>
+              </a:ext>
+            </a:extLst>
+          </p:cNvPr>
+          <p:cNvSpPr/>
+          <p:nvPr/>
+        </p:nvSpPr>
+        <p:spPr>
+          <a:xfrm>
+            <a:off x="2295562" y="4857156"/>
+            <a:ext cx="917102" cy="531248"/>
+          </a:xfrm>
+          <a:prstGeom prst="rect">
+            <a:avLst/>
+          </a:prstGeom>
+          <a:ln>
+            <a:solidFill>
+              <a:schemeClr val="bg1"/>
+            </a:solidFill>
+          </a:ln>
+        </p:spPr>
+        <p:style>
+          <a:lnRef idx="2">
+            <a:schemeClr val="dk1">
+              <a:shade val="50000"/>
+            </a:schemeClr>
+          </a:lnRef>
+          <a:fillRef idx="1">
+            <a:schemeClr val="dk1"/>
+          </a:fillRef>
+          <a:effectRef idx="0">
+            <a:schemeClr val="dk1"/>
+          </a:effectRef>
+          <a:fontRef idx="minor">
+            <a:schemeClr val="lt1"/>
+          </a:fontRef>
+        </p:style>
+        <p:txBody>
+          <a:bodyPr rtlCol="0" anchor="ctr"/>
+          <a:lstStyle/>
+          <a:p>
+            <a:pPr algn="ctr"/>
+            <a:r>
+              <a:rPr kumimoji="1" lang="ja-JP" altLang="en-US" dirty="0"/>
+              <a:t>復号化</a:t>
+            </a:r>
+          </a:p>
+        </p:txBody>
+      </p:sp>
+      <p:sp>
+        <p:nvSpPr>
+          <p:cNvPr id="32" name="正方形/長方形 31">
+            <a:extLst>
+              <a:ext uri="{FF2B5EF4-FFF2-40B4-BE49-F238E27FC236}">
+                <a16:creationId xmlns:a16="http://schemas.microsoft.com/office/drawing/2014/main" id="{37B8F169-7A9C-4C31-A577-DDE29FDFE785}"/>
+              </a:ext>
+            </a:extLst>
+          </p:cNvPr>
+          <p:cNvSpPr/>
+          <p:nvPr/>
+        </p:nvSpPr>
+        <p:spPr>
+          <a:xfrm>
+            <a:off x="4710651" y="4095128"/>
+            <a:ext cx="917102" cy="531248"/>
+          </a:xfrm>
+          <a:prstGeom prst="rect">
+            <a:avLst/>
+          </a:prstGeom>
+          <a:ln>
+            <a:solidFill>
+              <a:schemeClr val="bg1"/>
+            </a:solidFill>
+          </a:ln>
+        </p:spPr>
+        <p:style>
+          <a:lnRef idx="2">
+            <a:schemeClr val="dk1">
+              <a:shade val="50000"/>
+            </a:schemeClr>
+          </a:lnRef>
+          <a:fillRef idx="1">
+            <a:schemeClr val="dk1"/>
+          </a:fillRef>
+          <a:effectRef idx="0">
+            <a:schemeClr val="dk1"/>
+          </a:effectRef>
+          <a:fontRef idx="minor">
+            <a:schemeClr val="lt1"/>
+          </a:fontRef>
+        </p:style>
+        <p:txBody>
+          <a:bodyPr rtlCol="0" anchor="ctr"/>
+          <a:lstStyle/>
+          <a:p>
+            <a:pPr algn="ctr"/>
+            <a:r>
+              <a:rPr kumimoji="1" lang="ja-JP" altLang="en-US" dirty="0"/>
+              <a:t>暗号化</a:t>
+            </a:r>
+          </a:p>
+        </p:txBody>
+      </p:sp>
+      <p:sp>
+        <p:nvSpPr>
+          <p:cNvPr id="33" name="正方形/長方形 32">
+            <a:extLst>
+              <a:ext uri="{FF2B5EF4-FFF2-40B4-BE49-F238E27FC236}">
+                <a16:creationId xmlns:a16="http://schemas.microsoft.com/office/drawing/2014/main" id="{12B9689D-3D62-4B94-BEF5-B940026BCA7A}"/>
+              </a:ext>
+            </a:extLst>
+          </p:cNvPr>
+          <p:cNvSpPr/>
+          <p:nvPr/>
+        </p:nvSpPr>
+        <p:spPr>
+          <a:xfrm>
+            <a:off x="4678001" y="3298259"/>
+            <a:ext cx="917102" cy="531248"/>
+          </a:xfrm>
+          <a:prstGeom prst="rect">
+            <a:avLst/>
+          </a:prstGeom>
+          <a:ln>
+            <a:solidFill>
+              <a:schemeClr val="bg1"/>
+            </a:solidFill>
+          </a:ln>
+        </p:spPr>
+        <p:style>
+          <a:lnRef idx="2">
+            <a:schemeClr val="dk1">
+              <a:shade val="50000"/>
+            </a:schemeClr>
+          </a:lnRef>
+          <a:fillRef idx="1">
+            <a:schemeClr val="dk1"/>
+          </a:fillRef>
+          <a:effectRef idx="0">
+            <a:schemeClr val="dk1"/>
+          </a:effectRef>
+          <a:fontRef idx="minor">
+            <a:schemeClr val="lt1"/>
+          </a:fontRef>
+        </p:style>
+        <p:txBody>
+          <a:bodyPr rtlCol="0" anchor="ctr"/>
+          <a:lstStyle/>
+          <a:p>
+            <a:pPr algn="ctr"/>
+            <a:r>
+              <a:rPr kumimoji="1" lang="ja-JP" altLang="en-US" dirty="0"/>
+              <a:t>復号化</a:t>
+            </a:r>
+          </a:p>
+        </p:txBody>
+      </p:sp>
+      <p:sp>
+        <p:nvSpPr>
+          <p:cNvPr id="18" name="正方形/長方形 17">
+            <a:extLst>
+              <a:ext uri="{FF2B5EF4-FFF2-40B4-BE49-F238E27FC236}">
+                <a16:creationId xmlns:a16="http://schemas.microsoft.com/office/drawing/2014/main" id="{5625E540-73AB-4DC2-8457-CCE527885FE9}"/>
+              </a:ext>
+            </a:extLst>
+          </p:cNvPr>
+          <p:cNvSpPr/>
+          <p:nvPr/>
+        </p:nvSpPr>
+        <p:spPr>
+          <a:xfrm>
+            <a:off x="5988950" y="3355908"/>
+            <a:ext cx="1160492" cy="1274092"/>
+          </a:xfrm>
+          <a:prstGeom prst="rect">
+            <a:avLst/>
+          </a:prstGeom>
+          <a:ln>
+            <a:solidFill>
+              <a:schemeClr val="bg1"/>
+            </a:solidFill>
+          </a:ln>
+        </p:spPr>
+        <p:style>
+          <a:lnRef idx="2">
+            <a:schemeClr val="dk1">
+              <a:shade val="50000"/>
+            </a:schemeClr>
+          </a:lnRef>
+          <a:fillRef idx="1">
+            <a:schemeClr val="dk1"/>
+          </a:fillRef>
+          <a:effectRef idx="0">
+            <a:schemeClr val="dk1"/>
+          </a:effectRef>
+          <a:fontRef idx="minor">
+            <a:schemeClr val="lt1"/>
+          </a:fontRef>
+        </p:style>
+        <p:txBody>
+          <a:bodyPr rtlCol="0" anchor="ctr"/>
+          <a:lstStyle/>
+          <a:p>
+            <a:pPr algn="ctr"/>
+            <a:r>
+              <a:rPr kumimoji="1" lang="ja-JP" altLang="en-US" dirty="0"/>
+              <a:t>医用</a:t>
+            </a:r>
+            <a:r>
+              <a:rPr kumimoji="1" lang="en-US" altLang="ja-JP" dirty="0"/>
+              <a:t>AI</a:t>
+            </a:r>
+            <a:endParaRPr kumimoji="1" lang="ja-JP" altLang="en-US" dirty="0"/>
+          </a:p>
+        </p:txBody>
+      </p:sp>
+    </p:spTree>
+    <p:extLst>
+      <p:ext uri="{BB962C8B-B14F-4D97-AF65-F5344CB8AC3E}">
+        <p14:creationId xmlns:p14="http://schemas.microsoft.com/office/powerpoint/2010/main" val="2666213549"/>
+      </p:ext>
+    </p:extLst>
+  </p:cSld>
+  <p:clrMapOvr>
+    <a:masterClrMapping/>
+  </p:clrMapOvr>
+</p:sld>
+</file>
+
+<file path=ppt/slides/slide12.xml><?xml version="1.0" encoding="utf-8"?>
+<p:sld xmlns:a="http://schemas.openxmlformats.org/drawingml/2006/main" xmlns:r="http://schemas.openxmlformats.org/officeDocument/2006/relationships" xmlns:p="http://schemas.openxmlformats.org/presentationml/2006/main">
+  <p:cSld>
+    <p:spTree>
+      <p:nvGrpSpPr>
+        <p:cNvPr id="1" name=""/>
+        <p:cNvGrpSpPr/>
+        <p:nvPr/>
+      </p:nvGrpSpPr>
+      <p:grpSpPr>
+        <a:xfrm>
+          <a:off x="0" y="0"/>
+          <a:ext cx="0" cy="0"/>
+          <a:chOff x="0" y="0"/>
+          <a:chExt cx="0" cy="0"/>
+        </a:xfrm>
+      </p:grpSpPr>
+      <p:cxnSp>
+        <p:nvCxnSpPr>
+          <p:cNvPr id="36" name="カギ線コネクタ 35"/>
+          <p:cNvCxnSpPr/>
+          <p:nvPr/>
+        </p:nvCxnSpPr>
+        <p:spPr>
+          <a:xfrm>
+            <a:off x="2183691" y="2313458"/>
+            <a:ext cx="5641648" cy="628800"/>
+          </a:xfrm>
+          <a:prstGeom prst="bentConnector3">
+            <a:avLst>
+              <a:gd name="adj1" fmla="val 9224"/>
+            </a:avLst>
+          </a:prstGeom>
+          <a:ln>
+            <a:tailEnd type="triangle"/>
+          </a:ln>
+        </p:spPr>
+        <p:style>
+          <a:lnRef idx="1">
+            <a:schemeClr val="accent1"/>
+          </a:lnRef>
+          <a:fillRef idx="0">
+            <a:schemeClr val="accent1"/>
+          </a:fillRef>
+          <a:effectRef idx="0">
+            <a:schemeClr val="accent1"/>
+          </a:effectRef>
+          <a:fontRef idx="minor">
+            <a:schemeClr val="tx1"/>
+          </a:fontRef>
+        </p:style>
+      </p:cxnSp>
+      <p:sp>
+        <p:nvSpPr>
+          <p:cNvPr id="34" name="正方形/長方形 33"/>
+          <p:cNvSpPr/>
+          <p:nvPr/>
+        </p:nvSpPr>
+        <p:spPr>
+          <a:xfrm>
+            <a:off x="471638" y="1588168"/>
+            <a:ext cx="2059806" cy="2762062"/>
+          </a:xfrm>
+          <a:prstGeom prst="rect">
+            <a:avLst/>
+          </a:prstGeom>
+          <a:ln>
+            <a:solidFill>
+              <a:srgbClr val="FF0000"/>
+            </a:solidFill>
+          </a:ln>
+        </p:spPr>
+        <p:style>
+          <a:lnRef idx="2">
+            <a:schemeClr val="accent1"/>
+          </a:lnRef>
+          <a:fillRef idx="1">
+            <a:schemeClr val="lt1"/>
+          </a:fillRef>
+          <a:effectRef idx="0">
+            <a:schemeClr val="accent1"/>
+          </a:effectRef>
+          <a:fontRef idx="minor">
+            <a:schemeClr val="dk1"/>
+          </a:fontRef>
+        </p:style>
+        <p:txBody>
+          <a:bodyPr rtlCol="0" anchor="b"/>
+          <a:lstStyle/>
+          <a:p>
+            <a:pPr algn="ctr"/>
+            <a:r>
+              <a:rPr kumimoji="1" lang="ja-JP" altLang="en-US" dirty="0"/>
+              <a:t>非公開</a:t>
+            </a:r>
+          </a:p>
+        </p:txBody>
+      </p:sp>
+      <p:cxnSp>
+        <p:nvCxnSpPr>
+          <p:cNvPr id="19" name="カギ線コネクタ 18"/>
+          <p:cNvCxnSpPr>
+            <a:stCxn id="6" idx="3"/>
+          </p:cNvCxnSpPr>
+          <p:nvPr/>
+        </p:nvCxnSpPr>
+        <p:spPr>
+          <a:xfrm>
+            <a:off x="2428399" y="2305251"/>
+            <a:ext cx="5310313" cy="3156696"/>
+          </a:xfrm>
+          <a:prstGeom prst="bentConnector3">
+            <a:avLst>
+              <a:gd name="adj1" fmla="val 3780"/>
+            </a:avLst>
+          </a:prstGeom>
+          <a:ln>
+            <a:tailEnd type="triangle"/>
+          </a:ln>
+        </p:spPr>
+        <p:style>
+          <a:lnRef idx="1">
+            <a:schemeClr val="accent1"/>
+          </a:lnRef>
+          <a:fillRef idx="0">
+            <a:schemeClr val="accent1"/>
+          </a:fillRef>
+          <a:effectRef idx="0">
+            <a:schemeClr val="accent1"/>
+          </a:effectRef>
+          <a:fontRef idx="minor">
+            <a:schemeClr val="tx1"/>
+          </a:fontRef>
+        </p:style>
+      </p:cxnSp>
+      <p:pic>
+        <p:nvPicPr>
+          <p:cNvPr id="4" name="図 3" descr="抽象, 探す, 衣類, 持つ が含まれている画像&#10;&#10;自動的に生成された説明">
+            <a:extLst>
+              <a:ext uri="{FF2B5EF4-FFF2-40B4-BE49-F238E27FC236}">
+                <a16:creationId xmlns:a16="http://schemas.microsoft.com/office/drawing/2014/main" id="{47BD524A-247F-4CA3-B28B-B158809CEEE3}"/>
+              </a:ext>
+            </a:extLst>
+          </p:cNvPr>
+          <p:cNvPicPr>
+            <a:picLocks noChangeAspect="1"/>
+          </p:cNvPicPr>
+          <p:nvPr/>
+        </p:nvPicPr>
+        <p:blipFill>
+          <a:blip r:embed="rId2" cstate="hqprint">
+            <a:extLst>
+              <a:ext uri="{28A0092B-C50C-407E-A947-70E740481C1C}">
+                <a14:useLocalDpi xmlns:a14="http://schemas.microsoft.com/office/drawing/2010/main" val="0"/>
+              </a:ext>
+            </a:extLst>
+          </a:blip>
+          <a:stretch>
+            <a:fillRect/>
+          </a:stretch>
+        </p:blipFill>
+        <p:spPr>
+          <a:xfrm>
+            <a:off x="807745" y="2020918"/>
+            <a:ext cx="585083" cy="585083"/>
+          </a:xfrm>
+          <a:prstGeom prst="rect">
+            <a:avLst/>
+          </a:prstGeom>
+        </p:spPr>
+      </p:pic>
+      <p:sp>
+        <p:nvSpPr>
+          <p:cNvPr id="5" name="メモ 4"/>
+          <p:cNvSpPr/>
+          <p:nvPr/>
+        </p:nvSpPr>
+        <p:spPr>
+          <a:xfrm>
+            <a:off x="1447572" y="2020917"/>
+            <a:ext cx="585083" cy="585083"/>
+          </a:xfrm>
+          <a:prstGeom prst="foldedCorner">
+            <a:avLst/>
+          </a:prstGeom>
+        </p:spPr>
+        <p:style>
+          <a:lnRef idx="2">
+            <a:schemeClr val="dk1"/>
+          </a:lnRef>
+          <a:fillRef idx="1">
+            <a:schemeClr val="lt1"/>
+          </a:fillRef>
+          <a:effectRef idx="0">
+            <a:schemeClr val="dk1"/>
+          </a:effectRef>
+          <a:fontRef idx="minor">
+            <a:schemeClr val="dk1"/>
+          </a:fontRef>
+        </p:style>
+        <p:txBody>
+          <a:bodyPr rtlCol="0" anchor="ctr"/>
+          <a:lstStyle/>
+          <a:p>
+            <a:pPr algn="ctr"/>
+            <a:r>
+              <a:rPr kumimoji="1" lang="ja-JP" altLang="en-US" sz="1200" dirty="0"/>
+              <a:t>付帯情報</a:t>
+            </a:r>
+          </a:p>
+        </p:txBody>
+      </p:sp>
+      <p:sp>
+        <p:nvSpPr>
+          <p:cNvPr id="6" name="フローチャート: 複数書類 5"/>
+          <p:cNvSpPr/>
+          <p:nvPr/>
+        </p:nvSpPr>
+        <p:spPr>
+          <a:xfrm>
+            <a:off x="666976" y="1694046"/>
+            <a:ext cx="1761423" cy="1222409"/>
+          </a:xfrm>
+          <a:prstGeom prst="flowChartMultidocument">
+            <a:avLst/>
+          </a:prstGeom>
+          <a:noFill/>
+          <a:ln>
+            <a:solidFill>
+              <a:schemeClr val="tx1"/>
+            </a:solidFill>
+          </a:ln>
+        </p:spPr>
+        <p:style>
+          <a:lnRef idx="2">
+            <a:schemeClr val="accent1">
+              <a:shade val="50000"/>
+            </a:schemeClr>
+          </a:lnRef>
+          <a:fillRef idx="1">
+            <a:schemeClr val="accent1"/>
+          </a:fillRef>
+          <a:effectRef idx="0">
+            <a:schemeClr val="accent1"/>
+          </a:effectRef>
+          <a:fontRef idx="minor">
+            <a:schemeClr val="lt1"/>
+          </a:fontRef>
+        </p:style>
+        <p:txBody>
+          <a:bodyPr rtlCol="0" anchor="ctr"/>
+          <a:lstStyle/>
+          <a:p>
+            <a:pPr algn="ctr"/>
+            <a:endParaRPr kumimoji="1" lang="ja-JP" altLang="en-US"/>
+          </a:p>
+        </p:txBody>
+      </p:sp>
+      <p:sp>
+        <p:nvSpPr>
+          <p:cNvPr id="7" name="テキスト ボックス 6"/>
+          <p:cNvSpPr txBox="1"/>
+          <p:nvPr/>
+        </p:nvSpPr>
+        <p:spPr>
+          <a:xfrm>
+            <a:off x="526554" y="3000624"/>
+            <a:ext cx="1973179" cy="646331"/>
+          </a:xfrm>
+          <a:prstGeom prst="rect">
+            <a:avLst/>
+          </a:prstGeom>
+          <a:noFill/>
+        </p:spPr>
+        <p:txBody>
+          <a:bodyPr wrap="square" rtlCol="0">
+            <a:spAutoFit/>
+          </a:bodyPr>
+          <a:lstStyle/>
+          <a:p>
+            <a:r>
+              <a:rPr kumimoji="1" lang="en-US" altLang="ja-JP" dirty="0"/>
+              <a:t>[</a:t>
+            </a:r>
+            <a:r>
+              <a:rPr kumimoji="1" lang="ja-JP" altLang="en-US" dirty="0"/>
+              <a:t>画像</a:t>
+            </a:r>
+            <a:r>
+              <a:rPr kumimoji="1" lang="en-US" altLang="ja-JP" dirty="0"/>
+              <a:t>+</a:t>
+            </a:r>
+            <a:r>
+              <a:rPr kumimoji="1" lang="ja-JP" altLang="en-US" dirty="0"/>
+              <a:t>付帯情報</a:t>
+            </a:r>
+            <a:r>
+              <a:rPr kumimoji="1" lang="en-US" altLang="ja-JP" dirty="0"/>
+              <a:t>]</a:t>
+            </a:r>
+            <a:r>
+              <a:rPr kumimoji="1" lang="ja-JP" altLang="en-US" dirty="0"/>
+              <a:t>データベース</a:t>
+            </a:r>
+          </a:p>
+        </p:txBody>
+      </p:sp>
+      <p:sp>
+        <p:nvSpPr>
+          <p:cNvPr id="8" name="フローチャート: 定義済み処理 7"/>
+          <p:cNvSpPr/>
+          <p:nvPr/>
+        </p:nvSpPr>
+        <p:spPr>
+          <a:xfrm>
+            <a:off x="3003082" y="1872113"/>
+            <a:ext cx="519764" cy="2223435"/>
+          </a:xfrm>
+          <a:prstGeom prst="flowChartPredefinedProcess">
+            <a:avLst/>
+          </a:prstGeom>
+        </p:spPr>
+        <p:style>
+          <a:lnRef idx="2">
+            <a:schemeClr val="accent2"/>
+          </a:lnRef>
+          <a:fillRef idx="1">
+            <a:schemeClr val="lt1"/>
+          </a:fillRef>
+          <a:effectRef idx="0">
+            <a:schemeClr val="accent2"/>
+          </a:effectRef>
+          <a:fontRef idx="minor">
+            <a:schemeClr val="dk1"/>
+          </a:fontRef>
+        </p:style>
+        <p:txBody>
+          <a:bodyPr vert="eaVert" rtlCol="0" anchor="ctr"/>
+          <a:lstStyle/>
+          <a:p>
+            <a:pPr algn="ctr"/>
+            <a:r>
+              <a:rPr kumimoji="1" lang="ja-JP" altLang="en-US" dirty="0"/>
+              <a:t>クエリ（平均画像）</a:t>
+            </a:r>
+          </a:p>
+        </p:txBody>
+      </p:sp>
+      <p:sp>
+        <p:nvSpPr>
+          <p:cNvPr id="9" name="フローチャート: 定義済み処理 8"/>
+          <p:cNvSpPr/>
+          <p:nvPr/>
+        </p:nvSpPr>
+        <p:spPr>
+          <a:xfrm>
+            <a:off x="3003082" y="4350231"/>
+            <a:ext cx="519764" cy="2223435"/>
+          </a:xfrm>
+          <a:prstGeom prst="flowChartPredefinedProcess">
+            <a:avLst/>
+          </a:prstGeom>
+        </p:spPr>
+        <p:style>
+          <a:lnRef idx="2">
+            <a:schemeClr val="accent2"/>
+          </a:lnRef>
+          <a:fillRef idx="1">
+            <a:schemeClr val="lt1"/>
+          </a:fillRef>
+          <a:effectRef idx="0">
+            <a:schemeClr val="accent2"/>
+          </a:effectRef>
+          <a:fontRef idx="minor">
+            <a:schemeClr val="dk1"/>
+          </a:fontRef>
+        </p:style>
+        <p:txBody>
+          <a:bodyPr vert="eaVert" rtlCol="0" anchor="ctr"/>
+          <a:lstStyle/>
+          <a:p>
+            <a:pPr algn="ctr"/>
+            <a:r>
+              <a:rPr kumimoji="1" lang="ja-JP" altLang="en-US" sz="1200" dirty="0"/>
+              <a:t>クエリ</a:t>
+            </a:r>
+            <a:endParaRPr kumimoji="1" lang="en-US" altLang="ja-JP" sz="1200" dirty="0"/>
+          </a:p>
+          <a:p>
+            <a:pPr algn="ctr"/>
+            <a:r>
+              <a:rPr kumimoji="1" lang="ja-JP" altLang="en-US" sz="1200" dirty="0"/>
+              <a:t>（ランダムサンプリング）</a:t>
+            </a:r>
+          </a:p>
+        </p:txBody>
+      </p:sp>
+      <p:sp>
+        <p:nvSpPr>
+          <p:cNvPr id="10" name="フローチャート: 定義済み処理 9"/>
+          <p:cNvSpPr/>
+          <p:nvPr/>
+        </p:nvSpPr>
+        <p:spPr>
+          <a:xfrm>
+            <a:off x="3522846" y="1872113"/>
+            <a:ext cx="2415941" cy="2223435"/>
+          </a:xfrm>
+          <a:prstGeom prst="flowChartPredefinedProcess">
+            <a:avLst/>
+          </a:prstGeom>
+        </p:spPr>
+        <p:style>
+          <a:lnRef idx="2">
+            <a:schemeClr val="accent2"/>
+          </a:lnRef>
+          <a:fillRef idx="1">
+            <a:schemeClr val="lt1"/>
+          </a:fillRef>
+          <a:effectRef idx="0">
+            <a:schemeClr val="accent2"/>
+          </a:effectRef>
+          <a:fontRef idx="minor">
+            <a:schemeClr val="dk1"/>
+          </a:fontRef>
+        </p:style>
+        <p:txBody>
+          <a:bodyPr rtlCol="0" anchor="ctr"/>
+          <a:lstStyle/>
+          <a:p>
+            <a:pPr algn="ctr"/>
+            <a:endParaRPr kumimoji="1" lang="ja-JP" altLang="en-US"/>
+          </a:p>
+        </p:txBody>
+      </p:sp>
+      <p:sp>
+        <p:nvSpPr>
+          <p:cNvPr id="12" name="フローチャート: 定義済み処理 11"/>
+          <p:cNvSpPr/>
+          <p:nvPr/>
+        </p:nvSpPr>
+        <p:spPr>
+          <a:xfrm>
+            <a:off x="3522846" y="4350230"/>
+            <a:ext cx="2415941" cy="2223435"/>
+          </a:xfrm>
+          <a:prstGeom prst="flowChartPredefinedProcess">
+            <a:avLst/>
+          </a:prstGeom>
+        </p:spPr>
+        <p:style>
+          <a:lnRef idx="2">
+            <a:schemeClr val="accent2"/>
+          </a:lnRef>
+          <a:fillRef idx="1">
+            <a:schemeClr val="lt1"/>
+          </a:fillRef>
+          <a:effectRef idx="0">
+            <a:schemeClr val="accent2"/>
+          </a:effectRef>
+          <a:fontRef idx="minor">
+            <a:schemeClr val="dk1"/>
+          </a:fontRef>
+        </p:style>
+        <p:txBody>
+          <a:bodyPr rtlCol="0" anchor="ctr"/>
+          <a:lstStyle/>
+          <a:p>
+            <a:r>
+              <a:rPr kumimoji="1" lang="ja-JP" altLang="en-US" dirty="0"/>
+              <a:t>指定された付帯情報</a:t>
+            </a:r>
+            <a:r>
+              <a:rPr kumimoji="1" lang="en-US" altLang="ja-JP" dirty="0"/>
+              <a:t>(ex.</a:t>
+            </a:r>
+            <a:r>
+              <a:rPr kumimoji="1" lang="ja-JP" altLang="en-US" dirty="0"/>
+              <a:t>疾患</a:t>
+            </a:r>
+            <a:r>
+              <a:rPr kumimoji="1" lang="en-US" altLang="ja-JP" dirty="0"/>
+              <a:t>)</a:t>
+            </a:r>
+            <a:r>
+              <a:rPr kumimoji="1" lang="ja-JP" altLang="en-US" dirty="0"/>
+              <a:t>をもつ症例の画像を収集</a:t>
+            </a:r>
+            <a:endParaRPr kumimoji="1" lang="en-US" altLang="ja-JP" dirty="0"/>
+          </a:p>
+          <a:p>
+            <a:pPr algn="ctr"/>
+            <a:r>
+              <a:rPr kumimoji="1" lang="ja-JP" altLang="en-US" dirty="0"/>
+              <a:t>↓</a:t>
+            </a:r>
+            <a:endParaRPr kumimoji="1" lang="en-US" altLang="ja-JP" dirty="0"/>
+          </a:p>
+          <a:p>
+            <a:r>
+              <a:rPr kumimoji="1" lang="en-US" altLang="ja-JP" dirty="0"/>
+              <a:t>Glow</a:t>
+            </a:r>
+            <a:r>
+              <a:rPr kumimoji="1" lang="ja-JP" altLang="en-US" dirty="0"/>
+              <a:t>潜在ベクトルの分布からランダムサンプル</a:t>
+            </a:r>
+          </a:p>
+        </p:txBody>
+      </p:sp>
+      <p:sp>
+        <p:nvSpPr>
+          <p:cNvPr id="13" name="円柱 12"/>
+          <p:cNvSpPr/>
+          <p:nvPr/>
+        </p:nvSpPr>
+        <p:spPr>
+          <a:xfrm>
+            <a:off x="820031" y="4904603"/>
+            <a:ext cx="1289785" cy="1250894"/>
+          </a:xfrm>
+          <a:prstGeom prst="can">
+            <a:avLst/>
+          </a:prstGeom>
+        </p:spPr>
+        <p:style>
+          <a:lnRef idx="2">
+            <a:schemeClr val="accent1">
+              <a:shade val="50000"/>
+            </a:schemeClr>
+          </a:lnRef>
+          <a:fillRef idx="1">
+            <a:schemeClr val="accent1"/>
+          </a:fillRef>
+          <a:effectRef idx="0">
+            <a:schemeClr val="accent1"/>
+          </a:effectRef>
+          <a:fontRef idx="minor">
+            <a:schemeClr val="lt1"/>
+          </a:fontRef>
+        </p:style>
+        <p:txBody>
+          <a:bodyPr rtlCol="0" anchor="ctr"/>
+          <a:lstStyle/>
+          <a:p>
+            <a:pPr algn="ctr"/>
+            <a:r>
+              <a:rPr kumimoji="1" lang="ja-JP" altLang="en-US" dirty="0"/>
+              <a:t>画像の</a:t>
+            </a:r>
+            <a:r>
+              <a:rPr kumimoji="1" lang="en-US" altLang="ja-JP" dirty="0"/>
+              <a:t>Glow</a:t>
+            </a:r>
+          </a:p>
+          <a:p>
+            <a:pPr algn="ctr"/>
+            <a:r>
+              <a:rPr kumimoji="1" lang="ja-JP" altLang="en-US" dirty="0"/>
+              <a:t>モデル</a:t>
+            </a:r>
+          </a:p>
+        </p:txBody>
+      </p:sp>
+      <p:sp>
+        <p:nvSpPr>
+          <p:cNvPr id="15" name="テキスト ボックス 14"/>
+          <p:cNvSpPr txBox="1"/>
+          <p:nvPr/>
+        </p:nvSpPr>
+        <p:spPr>
+          <a:xfrm>
+            <a:off x="3837645" y="1897916"/>
+            <a:ext cx="1786341" cy="2308324"/>
+          </a:xfrm>
+          <a:prstGeom prst="rect">
+            <a:avLst/>
+          </a:prstGeom>
+          <a:noFill/>
+        </p:spPr>
+        <p:txBody>
+          <a:bodyPr wrap="square" rtlCol="0">
+            <a:spAutoFit/>
+          </a:bodyPr>
+          <a:lstStyle/>
+          <a:p>
+            <a:r>
+              <a:rPr kumimoji="1" lang="ja-JP" altLang="en-US" dirty="0"/>
+              <a:t>指定された付帯情報</a:t>
+            </a:r>
+            <a:r>
+              <a:rPr kumimoji="1" lang="en-US" altLang="ja-JP" dirty="0"/>
+              <a:t>(ex.</a:t>
+            </a:r>
+            <a:r>
+              <a:rPr kumimoji="1" lang="ja-JP" altLang="en-US" dirty="0"/>
+              <a:t>疾患</a:t>
+            </a:r>
+            <a:r>
+              <a:rPr kumimoji="1" lang="en-US" altLang="ja-JP" dirty="0"/>
+              <a:t>)</a:t>
+            </a:r>
+            <a:r>
+              <a:rPr kumimoji="1" lang="ja-JP" altLang="en-US" dirty="0"/>
+              <a:t>をもつ症例の画像を収集</a:t>
+            </a:r>
+            <a:endParaRPr kumimoji="1" lang="en-US" altLang="ja-JP" dirty="0"/>
+          </a:p>
+          <a:p>
+            <a:pPr algn="ctr"/>
+            <a:r>
+              <a:rPr kumimoji="1" lang="ja-JP" altLang="en-US" dirty="0"/>
+              <a:t>↓</a:t>
+            </a:r>
+            <a:endParaRPr kumimoji="1" lang="en-US" altLang="ja-JP" dirty="0"/>
+          </a:p>
+          <a:p>
+            <a:r>
+              <a:rPr kumimoji="1" lang="en-US" altLang="ja-JP" dirty="0"/>
+              <a:t>Glow</a:t>
+            </a:r>
+            <a:r>
+              <a:rPr kumimoji="1" lang="ja-JP" altLang="en-US" dirty="0"/>
+              <a:t>潜在表現ベクトルの平均を出力</a:t>
+            </a:r>
+          </a:p>
+        </p:txBody>
+      </p:sp>
+      <p:sp>
+        <p:nvSpPr>
+          <p:cNvPr id="24" name="フローチャート: 定義済み処理 23"/>
+          <p:cNvSpPr/>
+          <p:nvPr/>
+        </p:nvSpPr>
+        <p:spPr>
+          <a:xfrm>
+            <a:off x="6998556" y="1919572"/>
+            <a:ext cx="589120" cy="4573336"/>
+          </a:xfrm>
+          <a:prstGeom prst="flowChartPredefinedProcess">
+            <a:avLst/>
+          </a:prstGeom>
+        </p:spPr>
+        <p:style>
+          <a:lnRef idx="2">
+            <a:schemeClr val="dk1"/>
+          </a:lnRef>
+          <a:fillRef idx="1">
+            <a:schemeClr val="lt1"/>
+          </a:fillRef>
+          <a:effectRef idx="0">
+            <a:schemeClr val="dk1"/>
+          </a:effectRef>
+          <a:fontRef idx="minor">
+            <a:schemeClr val="dk1"/>
+          </a:fontRef>
+        </p:style>
+        <p:txBody>
+          <a:bodyPr vert="eaVert" rtlCol="0" anchor="ctr"/>
+          <a:lstStyle/>
+          <a:p>
+            <a:pPr algn="ctr"/>
+            <a:r>
+              <a:rPr kumimoji="1" lang="en-US" altLang="ja-JP" dirty="0"/>
+              <a:t>Glow</a:t>
+            </a:r>
+            <a:r>
+              <a:rPr kumimoji="1" lang="ja-JP" altLang="en-US" dirty="0"/>
+              <a:t>逆変換</a:t>
+            </a:r>
+          </a:p>
+        </p:txBody>
+      </p:sp>
+      <p:pic>
+        <p:nvPicPr>
+          <p:cNvPr id="28" name="図 27" descr="抽象, 探す, 衣類, 持つ が含まれている画像&#10;&#10;自動的に生成された説明">
+            <a:extLst>
+              <a:ext uri="{FF2B5EF4-FFF2-40B4-BE49-F238E27FC236}">
+                <a16:creationId xmlns:a16="http://schemas.microsoft.com/office/drawing/2014/main" id="{47BD524A-247F-4CA3-B28B-B158809CEEE3}"/>
+              </a:ext>
+            </a:extLst>
+          </p:cNvPr>
+          <p:cNvPicPr>
+            <a:picLocks noChangeAspect="1"/>
+          </p:cNvPicPr>
+          <p:nvPr/>
+        </p:nvPicPr>
+        <p:blipFill>
+          <a:blip r:embed="rId2" cstate="hqprint">
+            <a:extLst>
+              <a:ext uri="{28A0092B-C50C-407E-A947-70E740481C1C}">
+                <a14:useLocalDpi xmlns:a14="http://schemas.microsoft.com/office/drawing/2010/main" val="0"/>
+              </a:ext>
+            </a:extLst>
+          </a:blip>
+          <a:stretch>
+            <a:fillRect/>
+          </a:stretch>
+        </p:blipFill>
+        <p:spPr>
+          <a:xfrm>
+            <a:off x="8053511" y="2559932"/>
+            <a:ext cx="585083" cy="585083"/>
+          </a:xfrm>
+          <a:prstGeom prst="rect">
+            <a:avLst/>
+          </a:prstGeom>
+        </p:spPr>
+      </p:pic>
+      <p:pic>
+        <p:nvPicPr>
+          <p:cNvPr id="29" name="図 28" descr="抽象, 探す, 衣類, 持つ が含まれている画像&#10;&#10;自動的に生成された説明">
+            <a:extLst>
+              <a:ext uri="{FF2B5EF4-FFF2-40B4-BE49-F238E27FC236}">
+                <a16:creationId xmlns:a16="http://schemas.microsoft.com/office/drawing/2014/main" id="{47BD524A-247F-4CA3-B28B-B158809CEEE3}"/>
+              </a:ext>
+            </a:extLst>
+          </p:cNvPr>
+          <p:cNvPicPr>
+            <a:picLocks noChangeAspect="1"/>
+          </p:cNvPicPr>
+          <p:nvPr/>
+        </p:nvPicPr>
+        <p:blipFill>
+          <a:blip r:embed="rId2" cstate="hqprint">
+            <a:extLst>
+              <a:ext uri="{28A0092B-C50C-407E-A947-70E740481C1C}">
+                <a14:useLocalDpi xmlns:a14="http://schemas.microsoft.com/office/drawing/2010/main" val="0"/>
+              </a:ext>
+            </a:extLst>
+          </a:blip>
+          <a:stretch>
+            <a:fillRect/>
+          </a:stretch>
+        </p:blipFill>
+        <p:spPr>
+          <a:xfrm>
+            <a:off x="7950069" y="5085109"/>
+            <a:ext cx="585083" cy="585083"/>
+          </a:xfrm>
+          <a:prstGeom prst="rect">
+            <a:avLst/>
+          </a:prstGeom>
+        </p:spPr>
+      </p:pic>
+      <p:pic>
+        <p:nvPicPr>
+          <p:cNvPr id="30" name="図 29" descr="抽象, 探す, 衣類, 持つ が含まれている画像&#10;&#10;自動的に生成された説明">
+            <a:extLst>
+              <a:ext uri="{FF2B5EF4-FFF2-40B4-BE49-F238E27FC236}">
+                <a16:creationId xmlns:a16="http://schemas.microsoft.com/office/drawing/2014/main" id="{47BD524A-247F-4CA3-B28B-B158809CEEE3}"/>
+              </a:ext>
+            </a:extLst>
+          </p:cNvPr>
+          <p:cNvPicPr>
+            <a:picLocks noChangeAspect="1"/>
+          </p:cNvPicPr>
+          <p:nvPr/>
+        </p:nvPicPr>
+        <p:blipFill>
+          <a:blip r:embed="rId2" cstate="hqprint">
+            <a:extLst>
+              <a:ext uri="{28A0092B-C50C-407E-A947-70E740481C1C}">
+                <a14:useLocalDpi xmlns:a14="http://schemas.microsoft.com/office/drawing/2010/main" val="0"/>
+              </a:ext>
+            </a:extLst>
+          </a:blip>
+          <a:stretch>
+            <a:fillRect/>
+          </a:stretch>
+        </p:blipFill>
+        <p:spPr>
+          <a:xfrm>
+            <a:off x="8102469" y="5237509"/>
+            <a:ext cx="585083" cy="585083"/>
+          </a:xfrm>
+          <a:prstGeom prst="rect">
+            <a:avLst/>
+          </a:prstGeom>
+        </p:spPr>
+      </p:pic>
+      <p:pic>
+        <p:nvPicPr>
+          <p:cNvPr id="31" name="図 30" descr="抽象, 探す, 衣類, 持つ が含まれている画像&#10;&#10;自動的に生成された説明">
+            <a:extLst>
+              <a:ext uri="{FF2B5EF4-FFF2-40B4-BE49-F238E27FC236}">
+                <a16:creationId xmlns:a16="http://schemas.microsoft.com/office/drawing/2014/main" id="{47BD524A-247F-4CA3-B28B-B158809CEEE3}"/>
+              </a:ext>
+            </a:extLst>
+          </p:cNvPr>
+          <p:cNvPicPr>
+            <a:picLocks noChangeAspect="1"/>
+          </p:cNvPicPr>
+          <p:nvPr/>
+        </p:nvPicPr>
+        <p:blipFill>
+          <a:blip r:embed="rId2" cstate="hqprint">
+            <a:extLst>
+              <a:ext uri="{28A0092B-C50C-407E-A947-70E740481C1C}">
+                <a14:useLocalDpi xmlns:a14="http://schemas.microsoft.com/office/drawing/2010/main" val="0"/>
+              </a:ext>
+            </a:extLst>
+          </a:blip>
+          <a:stretch>
+            <a:fillRect/>
+          </a:stretch>
+        </p:blipFill>
+        <p:spPr>
+          <a:xfrm>
+            <a:off x="8254869" y="5389909"/>
+            <a:ext cx="585083" cy="585083"/>
+          </a:xfrm>
+          <a:prstGeom prst="rect">
+            <a:avLst/>
+          </a:prstGeom>
+        </p:spPr>
+      </p:pic>
+      <p:sp>
+        <p:nvSpPr>
+          <p:cNvPr id="32" name="テキスト ボックス 31"/>
+          <p:cNvSpPr txBox="1"/>
+          <p:nvPr/>
+        </p:nvSpPr>
+        <p:spPr>
+          <a:xfrm>
+            <a:off x="7738712" y="3145015"/>
+            <a:ext cx="1232033" cy="369332"/>
+          </a:xfrm>
+          <a:prstGeom prst="rect">
+            <a:avLst/>
+          </a:prstGeom>
+          <a:noFill/>
+        </p:spPr>
+        <p:txBody>
+          <a:bodyPr wrap="square" rtlCol="0">
+            <a:spAutoFit/>
+          </a:bodyPr>
+          <a:lstStyle/>
+          <a:p>
+            <a:pPr algn="ctr"/>
+            <a:r>
+              <a:rPr kumimoji="1" lang="ja-JP" altLang="en-US" dirty="0"/>
+              <a:t>平均画像</a:t>
+            </a:r>
+          </a:p>
+        </p:txBody>
+      </p:sp>
+      <p:sp>
+        <p:nvSpPr>
+          <p:cNvPr id="33" name="テキスト ボックス 32"/>
+          <p:cNvSpPr txBox="1"/>
+          <p:nvPr/>
+        </p:nvSpPr>
+        <p:spPr>
+          <a:xfrm>
+            <a:off x="7730035" y="6073152"/>
+            <a:ext cx="1232033" cy="646331"/>
+          </a:xfrm>
+          <a:prstGeom prst="rect">
+            <a:avLst/>
+          </a:prstGeom>
+          <a:noFill/>
+        </p:spPr>
+        <p:txBody>
+          <a:bodyPr wrap="square" rtlCol="0">
+            <a:spAutoFit/>
+          </a:bodyPr>
+          <a:lstStyle/>
+          <a:p>
+            <a:pPr algn="ctr"/>
+            <a:r>
+              <a:rPr kumimoji="1" lang="ja-JP" altLang="en-US" dirty="0"/>
+              <a:t>サンプル画像群</a:t>
+            </a:r>
+          </a:p>
+        </p:txBody>
+      </p:sp>
+      <p:sp>
+        <p:nvSpPr>
+          <p:cNvPr id="43" name="テキスト ボックス 42"/>
+          <p:cNvSpPr txBox="1"/>
+          <p:nvPr/>
+        </p:nvSpPr>
+        <p:spPr>
+          <a:xfrm>
+            <a:off x="1100286" y="6294922"/>
+            <a:ext cx="786266" cy="369332"/>
+          </a:xfrm>
+          <a:prstGeom prst="rect">
+            <a:avLst/>
+          </a:prstGeom>
+          <a:noFill/>
+        </p:spPr>
+        <p:txBody>
+          <a:bodyPr wrap="square" rtlCol="0">
+            <a:spAutoFit/>
+          </a:bodyPr>
+          <a:lstStyle/>
+          <a:p>
+            <a:pPr algn="ctr"/>
+            <a:r>
+              <a:rPr kumimoji="1" lang="ja-JP" altLang="en-US" dirty="0"/>
+              <a:t>公開</a:t>
+            </a:r>
+          </a:p>
+        </p:txBody>
+      </p:sp>
+      <p:sp>
+        <p:nvSpPr>
+          <p:cNvPr id="44" name="テキスト ボックス 43"/>
+          <p:cNvSpPr txBox="1"/>
+          <p:nvPr/>
+        </p:nvSpPr>
+        <p:spPr>
+          <a:xfrm>
+            <a:off x="7920262" y="4055085"/>
+            <a:ext cx="786266" cy="369332"/>
+          </a:xfrm>
+          <a:prstGeom prst="rect">
+            <a:avLst/>
+          </a:prstGeom>
+          <a:noFill/>
+        </p:spPr>
+        <p:txBody>
+          <a:bodyPr wrap="square" rtlCol="0">
+            <a:spAutoFit/>
+          </a:bodyPr>
+          <a:lstStyle/>
+          <a:p>
+            <a:pPr algn="ctr"/>
+            <a:r>
+              <a:rPr kumimoji="1" lang="ja-JP" altLang="en-US" dirty="0"/>
+              <a:t>公開</a:t>
+            </a:r>
+          </a:p>
+        </p:txBody>
+      </p:sp>
+      <p:sp>
+        <p:nvSpPr>
+          <p:cNvPr id="45" name="正方形/長方形 44"/>
+          <p:cNvSpPr/>
+          <p:nvPr/>
+        </p:nvSpPr>
+        <p:spPr>
+          <a:xfrm>
+            <a:off x="2531444" y="1588168"/>
+            <a:ext cx="3952319" cy="5131315"/>
+          </a:xfrm>
+          <a:prstGeom prst="rect">
+            <a:avLst/>
+          </a:prstGeom>
+          <a:noFill/>
+          <a:ln>
+            <a:solidFill>
+              <a:srgbClr val="FF0000"/>
+            </a:solidFill>
+          </a:ln>
+        </p:spPr>
+        <p:style>
+          <a:lnRef idx="2">
+            <a:schemeClr val="accent1">
+              <a:shade val="50000"/>
+            </a:schemeClr>
+          </a:lnRef>
+          <a:fillRef idx="1">
+            <a:schemeClr val="accent1"/>
+          </a:fillRef>
+          <a:effectRef idx="0">
+            <a:schemeClr val="accent1"/>
+          </a:effectRef>
+          <a:fontRef idx="minor">
+            <a:schemeClr val="lt1"/>
+          </a:fontRef>
+        </p:style>
+        <p:txBody>
+          <a:bodyPr rtlCol="0" anchor="ctr"/>
+          <a:lstStyle/>
+          <a:p>
+            <a:pPr algn="ctr"/>
+            <a:endParaRPr kumimoji="1" lang="ja-JP" altLang="en-US"/>
+          </a:p>
+        </p:txBody>
+      </p:sp>
+      <p:sp>
+        <p:nvSpPr>
+          <p:cNvPr id="46" name="正方形/長方形 45"/>
+          <p:cNvSpPr/>
+          <p:nvPr/>
+        </p:nvSpPr>
+        <p:spPr>
+          <a:xfrm>
+            <a:off x="2454442" y="1607419"/>
+            <a:ext cx="192505" cy="697831"/>
+          </a:xfrm>
+          <a:prstGeom prst="rect">
+            <a:avLst/>
+          </a:prstGeom>
+          <a:solidFill>
+            <a:schemeClr val="bg1"/>
+          </a:solidFill>
+          <a:ln>
+            <a:solidFill>
+              <a:schemeClr val="bg1"/>
+            </a:solidFill>
+          </a:ln>
+        </p:spPr>
+        <p:style>
+          <a:lnRef idx="2">
+            <a:schemeClr val="accent1">
+              <a:shade val="50000"/>
+            </a:schemeClr>
+          </a:lnRef>
+          <a:fillRef idx="1">
+            <a:schemeClr val="accent1"/>
+          </a:fillRef>
+          <a:effectRef idx="0">
+            <a:schemeClr val="accent1"/>
+          </a:effectRef>
+          <a:fontRef idx="minor">
+            <a:schemeClr val="lt1"/>
+          </a:fontRef>
+        </p:style>
+        <p:txBody>
+          <a:bodyPr rtlCol="0" anchor="ctr"/>
+          <a:lstStyle/>
+          <a:p>
+            <a:pPr algn="ctr"/>
+            <a:endParaRPr kumimoji="1" lang="ja-JP" altLang="en-US"/>
+          </a:p>
+        </p:txBody>
+      </p:sp>
+      <p:sp>
+        <p:nvSpPr>
+          <p:cNvPr id="47" name="正方形/長方形 46"/>
+          <p:cNvSpPr/>
+          <p:nvPr/>
+        </p:nvSpPr>
+        <p:spPr>
+          <a:xfrm>
+            <a:off x="2435191" y="2319689"/>
+            <a:ext cx="154005" cy="2021305"/>
+          </a:xfrm>
+          <a:prstGeom prst="rect">
+            <a:avLst/>
+          </a:prstGeom>
+          <a:solidFill>
+            <a:schemeClr val="bg1"/>
+          </a:solidFill>
+          <a:ln>
+            <a:solidFill>
+              <a:schemeClr val="bg1"/>
+            </a:solidFill>
+          </a:ln>
+        </p:spPr>
+        <p:style>
+          <a:lnRef idx="2">
+            <a:schemeClr val="accent1">
+              <a:shade val="50000"/>
+            </a:schemeClr>
+          </a:lnRef>
+          <a:fillRef idx="1">
+            <a:schemeClr val="accent1"/>
+          </a:fillRef>
+          <a:effectRef idx="0">
+            <a:schemeClr val="accent1"/>
+          </a:effectRef>
+          <a:fontRef idx="minor">
+            <a:schemeClr val="lt1"/>
+          </a:fontRef>
+        </p:style>
+        <p:txBody>
+          <a:bodyPr rtlCol="0" anchor="ctr"/>
+          <a:lstStyle/>
+          <a:p>
+            <a:pPr algn="ctr"/>
+            <a:endParaRPr kumimoji="1" lang="ja-JP" altLang="en-US"/>
+          </a:p>
+        </p:txBody>
+      </p:sp>
+      <p:sp>
+        <p:nvSpPr>
+          <p:cNvPr id="14" name="フローチャート: 定義済み処理 13"/>
+          <p:cNvSpPr/>
+          <p:nvPr/>
+        </p:nvSpPr>
+        <p:spPr>
+          <a:xfrm>
+            <a:off x="6198669" y="1872113"/>
+            <a:ext cx="567891" cy="4712478"/>
+          </a:xfrm>
+          <a:prstGeom prst="flowChartPredefinedProcess">
+            <a:avLst/>
+          </a:prstGeom>
+        </p:spPr>
+        <p:style>
+          <a:lnRef idx="1">
+            <a:schemeClr val="accent6"/>
+          </a:lnRef>
+          <a:fillRef idx="2">
+            <a:schemeClr val="accent6"/>
+          </a:fillRef>
+          <a:effectRef idx="1">
+            <a:schemeClr val="accent6"/>
+          </a:effectRef>
+          <a:fontRef idx="minor">
+            <a:schemeClr val="dk1"/>
+          </a:fontRef>
+        </p:style>
+        <p:txBody>
+          <a:bodyPr vert="eaVert" rtlCol="0" anchor="ctr"/>
+          <a:lstStyle/>
+          <a:p>
+            <a:pPr algn="ctr"/>
+            <a:r>
+              <a:rPr kumimoji="1" lang="ja-JP" altLang="en-US" dirty="0"/>
+              <a:t>ラプラスノイズ付加</a:t>
+            </a:r>
+          </a:p>
+        </p:txBody>
+      </p:sp>
+    </p:spTree>
+    <p:extLst>
+      <p:ext uri="{BB962C8B-B14F-4D97-AF65-F5344CB8AC3E}">
+        <p14:creationId xmlns:p14="http://schemas.microsoft.com/office/powerpoint/2010/main" val="1753305375"/>
       </p:ext>
     </p:extLst>
   </p:cSld>
@@ -4589,7 +6647,7 @@
           <a:lstStyle/>
           <a:p>
             <a:r>
-              <a:rPr kumimoji="1" lang="en-US" altLang="ja-JP" dirty="0" smtClean="0"/>
+              <a:rPr kumimoji="1" lang="en-US" altLang="ja-JP" dirty="0"/>
               <a:t>CREST  </a:t>
             </a:r>
             <a:endParaRPr kumimoji="1" lang="ja-JP" altLang="en-US" dirty="0"/>
@@ -4625,22 +6683,18 @@
             </a:r>
             <a:r>
               <a:rPr lang="ja-JP" altLang="en-US" dirty="0"/>
-              <a:t>年のお金が</a:t>
-            </a:r>
-            <a:r>
-              <a:rPr lang="ja-JP" altLang="en-US" dirty="0" smtClean="0"/>
-              <a:t>当たりました</a:t>
-            </a:r>
-            <a:r>
-              <a:rPr lang="en-US" altLang="ja-JP" dirty="0" smtClean="0"/>
+              <a:t>年のお金が当たりました</a:t>
+            </a:r>
+            <a:r>
+              <a:rPr lang="en-US" altLang="ja-JP" dirty="0"/>
               <a:t>(</a:t>
             </a:r>
             <a:r>
-              <a:rPr lang="ja-JP" altLang="en-US" dirty="0" smtClean="0"/>
+              <a:rPr lang="ja-JP" altLang="en-US" dirty="0"/>
               <a:t>すでに半年経過</a:t>
             </a:r>
             <a:r>
-              <a:rPr lang="en-US" altLang="ja-JP" dirty="0" smtClean="0"/>
+              <a:rPr lang="en-US" altLang="ja-JP" dirty="0"/>
               <a:t>)</a:t>
             </a:r>
           </a:p>
@@ -4655,7 +6709,6 @@
               <a:rPr lang="ja-JP" altLang="en-US" dirty="0"/>
               <a:t>研究しましょう！</a:t>
             </a:r>
-            <a:endParaRPr lang="ja-JP" altLang="en-US" dirty="0"/>
           </a:p>
         </p:txBody>
       </p:sp>
@@ -4745,46 +6798,26 @@
           <a:p>
             <a:r>
               <a:rPr lang="ja-JP" altLang="en-US" dirty="0"/>
-              <a:t>研究領域：「基礎理論とシステム基盤技術の融合によるＳｏｃｉｅｔｙ ５．０のための基盤ソフトウェアの 創出</a:t>
-            </a:r>
-            <a:r>
-              <a:rPr lang="ja-JP" altLang="en-US" dirty="0" smtClean="0"/>
-              <a:t>」</a:t>
-            </a:r>
-            <a:endParaRPr lang="en-US" altLang="ja-JP" dirty="0" smtClean="0"/>
+              <a:t>研究領域：「基礎理論とシステム基盤技術の融合によるＳｏｃｉｅｔｙ ５．０のための基盤ソフトウェアの 創出」</a:t>
+            </a:r>
+            <a:endParaRPr lang="en-US" altLang="ja-JP" dirty="0"/>
           </a:p>
           <a:p>
             <a:pPr lvl="2"/>
             <a:r>
-              <a:rPr lang="ja-JP" altLang="en-US" dirty="0" smtClean="0"/>
-              <a:t>研究</a:t>
-            </a:r>
-            <a:r>
               <a:rPr lang="ja-JP" altLang="en-US" dirty="0"/>
-              <a:t>総括：岡部 寿男（京都大学 学術情報メディアセンター センター</a:t>
-            </a:r>
-            <a:r>
-              <a:rPr lang="ja-JP" altLang="en-US" dirty="0" smtClean="0"/>
-              <a:t>長）</a:t>
-            </a:r>
-            <a:endParaRPr lang="en-US" altLang="ja-JP" dirty="0" smtClean="0"/>
+              <a:t>研究総括：岡部 寿男（京都大学 学術情報メディアセンター センター長）</a:t>
+            </a:r>
+            <a:endParaRPr lang="en-US" altLang="ja-JP" dirty="0"/>
           </a:p>
           <a:p>
             <a:pPr lvl="1"/>
             <a:r>
-              <a:rPr lang="ja-JP" altLang="en-US" dirty="0" smtClean="0"/>
-              <a:t>実</a:t>
-            </a:r>
-            <a:r>
               <a:rPr lang="ja-JP" altLang="en-US" dirty="0"/>
-              <a:t>応用に即したプライバシー保護解析とセ キュアデータ</a:t>
-            </a:r>
-            <a:r>
-              <a:rPr lang="ja-JP" altLang="en-US" dirty="0" smtClean="0"/>
-              <a:t>基盤（研究代表者</a:t>
-            </a:r>
-            <a:r>
-              <a:rPr lang="en-US" altLang="ja-JP" dirty="0" smtClean="0"/>
+              <a:t>実応用に即したプライバシー保護解析とセ キュアデータ基盤（研究代表者</a:t>
+            </a:r>
+            <a:r>
+              <a:rPr lang="en-US" altLang="ja-JP" dirty="0"/>
               <a:t>: </a:t>
             </a:r>
             <a:r>
@@ -4796,7 +6829,7 @@
           <a:p>
             <a:pPr lvl="2"/>
             <a:r>
-              <a:rPr kumimoji="1" lang="ja-JP" altLang="en-US" dirty="0" smtClean="0"/>
+              <a:rPr kumimoji="1" lang="ja-JP" altLang="en-US" dirty="0"/>
               <a:t>田浦</a:t>
             </a:r>
             <a:r>
@@ -4997,21 +7030,7 @@
                 <a:latin typeface="+mn-ea"/>
                 <a:cs typeface="Calibri"/>
               </a:rPr>
-              <a:t>セキュアな医用</a:t>
-            </a:r>
-            <a:r>
-              <a:rPr lang="ja-JP" altLang="en-US" dirty="0" smtClean="0">
-                <a:latin typeface="+mn-ea"/>
-                <a:cs typeface="Calibri"/>
-              </a:rPr>
-              <a:t>AIの学習（連合学習で</a:t>
-            </a:r>
-            <a:r>
-              <a:rPr lang="ja-JP" altLang="en-US" dirty="0">
-                <a:latin typeface="+mn-ea"/>
-                <a:cs typeface="Calibri"/>
-              </a:rPr>
-              <a:t>対応）</a:t>
+              <a:t>セキュアな医用AIの学習（連合学習で対応）</a:t>
             </a:r>
             <a:endParaRPr lang="en-US" altLang="ja-JP" dirty="0">
               <a:latin typeface="+mn-ea"/>
@@ -5075,21 +7094,7 @@
                 <a:latin typeface="+mn-ea"/>
                 <a:cs typeface="Calibri"/>
               </a:rPr>
-              <a:t>セキュアな医用</a:t>
-            </a:r>
-            <a:r>
-              <a:rPr lang="ja-JP" altLang="en-US" dirty="0" smtClean="0">
-                <a:latin typeface="+mn-ea"/>
-                <a:cs typeface="Calibri"/>
-              </a:rPr>
-              <a:t>AIの実臨床（</a:t>
-            </a:r>
-            <a:r>
-              <a:rPr lang="ja-JP" altLang="en-US" dirty="0">
-                <a:latin typeface="+mn-ea"/>
-                <a:cs typeface="Calibri"/>
-              </a:rPr>
-              <a:t>暗号化で対応）</a:t>
+              <a:t>セキュアな医用AIの実臨床（暗号化で対応）</a:t>
             </a:r>
             <a:endParaRPr lang="en-US" altLang="ja-JP" dirty="0">
               <a:latin typeface="+mn-ea"/>
@@ -5171,14 +7176,7 @@
                 <a:latin typeface="+mn-ea"/>
                 <a:cs typeface="+mn-lt"/>
               </a:rPr>
-              <a:t>セキュアな医用</a:t>
-            </a:r>
-            <a:r>
-              <a:rPr lang="ja-JP" altLang="en-US" dirty="0" smtClean="0">
-                <a:latin typeface="+mn-ea"/>
-                <a:cs typeface="+mn-lt"/>
-              </a:rPr>
-              <a:t>データベース（差分プライバシーで対応）</a:t>
+              <a:t>セキュアな医用データベース（差分プライバシーで対応）</a:t>
             </a:r>
             <a:endParaRPr lang="ja-JP" altLang="en-US" dirty="0">
               <a:latin typeface="+mn-ea"/>
@@ -5289,21 +7287,21 @@
               <a:t>セキュアな医用</a:t>
             </a:r>
             <a:r>
-              <a:rPr lang="en-US" altLang="ja-JP" dirty="0" smtClean="0">
+              <a:rPr lang="en-US" altLang="ja-JP" dirty="0">
                 <a:ea typeface="游ゴシック Light"/>
                 <a:cs typeface="Calibri Light"/>
               </a:rPr>
               <a:t>AI</a:t>
             </a:r>
             <a:r>
-              <a:rPr lang="ja-JP" altLang="en-US" dirty="0" smtClean="0">
+              <a:rPr lang="ja-JP" altLang="en-US" dirty="0">
                 <a:ea typeface="游ゴシック Light"/>
                 <a:cs typeface="Calibri Light"/>
               </a:rPr>
               <a:t>の</a:t>
             </a:r>
             <a:r>
-              <a:rPr lang="ja-JP" altLang="en-US" b="1" dirty="0" smtClean="0">
+              <a:rPr lang="ja-JP" altLang="en-US" b="1" dirty="0">
                 <a:solidFill>
                   <a:srgbClr val="FF0000"/>
                 </a:solidFill>
@@ -5312,13 +7310,6 @@
               </a:rPr>
               <a:t>学習</a:t>
             </a:r>
-            <a:r>
-              <a:rPr lang="en-US" altLang="ja-JP" dirty="0">
-                <a:ea typeface="游ゴシック Light"/>
-                <a:cs typeface="Calibri Light"/>
-              </a:rPr>
-              <a:t/>
-            </a:r>
             <a:br>
               <a:rPr lang="en-US" altLang="ja-JP" dirty="0">
                 <a:ea typeface="游ゴシック Light"/>
@@ -5330,30 +7321,16 @@
                 <a:ea typeface="游ゴシック Light"/>
                 <a:cs typeface="Calibri Light"/>
               </a:rPr>
-              <a:t>（差分プライバシーで対応</a:t>
-            </a:r>
-            <a:r>
-              <a:rPr lang="ja-JP" altLang="en-US" dirty="0" smtClean="0">
-                <a:ea typeface="游ゴシック Light"/>
-                <a:cs typeface="Calibri Light"/>
-              </a:rPr>
-              <a:t>）</a:t>
-            </a:r>
-            <a:r>
-              <a:rPr lang="en-US" altLang="ja-JP" dirty="0" smtClean="0">
-                <a:ea typeface="游ゴシック Light"/>
-                <a:cs typeface="Calibri Light"/>
-              </a:rPr>
-              <a:t/>
+              <a:t>（差分プライバシーで対応）</a:t>
             </a:r>
             <a:br>
-              <a:rPr lang="en-US" altLang="ja-JP" dirty="0" smtClean="0">
+              <a:rPr lang="en-US" altLang="ja-JP" dirty="0">
                 <a:ea typeface="游ゴシック Light"/>
                 <a:cs typeface="Calibri Light"/>
               </a:rPr>
             </a:br>
             <a:r>
-              <a:rPr lang="ja-JP" altLang="en-US" dirty="0" smtClean="0">
+              <a:rPr lang="ja-JP" altLang="en-US" dirty="0">
                 <a:ea typeface="游ゴシック Light"/>
                 <a:cs typeface="Calibri Light"/>
               </a:rPr>
@@ -5659,17 +7636,9 @@
                   <a:srgbClr val="FF0000"/>
                 </a:solidFill>
               </a:rPr>
-              <a:t>公開検証</a:t>
-            </a:r>
-            <a:r>
-              <a:rPr kumimoji="1" lang="ja-JP" altLang="en-US" sz="3200" b="1" dirty="0" smtClean="0">
-                <a:solidFill>
-                  <a:srgbClr val="FF0000"/>
-                </a:solidFill>
-              </a:rPr>
-              <a:t>環境</a:t>
-            </a:r>
-            <a:endParaRPr kumimoji="1" lang="en-US" altLang="ja-JP" sz="3200" b="1" dirty="0" smtClean="0">
+              <a:t>公開検証環境</a:t>
+            </a:r>
+            <a:endParaRPr kumimoji="1" lang="en-US" altLang="ja-JP" sz="3200" b="1" dirty="0">
               <a:solidFill>
                 <a:srgbClr val="FF0000"/>
               </a:solidFill>
@@ -5681,7 +7650,7 @@
               <a:buChar char="ü"/>
             </a:pPr>
             <a:r>
-              <a:rPr kumimoji="1" lang="ja-JP" altLang="en-US" sz="2000" b="1" dirty="0" smtClean="0">
+              <a:rPr kumimoji="1" lang="ja-JP" altLang="en-US" sz="2000" b="1" dirty="0">
                 <a:solidFill>
                   <a:srgbClr val="FF0000"/>
                 </a:solidFill>
@@ -5689,7 +7658,7 @@
               <a:t>今回三木先生の</a:t>
             </a:r>
             <a:r>
-              <a:rPr kumimoji="1" lang="en-US" altLang="ja-JP" sz="2000" b="1" dirty="0" smtClean="0">
+              <a:rPr kumimoji="1" lang="en-US" altLang="ja-JP" sz="2000" b="1" dirty="0">
                 <a:solidFill>
                   <a:srgbClr val="FF0000"/>
                 </a:solidFill>
@@ -5697,7 +7666,7 @@
               <a:t>JRS</a:t>
             </a:r>
             <a:r>
-              <a:rPr kumimoji="1" lang="ja-JP" altLang="en-US" sz="2000" b="1" dirty="0" smtClean="0">
+              <a:rPr kumimoji="1" lang="ja-JP" altLang="en-US" sz="2000" b="1" dirty="0">
                 <a:solidFill>
                   <a:srgbClr val="FF0000"/>
                 </a:solidFill>
@@ -5840,7 +7809,7 @@
           <a:p>
             <a:pPr algn="ctr"/>
             <a:r>
-              <a:rPr lang="en-US" altLang="ja-JP" sz="2800" dirty="0" smtClean="0">
+              <a:rPr lang="en-US" altLang="ja-JP" sz="2800" dirty="0">
                 <a:solidFill>
                   <a:schemeClr val="tx1"/>
                 </a:solidFill>
@@ -6029,17 +7998,10 @@
                 <a:latin typeface="+mn-ea"/>
                 <a:cs typeface="Calibri"/>
               </a:rPr>
-              <a:t>セキュアな医用</a:t>
-            </a:r>
-            <a:r>
-              <a:rPr lang="ja-JP" altLang="en-US" dirty="0" smtClean="0">
-                <a:latin typeface="+mn-ea"/>
-                <a:cs typeface="Calibri"/>
-              </a:rPr>
-              <a:t>AIの</a:t>
-            </a:r>
-            <a:r>
-              <a:rPr lang="ja-JP" altLang="en-US" b="1" dirty="0" smtClean="0">
+              <a:t>セキュアな医用AIの</a:t>
+            </a:r>
+            <a:r>
+              <a:rPr lang="ja-JP" altLang="en-US" b="1" dirty="0">
                 <a:solidFill>
                   <a:srgbClr val="FF0000"/>
                 </a:solidFill>
@@ -6048,13 +8010,6 @@
               </a:rPr>
               <a:t>実臨床</a:t>
             </a:r>
-            <a:r>
-              <a:rPr lang="en-US" altLang="ja-JP" dirty="0">
-                <a:latin typeface="+mn-ea"/>
-                <a:cs typeface="Calibri"/>
-              </a:rPr>
-              <a:t/>
-            </a:r>
             <a:br>
               <a:rPr lang="en-US" altLang="ja-JP" dirty="0">
                 <a:latin typeface="+mn-ea"/>
@@ -6066,24 +8021,17 @@
                 <a:latin typeface="+mn-ea"/>
                 <a:cs typeface="Calibri"/>
               </a:rPr>
-              <a:t>（暗号化で対応</a:t>
-            </a:r>
-            <a:r>
-              <a:rPr lang="ja-JP" altLang="en-US" dirty="0" smtClean="0">
-                <a:latin typeface="+mn-ea"/>
-                <a:cs typeface="Calibri"/>
-              </a:rPr>
-              <a:t>）（塙</a:t>
-            </a:r>
-            <a:r>
-              <a:rPr lang="en-US" altLang="ja-JP" dirty="0" smtClean="0">
+              <a:t>（暗号化で対応）（塙</a:t>
+            </a:r>
+            <a:r>
+              <a:rPr lang="en-US" altLang="ja-JP" dirty="0">
                 <a:latin typeface="+mn-ea"/>
                 <a:cs typeface="Calibri"/>
               </a:rPr>
               <a:t>G</a:t>
             </a:r>
             <a:r>
-              <a:rPr lang="ja-JP" altLang="en-US" dirty="0" smtClean="0">
+              <a:rPr lang="ja-JP" altLang="en-US" dirty="0">
                 <a:latin typeface="+mn-ea"/>
                 <a:cs typeface="Calibri"/>
               </a:rPr>
@@ -6879,13 +8827,6 @@
               </a:rPr>
               <a:t>セキュアな医用データベース</a:t>
             </a:r>
-            <a:r>
-              <a:rPr lang="en-US" altLang="ja-JP" dirty="0">
-                <a:latin typeface="+mn-ea"/>
-                <a:cs typeface="+mn-lt"/>
-              </a:rPr>
-              <a:t/>
-            </a:r>
             <a:br>
               <a:rPr lang="en-US" altLang="ja-JP" dirty="0">
                 <a:latin typeface="+mn-ea"/>
@@ -6991,51 +8932,47 @@
             <a:pPr lvl="1"/>
             <a:r>
               <a:rPr lang="ja-JP" altLang="en-US" dirty="0"/>
-              <a:t>疾患の特徴は保持</a:t>
-            </a:r>
-            <a:r>
-              <a:rPr lang="ja-JP" altLang="en-US" dirty="0" smtClean="0"/>
-              <a:t>される</a:t>
-            </a:r>
-            <a:endParaRPr lang="en-US" altLang="ja-JP" dirty="0" smtClean="0"/>
-          </a:p>
-          <a:p>
-            <a:r>
-              <a:rPr lang="ja-JP" altLang="en-US" dirty="0" smtClean="0"/>
+              <a:t>疾患の特徴は保持される</a:t>
+            </a:r>
+            <a:endParaRPr lang="en-US" altLang="ja-JP" dirty="0"/>
+          </a:p>
+          <a:p>
+            <a:r>
+              <a:rPr lang="ja-JP" altLang="en-US" dirty="0"/>
               <a:t>現在の成果</a:t>
             </a:r>
             <a:r>
-              <a:rPr lang="en-US" altLang="ja-JP" dirty="0" smtClean="0"/>
+              <a:rPr lang="en-US" altLang="ja-JP" dirty="0"/>
               <a:t>(</a:t>
             </a:r>
             <a:r>
-              <a:rPr lang="ja-JP" altLang="en-US" dirty="0" smtClean="0"/>
+              <a:rPr lang="ja-JP" altLang="en-US" dirty="0"/>
               <a:t>柴田先生、花岡</a:t>
             </a:r>
             <a:r>
-              <a:rPr lang="en-US" altLang="ja-JP" dirty="0" smtClean="0"/>
+              <a:rPr lang="en-US" altLang="ja-JP" dirty="0"/>
               <a:t>):</a:t>
             </a:r>
           </a:p>
           <a:p>
             <a:pPr lvl="1"/>
             <a:r>
-              <a:rPr lang="en-US" altLang="ja-JP" dirty="0" smtClean="0"/>
+              <a:rPr lang="en-US" altLang="ja-JP" dirty="0"/>
               <a:t>Local differential privacy</a:t>
             </a:r>
             <a:r>
-              <a:rPr lang="ja-JP" altLang="en-US" dirty="0" smtClean="0"/>
+              <a:rPr lang="ja-JP" altLang="en-US" dirty="0"/>
               <a:t>で画像を扱うための</a:t>
             </a:r>
             <a:r>
-              <a:rPr lang="en-US" altLang="ja-JP" dirty="0" smtClean="0"/>
+              <a:rPr lang="en-US" altLang="ja-JP" dirty="0"/>
               <a:t>DP-Glow</a:t>
             </a:r>
             <a:r>
-              <a:rPr lang="ja-JP" altLang="en-US" dirty="0" smtClean="0"/>
+              <a:rPr lang="ja-JP" altLang="en-US" dirty="0"/>
               <a:t>技術とその理論的バックグラウンドを整備</a:t>
             </a:r>
-            <a:endParaRPr lang="en-US" altLang="ja-JP" dirty="0" smtClean="0"/>
+            <a:endParaRPr lang="en-US" altLang="ja-JP" dirty="0"/>
           </a:p>
           <a:p>
             <a:pPr marL="0" indent="0">

--- a/docs/img/220421研究計画(CREST)(MOD)3-花岡グループ.pptx
+++ b/docs/img/220421研究計画(CREST)(MOD)3-花岡グループ.pptx
@@ -260,7 +260,7 @@
           <a:p>
             <a:fld id="{5C5F1BB8-7A03-4496-8749-FF17083EAC34}" type="datetimeFigureOut">
               <a:rPr kumimoji="1" lang="ja-JP" altLang="en-US" smtClean="0"/>
-              <a:t>2023/12/16</a:t>
+              <a:t>2023/12/17</a:t>
             </a:fld>
             <a:endParaRPr kumimoji="1" lang="ja-JP" altLang="en-US"/>
           </a:p>
@@ -462,7 +462,7 @@
           <a:p>
             <a:fld id="{5C5F1BB8-7A03-4496-8749-FF17083EAC34}" type="datetimeFigureOut">
               <a:rPr kumimoji="1" lang="ja-JP" altLang="en-US" smtClean="0"/>
-              <a:t>2023/12/16</a:t>
+              <a:t>2023/12/17</a:t>
             </a:fld>
             <a:endParaRPr kumimoji="1" lang="ja-JP" altLang="en-US"/>
           </a:p>
@@ -674,7 +674,7 @@
           <a:p>
             <a:fld id="{5C5F1BB8-7A03-4496-8749-FF17083EAC34}" type="datetimeFigureOut">
               <a:rPr kumimoji="1" lang="ja-JP" altLang="en-US" smtClean="0"/>
-              <a:t>2023/12/16</a:t>
+              <a:t>2023/12/17</a:t>
             </a:fld>
             <a:endParaRPr kumimoji="1" lang="ja-JP" altLang="en-US"/>
           </a:p>
@@ -876,7 +876,7 @@
           <a:p>
             <a:fld id="{5C5F1BB8-7A03-4496-8749-FF17083EAC34}" type="datetimeFigureOut">
               <a:rPr kumimoji="1" lang="ja-JP" altLang="en-US" smtClean="0"/>
-              <a:t>2023/12/16</a:t>
+              <a:t>2023/12/17</a:t>
             </a:fld>
             <a:endParaRPr kumimoji="1" lang="ja-JP" altLang="en-US"/>
           </a:p>
@@ -1120,7 +1120,7 @@
           <a:p>
             <a:fld id="{5C5F1BB8-7A03-4496-8749-FF17083EAC34}" type="datetimeFigureOut">
               <a:rPr kumimoji="1" lang="ja-JP" altLang="en-US" smtClean="0"/>
-              <a:t>2023/12/16</a:t>
+              <a:t>2023/12/17</a:t>
             </a:fld>
             <a:endParaRPr kumimoji="1" lang="ja-JP" altLang="en-US"/>
           </a:p>
@@ -1416,7 +1416,7 @@
           <a:p>
             <a:fld id="{5C5F1BB8-7A03-4496-8749-FF17083EAC34}" type="datetimeFigureOut">
               <a:rPr kumimoji="1" lang="ja-JP" altLang="en-US" smtClean="0"/>
-              <a:t>2023/12/16</a:t>
+              <a:t>2023/12/17</a:t>
             </a:fld>
             <a:endParaRPr kumimoji="1" lang="ja-JP" altLang="en-US"/>
           </a:p>
@@ -1847,7 +1847,7 @@
           <a:p>
             <a:fld id="{5C5F1BB8-7A03-4496-8749-FF17083EAC34}" type="datetimeFigureOut">
               <a:rPr kumimoji="1" lang="ja-JP" altLang="en-US" smtClean="0"/>
-              <a:t>2023/12/16</a:t>
+              <a:t>2023/12/17</a:t>
             </a:fld>
             <a:endParaRPr kumimoji="1" lang="ja-JP" altLang="en-US"/>
           </a:p>
@@ -1965,7 +1965,7 @@
           <a:p>
             <a:fld id="{5C5F1BB8-7A03-4496-8749-FF17083EAC34}" type="datetimeFigureOut">
               <a:rPr kumimoji="1" lang="ja-JP" altLang="en-US" smtClean="0"/>
-              <a:t>2023/12/16</a:t>
+              <a:t>2023/12/17</a:t>
             </a:fld>
             <a:endParaRPr kumimoji="1" lang="ja-JP" altLang="en-US"/>
           </a:p>
@@ -2060,7 +2060,7 @@
           <a:p>
             <a:fld id="{5C5F1BB8-7A03-4496-8749-FF17083EAC34}" type="datetimeFigureOut">
               <a:rPr kumimoji="1" lang="ja-JP" altLang="en-US" smtClean="0"/>
-              <a:t>2023/12/16</a:t>
+              <a:t>2023/12/17</a:t>
             </a:fld>
             <a:endParaRPr kumimoji="1" lang="ja-JP" altLang="en-US"/>
           </a:p>
@@ -2369,7 +2369,7 @@
           <a:p>
             <a:fld id="{5C5F1BB8-7A03-4496-8749-FF17083EAC34}" type="datetimeFigureOut">
               <a:rPr kumimoji="1" lang="ja-JP" altLang="en-US" smtClean="0"/>
-              <a:t>2023/12/16</a:t>
+              <a:t>2023/12/17</a:t>
             </a:fld>
             <a:endParaRPr kumimoji="1" lang="ja-JP" altLang="en-US"/>
           </a:p>
@@ -2626,7 +2626,7 @@
           <a:p>
             <a:fld id="{5C5F1BB8-7A03-4496-8749-FF17083EAC34}" type="datetimeFigureOut">
               <a:rPr kumimoji="1" lang="ja-JP" altLang="en-US" smtClean="0"/>
-              <a:t>2023/12/16</a:t>
+              <a:t>2023/12/17</a:t>
             </a:fld>
             <a:endParaRPr kumimoji="1" lang="ja-JP" altLang="en-US"/>
           </a:p>
@@ -2871,7 +2871,7 @@
           <a:p>
             <a:fld id="{5C5F1BB8-7A03-4496-8749-FF17083EAC34}" type="datetimeFigureOut">
               <a:rPr kumimoji="1" lang="ja-JP" altLang="en-US" smtClean="0"/>
-              <a:t>2023/12/16</a:t>
+              <a:t>2023/12/17</a:t>
             </a:fld>
             <a:endParaRPr kumimoji="1" lang="ja-JP" altLang="en-US"/>
           </a:p>
@@ -4545,6 +4545,3262 @@
           <a:chExt cx="0" cy="0"/>
         </a:xfrm>
       </p:grpSpPr>
+      <p:grpSp>
+        <p:nvGrpSpPr>
+          <p:cNvPr id="2" name="グループ化 1">
+            <a:extLst>
+              <a:ext uri="{FF2B5EF4-FFF2-40B4-BE49-F238E27FC236}">
+                <a16:creationId xmlns:a16="http://schemas.microsoft.com/office/drawing/2014/main" id="{2BE126CC-6230-B862-EA56-785CE38B3B57}"/>
+              </a:ext>
+            </a:extLst>
+          </p:cNvPr>
+          <p:cNvGrpSpPr/>
+          <p:nvPr/>
+        </p:nvGrpSpPr>
+        <p:grpSpPr>
+          <a:xfrm>
+            <a:off x="154501" y="317500"/>
+            <a:ext cx="8834998" cy="4559300"/>
+            <a:chOff x="565104" y="2536070"/>
+            <a:chExt cx="7479373" cy="3859730"/>
+          </a:xfrm>
+        </p:grpSpPr>
+        <p:sp>
+          <p:nvSpPr>
+            <p:cNvPr id="9" name="正方形/長方形 8">
+              <a:extLst>
+                <a:ext uri="{FF2B5EF4-FFF2-40B4-BE49-F238E27FC236}">
+                  <a16:creationId xmlns:a16="http://schemas.microsoft.com/office/drawing/2014/main" id="{2480318B-51E5-42A5-DD61-ECD6D8ECF59C}"/>
+                </a:ext>
+              </a:extLst>
+            </p:cNvPr>
+            <p:cNvSpPr/>
+            <p:nvPr/>
+          </p:nvSpPr>
+          <p:spPr>
+            <a:xfrm>
+              <a:off x="3482754" y="2536070"/>
+              <a:ext cx="4561723" cy="3859730"/>
+            </a:xfrm>
+            <a:prstGeom prst="rect">
+              <a:avLst/>
+            </a:prstGeom>
+            <a:solidFill>
+              <a:schemeClr val="accent1">
+                <a:lumMod val="40000"/>
+                <a:lumOff val="60000"/>
+              </a:schemeClr>
+            </a:solidFill>
+            <a:ln>
+              <a:noFill/>
+            </a:ln>
+          </p:spPr>
+          <p:style>
+            <a:lnRef idx="2">
+              <a:schemeClr val="accent2"/>
+            </a:lnRef>
+            <a:fillRef idx="1">
+              <a:schemeClr val="lt1"/>
+            </a:fillRef>
+            <a:effectRef idx="0">
+              <a:schemeClr val="accent2"/>
+            </a:effectRef>
+            <a:fontRef idx="minor">
+              <a:schemeClr val="dk1"/>
+            </a:fontRef>
+          </p:style>
+          <p:txBody>
+            <a:bodyPr rtlCol="0" anchor="b"/>
+            <a:lstStyle/>
+            <a:p>
+              <a:pPr algn="ctr"/>
+              <a:r>
+                <a:rPr lang="en-US" altLang="ja-JP" sz="2800" dirty="0">
+                  <a:solidFill>
+                    <a:schemeClr val="tx1"/>
+                  </a:solidFill>
+                  <a:ea typeface="游ゴシック"/>
+                  <a:cs typeface="Calibri"/>
+                </a:rPr>
+                <a:t>MDX supercomputer</a:t>
+              </a:r>
+              <a:endParaRPr lang="ja-JP" altLang="en-US" sz="2800" dirty="0">
+                <a:solidFill>
+                  <a:schemeClr val="tx1"/>
+                </a:solidFill>
+              </a:endParaRPr>
+            </a:p>
+          </p:txBody>
+        </p:sp>
+        <p:sp>
+          <p:nvSpPr>
+            <p:cNvPr id="10" name="正方形/長方形 9">
+              <a:extLst>
+                <a:ext uri="{FF2B5EF4-FFF2-40B4-BE49-F238E27FC236}">
+                  <a16:creationId xmlns:a16="http://schemas.microsoft.com/office/drawing/2014/main" id="{2480318B-51E5-42A5-DD61-ECD6D8ECF59C}"/>
+                </a:ext>
+              </a:extLst>
+            </p:cNvPr>
+            <p:cNvSpPr/>
+            <p:nvPr/>
+          </p:nvSpPr>
+          <p:spPr>
+            <a:xfrm>
+              <a:off x="3911599" y="2999136"/>
+              <a:ext cx="3746501" cy="2842863"/>
+            </a:xfrm>
+            <a:prstGeom prst="rect">
+              <a:avLst/>
+            </a:prstGeom>
+            <a:solidFill>
+              <a:schemeClr val="accent1">
+                <a:lumMod val="60000"/>
+                <a:lumOff val="40000"/>
+              </a:schemeClr>
+            </a:solidFill>
+            <a:ln>
+              <a:noFill/>
+            </a:ln>
+          </p:spPr>
+          <p:style>
+            <a:lnRef idx="2">
+              <a:schemeClr val="accent1">
+                <a:shade val="50000"/>
+              </a:schemeClr>
+            </a:lnRef>
+            <a:fillRef idx="1">
+              <a:schemeClr val="accent1"/>
+            </a:fillRef>
+            <a:effectRef idx="0">
+              <a:schemeClr val="accent1"/>
+            </a:effectRef>
+            <a:fontRef idx="minor">
+              <a:schemeClr val="lt1"/>
+            </a:fontRef>
+          </p:style>
+          <p:txBody>
+            <a:bodyPr rtlCol="0" anchor="b"/>
+            <a:lstStyle/>
+            <a:p>
+              <a:pPr algn="ctr"/>
+              <a:r>
+                <a:rPr lang="en-US" altLang="ja-JP" sz="2800" dirty="0">
+                  <a:solidFill>
+                    <a:schemeClr val="tx1"/>
+                  </a:solidFill>
+                  <a:ea typeface="游ゴシック"/>
+                  <a:cs typeface="Calibri"/>
+                </a:rPr>
+                <a:t>Secure FS</a:t>
+              </a:r>
+              <a:endParaRPr lang="ja-JP" altLang="en-US" sz="2800" dirty="0">
+                <a:solidFill>
+                  <a:schemeClr val="tx1"/>
+                </a:solidFill>
+              </a:endParaRPr>
+            </a:p>
+          </p:txBody>
+        </p:sp>
+        <p:sp>
+          <p:nvSpPr>
+            <p:cNvPr id="11" name="正方形/長方形 10">
+              <a:extLst>
+                <a:ext uri="{FF2B5EF4-FFF2-40B4-BE49-F238E27FC236}">
+                  <a16:creationId xmlns:a16="http://schemas.microsoft.com/office/drawing/2014/main" id="{2480318B-51E5-42A5-DD61-ECD6D8ECF59C}"/>
+                </a:ext>
+              </a:extLst>
+            </p:cNvPr>
+            <p:cNvSpPr/>
+            <p:nvPr/>
+          </p:nvSpPr>
+          <p:spPr>
+            <a:xfrm>
+              <a:off x="4152900" y="3174999"/>
+              <a:ext cx="3276600" cy="2146301"/>
+            </a:xfrm>
+            <a:prstGeom prst="rect">
+              <a:avLst/>
+            </a:prstGeom>
+            <a:solidFill>
+              <a:schemeClr val="accent1">
+                <a:lumMod val="75000"/>
+              </a:schemeClr>
+            </a:solidFill>
+            <a:ln>
+              <a:noFill/>
+            </a:ln>
+          </p:spPr>
+          <p:style>
+            <a:lnRef idx="2">
+              <a:schemeClr val="accent1">
+                <a:shade val="50000"/>
+              </a:schemeClr>
+            </a:lnRef>
+            <a:fillRef idx="1">
+              <a:schemeClr val="accent1"/>
+            </a:fillRef>
+            <a:effectRef idx="0">
+              <a:schemeClr val="accent1"/>
+            </a:effectRef>
+            <a:fontRef idx="minor">
+              <a:schemeClr val="lt1"/>
+            </a:fontRef>
+          </p:style>
+          <p:txBody>
+            <a:bodyPr rtlCol="0" anchor="b"/>
+            <a:lstStyle/>
+            <a:p>
+              <a:pPr algn="ctr"/>
+              <a:r>
+                <a:rPr lang="en-US" altLang="ja-JP" sz="2800" dirty="0">
+                  <a:solidFill>
+                    <a:schemeClr val="tx1"/>
+                  </a:solidFill>
+                  <a:ea typeface="游ゴシック"/>
+                  <a:cs typeface="Calibri"/>
+                </a:rPr>
+                <a:t>Intel SGX</a:t>
+              </a:r>
+              <a:endParaRPr lang="ja-JP" altLang="en-US" sz="2800" dirty="0">
+                <a:solidFill>
+                  <a:schemeClr val="tx1"/>
+                </a:solidFill>
+              </a:endParaRPr>
+            </a:p>
+          </p:txBody>
+        </p:sp>
+        <p:sp>
+          <p:nvSpPr>
+            <p:cNvPr id="4" name="テキスト ボックス 3">
+              <a:extLst>
+                <a:ext uri="{FF2B5EF4-FFF2-40B4-BE49-F238E27FC236}">
+                  <a16:creationId xmlns:a16="http://schemas.microsoft.com/office/drawing/2014/main" id="{97A567CA-1670-C641-35B3-E730A2B176BE}"/>
+                </a:ext>
+              </a:extLst>
+            </p:cNvPr>
+            <p:cNvSpPr txBox="1"/>
+            <p:nvPr/>
+          </p:nvSpPr>
+          <p:spPr>
+            <a:xfrm>
+              <a:off x="565104" y="2779603"/>
+              <a:ext cx="2854185" cy="3162299"/>
+            </a:xfrm>
+            <a:prstGeom prst="rect">
+              <a:avLst/>
+            </a:prstGeom>
+            <a:solidFill>
+              <a:schemeClr val="tx1"/>
+            </a:solidFill>
+            <a:ln>
+              <a:solidFill>
+                <a:schemeClr val="tx2">
+                  <a:lumMod val="50000"/>
+                </a:schemeClr>
+              </a:solidFill>
+            </a:ln>
+          </p:spPr>
+          <p:txBody>
+            <a:bodyPr rot="0" spcFirstLastPara="0" vertOverflow="overflow" horzOverflow="overflow" vert="horz" wrap="square" lIns="91440" tIns="45720" rIns="91440" bIns="45720" numCol="1" spcCol="0" rtlCol="0" fromWordArt="0" anchor="t" anchorCtr="0" forceAA="0" compatLnSpc="1">
+              <a:prstTxWarp prst="textNoShape">
+                <a:avLst/>
+              </a:prstTxWarp>
+              <a:noAutofit/>
+            </a:bodyPr>
+            <a:lstStyle/>
+            <a:p>
+              <a:pPr algn="l"/>
+              <a:r>
+                <a:rPr lang="ja-JP" altLang="en-US" b="1" dirty="0">
+                  <a:solidFill>
+                    <a:schemeClr val="bg1"/>
+                  </a:solidFill>
+                  <a:ea typeface="游ゴシック"/>
+                </a:rPr>
+                <a:t>病院・医院</a:t>
+              </a:r>
+              <a:endParaRPr lang="ja-JP" altLang="en-US" b="1" dirty="0">
+                <a:solidFill>
+                  <a:schemeClr val="bg1"/>
+                </a:solidFill>
+              </a:endParaRPr>
+            </a:p>
+          </p:txBody>
+        </p:sp>
+        <p:cxnSp>
+          <p:nvCxnSpPr>
+            <p:cNvPr id="8" name="直線矢印コネクタ 7">
+              <a:extLst>
+                <a:ext uri="{FF2B5EF4-FFF2-40B4-BE49-F238E27FC236}">
+                  <a16:creationId xmlns:a16="http://schemas.microsoft.com/office/drawing/2014/main" id="{9CEEEACD-C8F8-9880-B46C-FC3E853E8B9A}"/>
+                </a:ext>
+              </a:extLst>
+            </p:cNvPr>
+            <p:cNvCxnSpPr>
+              <a:cxnSpLocks/>
+            </p:cNvCxnSpPr>
+            <p:nvPr/>
+          </p:nvCxnSpPr>
+          <p:spPr>
+            <a:xfrm>
+              <a:off x="3165408" y="3592182"/>
+              <a:ext cx="1533592" cy="6896"/>
+            </a:xfrm>
+            <a:prstGeom prst="straightConnector1">
+              <a:avLst/>
+            </a:prstGeom>
+            <a:ln w="76200">
+              <a:solidFill>
+                <a:srgbClr val="FF0000"/>
+              </a:solidFill>
+              <a:tailEnd type="triangle"/>
+            </a:ln>
+          </p:spPr>
+          <p:style>
+            <a:lnRef idx="1">
+              <a:schemeClr val="accent1"/>
+            </a:lnRef>
+            <a:fillRef idx="0">
+              <a:schemeClr val="accent1"/>
+            </a:fillRef>
+            <a:effectRef idx="0">
+              <a:schemeClr val="accent1"/>
+            </a:effectRef>
+            <a:fontRef idx="minor">
+              <a:schemeClr val="tx1"/>
+            </a:fontRef>
+          </p:style>
+        </p:cxnSp>
+        <p:cxnSp>
+          <p:nvCxnSpPr>
+            <p:cNvPr id="23" name="直線矢印コネクタ 22">
+              <a:extLst>
+                <a:ext uri="{FF2B5EF4-FFF2-40B4-BE49-F238E27FC236}">
+                  <a16:creationId xmlns:a16="http://schemas.microsoft.com/office/drawing/2014/main" id="{9CEEEACD-C8F8-9880-B46C-FC3E853E8B9A}"/>
+                </a:ext>
+              </a:extLst>
+            </p:cNvPr>
+            <p:cNvCxnSpPr>
+              <a:cxnSpLocks/>
+            </p:cNvCxnSpPr>
+            <p:nvPr/>
+          </p:nvCxnSpPr>
+          <p:spPr>
+            <a:xfrm>
+              <a:off x="5569924" y="3568700"/>
+              <a:ext cx="386376" cy="0"/>
+            </a:xfrm>
+            <a:prstGeom prst="straightConnector1">
+              <a:avLst/>
+            </a:prstGeom>
+            <a:ln w="76200">
+              <a:solidFill>
+                <a:srgbClr val="FF0000"/>
+              </a:solidFill>
+              <a:tailEnd type="triangle"/>
+            </a:ln>
+          </p:spPr>
+          <p:style>
+            <a:lnRef idx="1">
+              <a:schemeClr val="accent1"/>
+            </a:lnRef>
+            <a:fillRef idx="0">
+              <a:schemeClr val="accent1"/>
+            </a:fillRef>
+            <a:effectRef idx="0">
+              <a:schemeClr val="accent1"/>
+            </a:effectRef>
+            <a:fontRef idx="minor">
+              <a:schemeClr val="tx1"/>
+            </a:fontRef>
+          </p:style>
+        </p:cxnSp>
+        <p:cxnSp>
+          <p:nvCxnSpPr>
+            <p:cNvPr id="26" name="直線矢印コネクタ 25">
+              <a:extLst>
+                <a:ext uri="{FF2B5EF4-FFF2-40B4-BE49-F238E27FC236}">
+                  <a16:creationId xmlns:a16="http://schemas.microsoft.com/office/drawing/2014/main" id="{9CEEEACD-C8F8-9880-B46C-FC3E853E8B9A}"/>
+                </a:ext>
+              </a:extLst>
+            </p:cNvPr>
+            <p:cNvCxnSpPr>
+              <a:cxnSpLocks/>
+            </p:cNvCxnSpPr>
+            <p:nvPr/>
+          </p:nvCxnSpPr>
+          <p:spPr>
+            <a:xfrm flipH="1">
+              <a:off x="5609525" y="4360754"/>
+              <a:ext cx="346775" cy="0"/>
+            </a:xfrm>
+            <a:prstGeom prst="straightConnector1">
+              <a:avLst/>
+            </a:prstGeom>
+            <a:ln w="76200">
+              <a:solidFill>
+                <a:srgbClr val="FF0000"/>
+              </a:solidFill>
+              <a:tailEnd type="triangle"/>
+            </a:ln>
+          </p:spPr>
+          <p:style>
+            <a:lnRef idx="1">
+              <a:schemeClr val="accent1"/>
+            </a:lnRef>
+            <a:fillRef idx="0">
+              <a:schemeClr val="accent1"/>
+            </a:fillRef>
+            <a:effectRef idx="0">
+              <a:schemeClr val="accent1"/>
+            </a:effectRef>
+            <a:fontRef idx="minor">
+              <a:schemeClr val="tx1"/>
+            </a:fontRef>
+          </p:style>
+        </p:cxnSp>
+        <p:cxnSp>
+          <p:nvCxnSpPr>
+            <p:cNvPr id="29" name="直線矢印コネクタ 28">
+              <a:extLst>
+                <a:ext uri="{FF2B5EF4-FFF2-40B4-BE49-F238E27FC236}">
+                  <a16:creationId xmlns:a16="http://schemas.microsoft.com/office/drawing/2014/main" id="{9CEEEACD-C8F8-9880-B46C-FC3E853E8B9A}"/>
+                </a:ext>
+              </a:extLst>
+            </p:cNvPr>
+            <p:cNvCxnSpPr>
+              <a:cxnSpLocks/>
+            </p:cNvCxnSpPr>
+            <p:nvPr/>
+          </p:nvCxnSpPr>
+          <p:spPr>
+            <a:xfrm flipH="1">
+              <a:off x="3222078" y="4360754"/>
+              <a:ext cx="1476922" cy="719569"/>
+            </a:xfrm>
+            <a:prstGeom prst="straightConnector1">
+              <a:avLst/>
+            </a:prstGeom>
+            <a:ln w="76200">
+              <a:solidFill>
+                <a:srgbClr val="FF0000"/>
+              </a:solidFill>
+              <a:tailEnd type="triangle"/>
+            </a:ln>
+          </p:spPr>
+          <p:style>
+            <a:lnRef idx="1">
+              <a:schemeClr val="accent1"/>
+            </a:lnRef>
+            <a:fillRef idx="0">
+              <a:schemeClr val="accent1"/>
+            </a:fillRef>
+            <a:effectRef idx="0">
+              <a:schemeClr val="accent1"/>
+            </a:effectRef>
+            <a:fontRef idx="minor">
+              <a:schemeClr val="tx1"/>
+            </a:fontRef>
+          </p:style>
+        </p:cxnSp>
+        <p:pic>
+          <p:nvPicPr>
+            <p:cNvPr id="1026" name="Picture 2" descr="写真の説明はありません。"/>
+            <p:cNvPicPr>
+              <a:picLocks noChangeAspect="1" noChangeArrowheads="1"/>
+            </p:cNvPicPr>
+            <p:nvPr/>
+          </p:nvPicPr>
+          <p:blipFill>
+            <a:blip r:embed="rId2" cstate="hqprint">
+              <a:extLst>
+                <a:ext uri="{28A0092B-C50C-407E-A947-70E740481C1C}">
+                  <a14:useLocalDpi xmlns:a14="http://schemas.microsoft.com/office/drawing/2010/main" val="0"/>
+                </a:ext>
+              </a:extLst>
+            </a:blip>
+            <a:srcRect/>
+            <a:stretch>
+              <a:fillRect/>
+            </a:stretch>
+          </p:blipFill>
+          <p:spPr bwMode="auto">
+            <a:xfrm>
+              <a:off x="764598" y="3159221"/>
+              <a:ext cx="1118110" cy="1118110"/>
+            </a:xfrm>
+            <a:prstGeom prst="rect">
+              <a:avLst/>
+            </a:prstGeom>
+            <a:noFill/>
+            <a:extLst>
+              <a:ext uri="{909E8E84-426E-40DD-AFC4-6F175D3DCCD1}">
+                <a14:hiddenFill xmlns:a14="http://schemas.microsoft.com/office/drawing/2010/main">
+                  <a:solidFill>
+                    <a:srgbClr val="FFFFFF"/>
+                  </a:solidFill>
+                </a14:hiddenFill>
+              </a:ext>
+            </a:extLst>
+          </p:spPr>
+        </p:pic>
+        <p:cxnSp>
+          <p:nvCxnSpPr>
+            <p:cNvPr id="37" name="直線矢印コネクタ 36"/>
+            <p:cNvCxnSpPr>
+              <a:cxnSpLocks/>
+            </p:cNvCxnSpPr>
+            <p:nvPr/>
+          </p:nvCxnSpPr>
+          <p:spPr>
+            <a:xfrm>
+              <a:off x="1882708" y="3599078"/>
+              <a:ext cx="374593" cy="5946"/>
+            </a:xfrm>
+            <a:prstGeom prst="straightConnector1">
+              <a:avLst/>
+            </a:prstGeom>
+            <a:ln w="76200">
+              <a:solidFill>
+                <a:srgbClr val="FF0000"/>
+              </a:solidFill>
+              <a:tailEnd type="triangle"/>
+            </a:ln>
+          </p:spPr>
+          <p:style>
+            <a:lnRef idx="1">
+              <a:schemeClr val="accent1"/>
+            </a:lnRef>
+            <a:fillRef idx="0">
+              <a:schemeClr val="accent1"/>
+            </a:fillRef>
+            <a:effectRef idx="0">
+              <a:schemeClr val="accent1"/>
+            </a:effectRef>
+            <a:fontRef idx="minor">
+              <a:schemeClr val="tx1"/>
+            </a:fontRef>
+          </p:style>
+        </p:cxnSp>
+        <p:pic>
+          <p:nvPicPr>
+            <p:cNvPr id="41" name="Picture 2" descr="写真の説明はありません。"/>
+            <p:cNvPicPr>
+              <a:picLocks noChangeAspect="1" noChangeArrowheads="1"/>
+            </p:cNvPicPr>
+            <p:nvPr/>
+          </p:nvPicPr>
+          <p:blipFill>
+            <a:blip r:embed="rId2" cstate="hqprint">
+              <a:extLst>
+                <a:ext uri="{28A0092B-C50C-407E-A947-70E740481C1C}">
+                  <a14:useLocalDpi xmlns:a14="http://schemas.microsoft.com/office/drawing/2010/main" val="0"/>
+                </a:ext>
+              </a:extLst>
+            </a:blip>
+            <a:srcRect/>
+            <a:stretch>
+              <a:fillRect/>
+            </a:stretch>
+          </p:blipFill>
+          <p:spPr bwMode="auto">
+            <a:xfrm>
+              <a:off x="764598" y="4572351"/>
+              <a:ext cx="1118110" cy="1118110"/>
+            </a:xfrm>
+            <a:prstGeom prst="rect">
+              <a:avLst/>
+            </a:prstGeom>
+            <a:noFill/>
+            <a:extLst>
+              <a:ext uri="{909E8E84-426E-40DD-AFC4-6F175D3DCCD1}">
+                <a14:hiddenFill xmlns:a14="http://schemas.microsoft.com/office/drawing/2010/main">
+                  <a:solidFill>
+                    <a:srgbClr val="FFFFFF"/>
+                  </a:solidFill>
+                </a14:hiddenFill>
+              </a:ext>
+            </a:extLst>
+          </p:spPr>
+        </p:pic>
+        <p:sp>
+          <p:nvSpPr>
+            <p:cNvPr id="42" name="楕円 41"/>
+            <p:cNvSpPr/>
+            <p:nvPr/>
+          </p:nvSpPr>
+          <p:spPr>
+            <a:xfrm flipV="1">
+              <a:off x="1564928" y="5143544"/>
+              <a:ext cx="178362" cy="178362"/>
+            </a:xfrm>
+            <a:prstGeom prst="ellipse">
+              <a:avLst/>
+            </a:prstGeom>
+            <a:noFill/>
+            <a:ln w="38100">
+              <a:solidFill>
+                <a:srgbClr val="FF0000"/>
+              </a:solidFill>
+            </a:ln>
+          </p:spPr>
+          <p:style>
+            <a:lnRef idx="2">
+              <a:schemeClr val="accent1">
+                <a:shade val="50000"/>
+              </a:schemeClr>
+            </a:lnRef>
+            <a:fillRef idx="1">
+              <a:schemeClr val="accent1"/>
+            </a:fillRef>
+            <a:effectRef idx="0">
+              <a:schemeClr val="accent1"/>
+            </a:effectRef>
+            <a:fontRef idx="minor">
+              <a:schemeClr val="lt1"/>
+            </a:fontRef>
+          </p:style>
+          <p:txBody>
+            <a:bodyPr rtlCol="0" anchor="ctr"/>
+            <a:lstStyle/>
+            <a:p>
+              <a:pPr algn="ctr"/>
+              <a:endParaRPr kumimoji="1" lang="ja-JP" altLang="en-US"/>
+            </a:p>
+          </p:txBody>
+        </p:sp>
+        <p:cxnSp>
+          <p:nvCxnSpPr>
+            <p:cNvPr id="27" name="直線矢印コネクタ 26">
+              <a:extLst>
+                <a:ext uri="{FF2B5EF4-FFF2-40B4-BE49-F238E27FC236}">
+                  <a16:creationId xmlns:a16="http://schemas.microsoft.com/office/drawing/2014/main" id="{63FBFD75-5502-407E-BC2E-713C702A19A6}"/>
+                </a:ext>
+              </a:extLst>
+            </p:cNvPr>
+            <p:cNvCxnSpPr>
+              <a:cxnSpLocks/>
+            </p:cNvCxnSpPr>
+            <p:nvPr/>
+          </p:nvCxnSpPr>
+          <p:spPr>
+            <a:xfrm flipH="1">
+              <a:off x="1882708" y="5113815"/>
+              <a:ext cx="410856" cy="0"/>
+            </a:xfrm>
+            <a:prstGeom prst="straightConnector1">
+              <a:avLst/>
+            </a:prstGeom>
+            <a:ln w="76200">
+              <a:solidFill>
+                <a:srgbClr val="FF0000"/>
+              </a:solidFill>
+              <a:tailEnd type="triangle"/>
+            </a:ln>
+          </p:spPr>
+          <p:style>
+            <a:lnRef idx="1">
+              <a:schemeClr val="accent1"/>
+            </a:lnRef>
+            <a:fillRef idx="0">
+              <a:schemeClr val="accent1"/>
+            </a:fillRef>
+            <a:effectRef idx="0">
+              <a:schemeClr val="accent1"/>
+            </a:effectRef>
+            <a:fontRef idx="minor">
+              <a:schemeClr val="tx1"/>
+            </a:fontRef>
+          </p:style>
+        </p:cxnSp>
+        <p:sp>
+          <p:nvSpPr>
+            <p:cNvPr id="16" name="正方形/長方形 15">
+              <a:extLst>
+                <a:ext uri="{FF2B5EF4-FFF2-40B4-BE49-F238E27FC236}">
+                  <a16:creationId xmlns:a16="http://schemas.microsoft.com/office/drawing/2014/main" id="{D8497200-CA1C-4FDD-A5AD-81F5E9AF330C}"/>
+                </a:ext>
+              </a:extLst>
+            </p:cNvPr>
+            <p:cNvSpPr/>
+            <p:nvPr/>
+          </p:nvSpPr>
+          <p:spPr>
+            <a:xfrm>
+              <a:off x="2248306" y="3326558"/>
+              <a:ext cx="917102" cy="531248"/>
+            </a:xfrm>
+            <a:prstGeom prst="rect">
+              <a:avLst/>
+            </a:prstGeom>
+            <a:ln>
+              <a:solidFill>
+                <a:schemeClr val="bg1"/>
+              </a:solidFill>
+            </a:ln>
+          </p:spPr>
+          <p:style>
+            <a:lnRef idx="2">
+              <a:schemeClr val="dk1">
+                <a:shade val="50000"/>
+              </a:schemeClr>
+            </a:lnRef>
+            <a:fillRef idx="1">
+              <a:schemeClr val="dk1"/>
+            </a:fillRef>
+            <a:effectRef idx="0">
+              <a:schemeClr val="dk1"/>
+            </a:effectRef>
+            <a:fontRef idx="minor">
+              <a:schemeClr val="lt1"/>
+            </a:fontRef>
+          </p:style>
+          <p:txBody>
+            <a:bodyPr rtlCol="0" anchor="ctr"/>
+            <a:lstStyle/>
+            <a:p>
+              <a:pPr algn="ctr"/>
+              <a:r>
+                <a:rPr kumimoji="1" lang="ja-JP" altLang="en-US" dirty="0"/>
+                <a:t>暗号化</a:t>
+              </a:r>
+            </a:p>
+          </p:txBody>
+        </p:sp>
+        <p:sp>
+          <p:nvSpPr>
+            <p:cNvPr id="30" name="正方形/長方形 29">
+              <a:extLst>
+                <a:ext uri="{FF2B5EF4-FFF2-40B4-BE49-F238E27FC236}">
+                  <a16:creationId xmlns:a16="http://schemas.microsoft.com/office/drawing/2014/main" id="{A62ACAA8-52B3-43B0-AAD2-0339E259EB70}"/>
+                </a:ext>
+              </a:extLst>
+            </p:cNvPr>
+            <p:cNvSpPr/>
+            <p:nvPr/>
+          </p:nvSpPr>
+          <p:spPr>
+            <a:xfrm>
+              <a:off x="2295562" y="4857156"/>
+              <a:ext cx="917102" cy="531248"/>
+            </a:xfrm>
+            <a:prstGeom prst="rect">
+              <a:avLst/>
+            </a:prstGeom>
+            <a:ln>
+              <a:solidFill>
+                <a:schemeClr val="bg1"/>
+              </a:solidFill>
+            </a:ln>
+          </p:spPr>
+          <p:style>
+            <a:lnRef idx="2">
+              <a:schemeClr val="dk1">
+                <a:shade val="50000"/>
+              </a:schemeClr>
+            </a:lnRef>
+            <a:fillRef idx="1">
+              <a:schemeClr val="dk1"/>
+            </a:fillRef>
+            <a:effectRef idx="0">
+              <a:schemeClr val="dk1"/>
+            </a:effectRef>
+            <a:fontRef idx="minor">
+              <a:schemeClr val="lt1"/>
+            </a:fontRef>
+          </p:style>
+          <p:txBody>
+            <a:bodyPr rtlCol="0" anchor="ctr"/>
+            <a:lstStyle/>
+            <a:p>
+              <a:pPr algn="ctr"/>
+              <a:r>
+                <a:rPr kumimoji="1" lang="ja-JP" altLang="en-US" dirty="0"/>
+                <a:t>復号化</a:t>
+              </a:r>
+            </a:p>
+          </p:txBody>
+        </p:sp>
+        <p:sp>
+          <p:nvSpPr>
+            <p:cNvPr id="32" name="正方形/長方形 31">
+              <a:extLst>
+                <a:ext uri="{FF2B5EF4-FFF2-40B4-BE49-F238E27FC236}">
+                  <a16:creationId xmlns:a16="http://schemas.microsoft.com/office/drawing/2014/main" id="{37B8F169-7A9C-4C31-A577-DDE29FDFE785}"/>
+                </a:ext>
+              </a:extLst>
+            </p:cNvPr>
+            <p:cNvSpPr/>
+            <p:nvPr/>
+          </p:nvSpPr>
+          <p:spPr>
+            <a:xfrm>
+              <a:off x="4710651" y="4095128"/>
+              <a:ext cx="917102" cy="531248"/>
+            </a:xfrm>
+            <a:prstGeom prst="rect">
+              <a:avLst/>
+            </a:prstGeom>
+            <a:ln>
+              <a:solidFill>
+                <a:schemeClr val="bg1"/>
+              </a:solidFill>
+            </a:ln>
+          </p:spPr>
+          <p:style>
+            <a:lnRef idx="2">
+              <a:schemeClr val="dk1">
+                <a:shade val="50000"/>
+              </a:schemeClr>
+            </a:lnRef>
+            <a:fillRef idx="1">
+              <a:schemeClr val="dk1"/>
+            </a:fillRef>
+            <a:effectRef idx="0">
+              <a:schemeClr val="dk1"/>
+            </a:effectRef>
+            <a:fontRef idx="minor">
+              <a:schemeClr val="lt1"/>
+            </a:fontRef>
+          </p:style>
+          <p:txBody>
+            <a:bodyPr rtlCol="0" anchor="ctr"/>
+            <a:lstStyle/>
+            <a:p>
+              <a:pPr algn="ctr"/>
+              <a:r>
+                <a:rPr kumimoji="1" lang="ja-JP" altLang="en-US" dirty="0"/>
+                <a:t>暗号化</a:t>
+              </a:r>
+            </a:p>
+          </p:txBody>
+        </p:sp>
+        <p:sp>
+          <p:nvSpPr>
+            <p:cNvPr id="33" name="正方形/長方形 32">
+              <a:extLst>
+                <a:ext uri="{FF2B5EF4-FFF2-40B4-BE49-F238E27FC236}">
+                  <a16:creationId xmlns:a16="http://schemas.microsoft.com/office/drawing/2014/main" id="{12B9689D-3D62-4B94-BEF5-B940026BCA7A}"/>
+                </a:ext>
+              </a:extLst>
+            </p:cNvPr>
+            <p:cNvSpPr/>
+            <p:nvPr/>
+          </p:nvSpPr>
+          <p:spPr>
+            <a:xfrm>
+              <a:off x="4678001" y="3298259"/>
+              <a:ext cx="917102" cy="531248"/>
+            </a:xfrm>
+            <a:prstGeom prst="rect">
+              <a:avLst/>
+            </a:prstGeom>
+            <a:ln>
+              <a:solidFill>
+                <a:schemeClr val="bg1"/>
+              </a:solidFill>
+            </a:ln>
+          </p:spPr>
+          <p:style>
+            <a:lnRef idx="2">
+              <a:schemeClr val="dk1">
+                <a:shade val="50000"/>
+              </a:schemeClr>
+            </a:lnRef>
+            <a:fillRef idx="1">
+              <a:schemeClr val="dk1"/>
+            </a:fillRef>
+            <a:effectRef idx="0">
+              <a:schemeClr val="dk1"/>
+            </a:effectRef>
+            <a:fontRef idx="minor">
+              <a:schemeClr val="lt1"/>
+            </a:fontRef>
+          </p:style>
+          <p:txBody>
+            <a:bodyPr rtlCol="0" anchor="ctr"/>
+            <a:lstStyle/>
+            <a:p>
+              <a:pPr algn="ctr"/>
+              <a:r>
+                <a:rPr kumimoji="1" lang="ja-JP" altLang="en-US" dirty="0"/>
+                <a:t>復号化</a:t>
+              </a:r>
+            </a:p>
+          </p:txBody>
+        </p:sp>
+        <p:sp>
+          <p:nvSpPr>
+            <p:cNvPr id="18" name="正方形/長方形 17">
+              <a:extLst>
+                <a:ext uri="{FF2B5EF4-FFF2-40B4-BE49-F238E27FC236}">
+                  <a16:creationId xmlns:a16="http://schemas.microsoft.com/office/drawing/2014/main" id="{5625E540-73AB-4DC2-8457-CCE527885FE9}"/>
+                </a:ext>
+              </a:extLst>
+            </p:cNvPr>
+            <p:cNvSpPr/>
+            <p:nvPr/>
+          </p:nvSpPr>
+          <p:spPr>
+            <a:xfrm>
+              <a:off x="5988950" y="3355908"/>
+              <a:ext cx="1160492" cy="1274092"/>
+            </a:xfrm>
+            <a:prstGeom prst="rect">
+              <a:avLst/>
+            </a:prstGeom>
+            <a:ln>
+              <a:solidFill>
+                <a:schemeClr val="bg1"/>
+              </a:solidFill>
+            </a:ln>
+          </p:spPr>
+          <p:style>
+            <a:lnRef idx="2">
+              <a:schemeClr val="dk1">
+                <a:shade val="50000"/>
+              </a:schemeClr>
+            </a:lnRef>
+            <a:fillRef idx="1">
+              <a:schemeClr val="dk1"/>
+            </a:fillRef>
+            <a:effectRef idx="0">
+              <a:schemeClr val="dk1"/>
+            </a:effectRef>
+            <a:fontRef idx="minor">
+              <a:schemeClr val="lt1"/>
+            </a:fontRef>
+          </p:style>
+          <p:txBody>
+            <a:bodyPr rtlCol="0" anchor="ctr"/>
+            <a:lstStyle/>
+            <a:p>
+              <a:pPr algn="ctr"/>
+              <a:r>
+                <a:rPr kumimoji="1" lang="ja-JP" altLang="en-US" dirty="0"/>
+                <a:t>医用</a:t>
+              </a:r>
+              <a:r>
+                <a:rPr kumimoji="1" lang="en-US" altLang="ja-JP" dirty="0"/>
+                <a:t>AI</a:t>
+              </a:r>
+              <a:endParaRPr kumimoji="1" lang="ja-JP" altLang="en-US" dirty="0"/>
+            </a:p>
+          </p:txBody>
+        </p:sp>
+      </p:grpSp>
+    </p:spTree>
+    <p:extLst>
+      <p:ext uri="{BB962C8B-B14F-4D97-AF65-F5344CB8AC3E}">
+        <p14:creationId xmlns:p14="http://schemas.microsoft.com/office/powerpoint/2010/main" val="2666213549"/>
+      </p:ext>
+    </p:extLst>
+  </p:cSld>
+  <p:clrMapOvr>
+    <a:masterClrMapping/>
+  </p:clrMapOvr>
+</p:sld>
+</file>
+
+<file path=ppt/slides/slide12.xml><?xml version="1.0" encoding="utf-8"?>
+<p:sld xmlns:a="http://schemas.openxmlformats.org/drawingml/2006/main" xmlns:r="http://schemas.openxmlformats.org/officeDocument/2006/relationships" xmlns:p="http://schemas.openxmlformats.org/presentationml/2006/main">
+  <p:cSld>
+    <p:spTree>
+      <p:nvGrpSpPr>
+        <p:cNvPr id="1" name=""/>
+        <p:cNvGrpSpPr/>
+        <p:nvPr/>
+      </p:nvGrpSpPr>
+      <p:grpSpPr>
+        <a:xfrm>
+          <a:off x="0" y="0"/>
+          <a:ext cx="0" cy="0"/>
+          <a:chOff x="0" y="0"/>
+          <a:chExt cx="0" cy="0"/>
+        </a:xfrm>
+      </p:grpSpPr>
+      <p:grpSp>
+        <p:nvGrpSpPr>
+          <p:cNvPr id="2" name="グループ化 1">
+            <a:extLst>
+              <a:ext uri="{FF2B5EF4-FFF2-40B4-BE49-F238E27FC236}">
+                <a16:creationId xmlns:a16="http://schemas.microsoft.com/office/drawing/2014/main" id="{A69718CF-D668-7489-D2C7-A4B63DEC9D38}"/>
+              </a:ext>
+            </a:extLst>
+          </p:cNvPr>
+          <p:cNvGrpSpPr/>
+          <p:nvPr/>
+        </p:nvGrpSpPr>
+        <p:grpSpPr>
+          <a:xfrm>
+            <a:off x="322446" y="153068"/>
+            <a:ext cx="8499107" cy="5131315"/>
+            <a:chOff x="471638" y="1588168"/>
+            <a:chExt cx="8499107" cy="5131315"/>
+          </a:xfrm>
+        </p:grpSpPr>
+        <p:cxnSp>
+          <p:nvCxnSpPr>
+            <p:cNvPr id="36" name="カギ線コネクタ 35"/>
+            <p:cNvCxnSpPr/>
+            <p:nvPr/>
+          </p:nvCxnSpPr>
+          <p:spPr>
+            <a:xfrm>
+              <a:off x="2183691" y="2313458"/>
+              <a:ext cx="5641648" cy="628800"/>
+            </a:xfrm>
+            <a:prstGeom prst="bentConnector3">
+              <a:avLst>
+                <a:gd name="adj1" fmla="val 9224"/>
+              </a:avLst>
+            </a:prstGeom>
+            <a:ln>
+              <a:tailEnd type="triangle"/>
+            </a:ln>
+          </p:spPr>
+          <p:style>
+            <a:lnRef idx="1">
+              <a:schemeClr val="accent1"/>
+            </a:lnRef>
+            <a:fillRef idx="0">
+              <a:schemeClr val="accent1"/>
+            </a:fillRef>
+            <a:effectRef idx="0">
+              <a:schemeClr val="accent1"/>
+            </a:effectRef>
+            <a:fontRef idx="minor">
+              <a:schemeClr val="tx1"/>
+            </a:fontRef>
+          </p:style>
+        </p:cxnSp>
+        <p:sp>
+          <p:nvSpPr>
+            <p:cNvPr id="34" name="正方形/長方形 33"/>
+            <p:cNvSpPr/>
+            <p:nvPr/>
+          </p:nvSpPr>
+          <p:spPr>
+            <a:xfrm>
+              <a:off x="471638" y="1588168"/>
+              <a:ext cx="2059806" cy="2762062"/>
+            </a:xfrm>
+            <a:prstGeom prst="rect">
+              <a:avLst/>
+            </a:prstGeom>
+            <a:ln>
+              <a:solidFill>
+                <a:srgbClr val="FF0000"/>
+              </a:solidFill>
+            </a:ln>
+          </p:spPr>
+          <p:style>
+            <a:lnRef idx="2">
+              <a:schemeClr val="accent1"/>
+            </a:lnRef>
+            <a:fillRef idx="1">
+              <a:schemeClr val="lt1"/>
+            </a:fillRef>
+            <a:effectRef idx="0">
+              <a:schemeClr val="accent1"/>
+            </a:effectRef>
+            <a:fontRef idx="minor">
+              <a:schemeClr val="dk1"/>
+            </a:fontRef>
+          </p:style>
+          <p:txBody>
+            <a:bodyPr rtlCol="0" anchor="b"/>
+            <a:lstStyle/>
+            <a:p>
+              <a:pPr algn="ctr"/>
+              <a:r>
+                <a:rPr kumimoji="1" lang="ja-JP" altLang="en-US" dirty="0"/>
+                <a:t>非公開</a:t>
+              </a:r>
+            </a:p>
+          </p:txBody>
+        </p:sp>
+        <p:cxnSp>
+          <p:nvCxnSpPr>
+            <p:cNvPr id="19" name="カギ線コネクタ 18"/>
+            <p:cNvCxnSpPr>
+              <a:stCxn id="6" idx="3"/>
+            </p:cNvCxnSpPr>
+            <p:nvPr/>
+          </p:nvCxnSpPr>
+          <p:spPr>
+            <a:xfrm>
+              <a:off x="2428399" y="2305251"/>
+              <a:ext cx="5310313" cy="3156696"/>
+            </a:xfrm>
+            <a:prstGeom prst="bentConnector3">
+              <a:avLst>
+                <a:gd name="adj1" fmla="val 3780"/>
+              </a:avLst>
+            </a:prstGeom>
+            <a:ln>
+              <a:tailEnd type="triangle"/>
+            </a:ln>
+          </p:spPr>
+          <p:style>
+            <a:lnRef idx="1">
+              <a:schemeClr val="accent1"/>
+            </a:lnRef>
+            <a:fillRef idx="0">
+              <a:schemeClr val="accent1"/>
+            </a:fillRef>
+            <a:effectRef idx="0">
+              <a:schemeClr val="accent1"/>
+            </a:effectRef>
+            <a:fontRef idx="minor">
+              <a:schemeClr val="tx1"/>
+            </a:fontRef>
+          </p:style>
+        </p:cxnSp>
+        <p:pic>
+          <p:nvPicPr>
+            <p:cNvPr id="4" name="図 3" descr="抽象, 探す, 衣類, 持つ が含まれている画像&#10;&#10;自動的に生成された説明">
+              <a:extLst>
+                <a:ext uri="{FF2B5EF4-FFF2-40B4-BE49-F238E27FC236}">
+                  <a16:creationId xmlns:a16="http://schemas.microsoft.com/office/drawing/2014/main" id="{47BD524A-247F-4CA3-B28B-B158809CEEE3}"/>
+                </a:ext>
+              </a:extLst>
+            </p:cNvPr>
+            <p:cNvPicPr>
+              <a:picLocks noChangeAspect="1"/>
+            </p:cNvPicPr>
+            <p:nvPr/>
+          </p:nvPicPr>
+          <p:blipFill>
+            <a:blip r:embed="rId2" cstate="hqprint">
+              <a:extLst>
+                <a:ext uri="{28A0092B-C50C-407E-A947-70E740481C1C}">
+                  <a14:useLocalDpi xmlns:a14="http://schemas.microsoft.com/office/drawing/2010/main" val="0"/>
+                </a:ext>
+              </a:extLst>
+            </a:blip>
+            <a:stretch>
+              <a:fillRect/>
+            </a:stretch>
+          </p:blipFill>
+          <p:spPr>
+            <a:xfrm>
+              <a:off x="807745" y="2020918"/>
+              <a:ext cx="585083" cy="585083"/>
+            </a:xfrm>
+            <a:prstGeom prst="rect">
+              <a:avLst/>
+            </a:prstGeom>
+          </p:spPr>
+        </p:pic>
+        <p:sp>
+          <p:nvSpPr>
+            <p:cNvPr id="5" name="メモ 4"/>
+            <p:cNvSpPr/>
+            <p:nvPr/>
+          </p:nvSpPr>
+          <p:spPr>
+            <a:xfrm>
+              <a:off x="1447572" y="2020917"/>
+              <a:ext cx="585083" cy="585083"/>
+            </a:xfrm>
+            <a:prstGeom prst="foldedCorner">
+              <a:avLst/>
+            </a:prstGeom>
+          </p:spPr>
+          <p:style>
+            <a:lnRef idx="2">
+              <a:schemeClr val="dk1"/>
+            </a:lnRef>
+            <a:fillRef idx="1">
+              <a:schemeClr val="lt1"/>
+            </a:fillRef>
+            <a:effectRef idx="0">
+              <a:schemeClr val="dk1"/>
+            </a:effectRef>
+            <a:fontRef idx="minor">
+              <a:schemeClr val="dk1"/>
+            </a:fontRef>
+          </p:style>
+          <p:txBody>
+            <a:bodyPr rtlCol="0" anchor="ctr"/>
+            <a:lstStyle/>
+            <a:p>
+              <a:pPr algn="ctr"/>
+              <a:r>
+                <a:rPr kumimoji="1" lang="ja-JP" altLang="en-US" sz="1200" dirty="0"/>
+                <a:t>付帯情報</a:t>
+              </a:r>
+            </a:p>
+          </p:txBody>
+        </p:sp>
+        <p:sp>
+          <p:nvSpPr>
+            <p:cNvPr id="6" name="フローチャート: 複数書類 5"/>
+            <p:cNvSpPr/>
+            <p:nvPr/>
+          </p:nvSpPr>
+          <p:spPr>
+            <a:xfrm>
+              <a:off x="666976" y="1694046"/>
+              <a:ext cx="1761423" cy="1222409"/>
+            </a:xfrm>
+            <a:prstGeom prst="flowChartMultidocument">
+              <a:avLst/>
+            </a:prstGeom>
+            <a:noFill/>
+            <a:ln>
+              <a:solidFill>
+                <a:schemeClr val="tx1"/>
+              </a:solidFill>
+            </a:ln>
+          </p:spPr>
+          <p:style>
+            <a:lnRef idx="2">
+              <a:schemeClr val="accent1">
+                <a:shade val="50000"/>
+              </a:schemeClr>
+            </a:lnRef>
+            <a:fillRef idx="1">
+              <a:schemeClr val="accent1"/>
+            </a:fillRef>
+            <a:effectRef idx="0">
+              <a:schemeClr val="accent1"/>
+            </a:effectRef>
+            <a:fontRef idx="minor">
+              <a:schemeClr val="lt1"/>
+            </a:fontRef>
+          </p:style>
+          <p:txBody>
+            <a:bodyPr rtlCol="0" anchor="ctr"/>
+            <a:lstStyle/>
+            <a:p>
+              <a:pPr algn="ctr"/>
+              <a:endParaRPr kumimoji="1" lang="ja-JP" altLang="en-US"/>
+            </a:p>
+          </p:txBody>
+        </p:sp>
+        <p:sp>
+          <p:nvSpPr>
+            <p:cNvPr id="7" name="テキスト ボックス 6"/>
+            <p:cNvSpPr txBox="1"/>
+            <p:nvPr/>
+          </p:nvSpPr>
+          <p:spPr>
+            <a:xfrm>
+              <a:off x="526554" y="3000624"/>
+              <a:ext cx="1973179" cy="646331"/>
+            </a:xfrm>
+            <a:prstGeom prst="rect">
+              <a:avLst/>
+            </a:prstGeom>
+            <a:noFill/>
+          </p:spPr>
+          <p:txBody>
+            <a:bodyPr wrap="square" rtlCol="0">
+              <a:spAutoFit/>
+            </a:bodyPr>
+            <a:lstStyle/>
+            <a:p>
+              <a:r>
+                <a:rPr kumimoji="1" lang="en-US" altLang="ja-JP" dirty="0"/>
+                <a:t>[</a:t>
+              </a:r>
+              <a:r>
+                <a:rPr kumimoji="1" lang="ja-JP" altLang="en-US" dirty="0"/>
+                <a:t>画像</a:t>
+              </a:r>
+              <a:r>
+                <a:rPr kumimoji="1" lang="en-US" altLang="ja-JP" dirty="0"/>
+                <a:t>+</a:t>
+              </a:r>
+              <a:r>
+                <a:rPr kumimoji="1" lang="ja-JP" altLang="en-US" dirty="0"/>
+                <a:t>付帯情報</a:t>
+              </a:r>
+              <a:r>
+                <a:rPr kumimoji="1" lang="en-US" altLang="ja-JP" dirty="0"/>
+                <a:t>]</a:t>
+              </a:r>
+              <a:r>
+                <a:rPr kumimoji="1" lang="ja-JP" altLang="en-US" dirty="0"/>
+                <a:t>データベース</a:t>
+              </a:r>
+            </a:p>
+          </p:txBody>
+        </p:sp>
+        <p:sp>
+          <p:nvSpPr>
+            <p:cNvPr id="8" name="フローチャート: 定義済み処理 7"/>
+            <p:cNvSpPr/>
+            <p:nvPr/>
+          </p:nvSpPr>
+          <p:spPr>
+            <a:xfrm>
+              <a:off x="3003082" y="1872113"/>
+              <a:ext cx="519764" cy="2223435"/>
+            </a:xfrm>
+            <a:prstGeom prst="flowChartPredefinedProcess">
+              <a:avLst/>
+            </a:prstGeom>
+          </p:spPr>
+          <p:style>
+            <a:lnRef idx="2">
+              <a:schemeClr val="accent2"/>
+            </a:lnRef>
+            <a:fillRef idx="1">
+              <a:schemeClr val="lt1"/>
+            </a:fillRef>
+            <a:effectRef idx="0">
+              <a:schemeClr val="accent2"/>
+            </a:effectRef>
+            <a:fontRef idx="minor">
+              <a:schemeClr val="dk1"/>
+            </a:fontRef>
+          </p:style>
+          <p:txBody>
+            <a:bodyPr vert="eaVert" rtlCol="0" anchor="ctr"/>
+            <a:lstStyle/>
+            <a:p>
+              <a:pPr algn="ctr"/>
+              <a:r>
+                <a:rPr kumimoji="1" lang="ja-JP" altLang="en-US" dirty="0"/>
+                <a:t>クエリ（平均画像）</a:t>
+              </a:r>
+            </a:p>
+          </p:txBody>
+        </p:sp>
+        <p:sp>
+          <p:nvSpPr>
+            <p:cNvPr id="9" name="フローチャート: 定義済み処理 8"/>
+            <p:cNvSpPr/>
+            <p:nvPr/>
+          </p:nvSpPr>
+          <p:spPr>
+            <a:xfrm>
+              <a:off x="3003082" y="4350231"/>
+              <a:ext cx="519764" cy="2223435"/>
+            </a:xfrm>
+            <a:prstGeom prst="flowChartPredefinedProcess">
+              <a:avLst/>
+            </a:prstGeom>
+          </p:spPr>
+          <p:style>
+            <a:lnRef idx="2">
+              <a:schemeClr val="accent2"/>
+            </a:lnRef>
+            <a:fillRef idx="1">
+              <a:schemeClr val="lt1"/>
+            </a:fillRef>
+            <a:effectRef idx="0">
+              <a:schemeClr val="accent2"/>
+            </a:effectRef>
+            <a:fontRef idx="minor">
+              <a:schemeClr val="dk1"/>
+            </a:fontRef>
+          </p:style>
+          <p:txBody>
+            <a:bodyPr vert="eaVert" rtlCol="0" anchor="ctr"/>
+            <a:lstStyle/>
+            <a:p>
+              <a:pPr algn="ctr"/>
+              <a:r>
+                <a:rPr kumimoji="1" lang="ja-JP" altLang="en-US" sz="1200" dirty="0"/>
+                <a:t>クエリ</a:t>
+              </a:r>
+              <a:endParaRPr kumimoji="1" lang="en-US" altLang="ja-JP" sz="1200" dirty="0"/>
+            </a:p>
+            <a:p>
+              <a:pPr algn="ctr"/>
+              <a:r>
+                <a:rPr kumimoji="1" lang="ja-JP" altLang="en-US" sz="1200" dirty="0"/>
+                <a:t>（ランダムサンプリング）</a:t>
+              </a:r>
+            </a:p>
+          </p:txBody>
+        </p:sp>
+        <p:sp>
+          <p:nvSpPr>
+            <p:cNvPr id="10" name="フローチャート: 定義済み処理 9"/>
+            <p:cNvSpPr/>
+            <p:nvPr/>
+          </p:nvSpPr>
+          <p:spPr>
+            <a:xfrm>
+              <a:off x="3522846" y="1872113"/>
+              <a:ext cx="2415941" cy="2223435"/>
+            </a:xfrm>
+            <a:prstGeom prst="flowChartPredefinedProcess">
+              <a:avLst/>
+            </a:prstGeom>
+          </p:spPr>
+          <p:style>
+            <a:lnRef idx="2">
+              <a:schemeClr val="accent2"/>
+            </a:lnRef>
+            <a:fillRef idx="1">
+              <a:schemeClr val="lt1"/>
+            </a:fillRef>
+            <a:effectRef idx="0">
+              <a:schemeClr val="accent2"/>
+            </a:effectRef>
+            <a:fontRef idx="minor">
+              <a:schemeClr val="dk1"/>
+            </a:fontRef>
+          </p:style>
+          <p:txBody>
+            <a:bodyPr rtlCol="0" anchor="ctr"/>
+            <a:lstStyle/>
+            <a:p>
+              <a:pPr algn="ctr"/>
+              <a:endParaRPr kumimoji="1" lang="ja-JP" altLang="en-US"/>
+            </a:p>
+          </p:txBody>
+        </p:sp>
+        <p:sp>
+          <p:nvSpPr>
+            <p:cNvPr id="12" name="フローチャート: 定義済み処理 11"/>
+            <p:cNvSpPr/>
+            <p:nvPr/>
+          </p:nvSpPr>
+          <p:spPr>
+            <a:xfrm>
+              <a:off x="3522846" y="4350230"/>
+              <a:ext cx="2415941" cy="2223435"/>
+            </a:xfrm>
+            <a:prstGeom prst="flowChartPredefinedProcess">
+              <a:avLst/>
+            </a:prstGeom>
+          </p:spPr>
+          <p:style>
+            <a:lnRef idx="2">
+              <a:schemeClr val="accent2"/>
+            </a:lnRef>
+            <a:fillRef idx="1">
+              <a:schemeClr val="lt1"/>
+            </a:fillRef>
+            <a:effectRef idx="0">
+              <a:schemeClr val="accent2"/>
+            </a:effectRef>
+            <a:fontRef idx="minor">
+              <a:schemeClr val="dk1"/>
+            </a:fontRef>
+          </p:style>
+          <p:txBody>
+            <a:bodyPr rtlCol="0" anchor="ctr"/>
+            <a:lstStyle/>
+            <a:p>
+              <a:r>
+                <a:rPr kumimoji="1" lang="ja-JP" altLang="en-US" dirty="0"/>
+                <a:t>指定された付帯情報</a:t>
+              </a:r>
+              <a:r>
+                <a:rPr kumimoji="1" lang="en-US" altLang="ja-JP" dirty="0"/>
+                <a:t>(ex.</a:t>
+              </a:r>
+              <a:r>
+                <a:rPr kumimoji="1" lang="ja-JP" altLang="en-US" dirty="0"/>
+                <a:t>疾患</a:t>
+              </a:r>
+              <a:r>
+                <a:rPr kumimoji="1" lang="en-US" altLang="ja-JP" dirty="0"/>
+                <a:t>)</a:t>
+              </a:r>
+              <a:r>
+                <a:rPr kumimoji="1" lang="ja-JP" altLang="en-US" dirty="0"/>
+                <a:t>をもつ症例の画像を収集</a:t>
+              </a:r>
+              <a:endParaRPr kumimoji="1" lang="en-US" altLang="ja-JP" dirty="0"/>
+            </a:p>
+            <a:p>
+              <a:pPr algn="ctr"/>
+              <a:r>
+                <a:rPr kumimoji="1" lang="ja-JP" altLang="en-US" dirty="0"/>
+                <a:t>↓</a:t>
+              </a:r>
+              <a:endParaRPr kumimoji="1" lang="en-US" altLang="ja-JP" dirty="0"/>
+            </a:p>
+            <a:p>
+              <a:r>
+                <a:rPr kumimoji="1" lang="en-US" altLang="ja-JP" dirty="0"/>
+                <a:t>Glow</a:t>
+              </a:r>
+              <a:r>
+                <a:rPr kumimoji="1" lang="ja-JP" altLang="en-US" dirty="0"/>
+                <a:t>潜在ベクトルの分布からランダムサンプル</a:t>
+              </a:r>
+            </a:p>
+          </p:txBody>
+        </p:sp>
+        <p:sp>
+          <p:nvSpPr>
+            <p:cNvPr id="13" name="円柱 12"/>
+            <p:cNvSpPr/>
+            <p:nvPr/>
+          </p:nvSpPr>
+          <p:spPr>
+            <a:xfrm>
+              <a:off x="820031" y="4904603"/>
+              <a:ext cx="1289785" cy="1250894"/>
+            </a:xfrm>
+            <a:prstGeom prst="can">
+              <a:avLst/>
+            </a:prstGeom>
+          </p:spPr>
+          <p:style>
+            <a:lnRef idx="2">
+              <a:schemeClr val="accent1">
+                <a:shade val="50000"/>
+              </a:schemeClr>
+            </a:lnRef>
+            <a:fillRef idx="1">
+              <a:schemeClr val="accent1"/>
+            </a:fillRef>
+            <a:effectRef idx="0">
+              <a:schemeClr val="accent1"/>
+            </a:effectRef>
+            <a:fontRef idx="minor">
+              <a:schemeClr val="lt1"/>
+            </a:fontRef>
+          </p:style>
+          <p:txBody>
+            <a:bodyPr rtlCol="0" anchor="ctr"/>
+            <a:lstStyle/>
+            <a:p>
+              <a:pPr algn="ctr"/>
+              <a:r>
+                <a:rPr kumimoji="1" lang="ja-JP" altLang="en-US" dirty="0"/>
+                <a:t>画像の</a:t>
+              </a:r>
+              <a:r>
+                <a:rPr kumimoji="1" lang="en-US" altLang="ja-JP" dirty="0"/>
+                <a:t>Glow</a:t>
+              </a:r>
+            </a:p>
+            <a:p>
+              <a:pPr algn="ctr"/>
+              <a:r>
+                <a:rPr kumimoji="1" lang="ja-JP" altLang="en-US" dirty="0"/>
+                <a:t>モデル</a:t>
+              </a:r>
+            </a:p>
+          </p:txBody>
+        </p:sp>
+        <p:sp>
+          <p:nvSpPr>
+            <p:cNvPr id="15" name="テキスト ボックス 14"/>
+            <p:cNvSpPr txBox="1"/>
+            <p:nvPr/>
+          </p:nvSpPr>
+          <p:spPr>
+            <a:xfrm>
+              <a:off x="3837645" y="1897916"/>
+              <a:ext cx="1786341" cy="2308324"/>
+            </a:xfrm>
+            <a:prstGeom prst="rect">
+              <a:avLst/>
+            </a:prstGeom>
+            <a:noFill/>
+          </p:spPr>
+          <p:txBody>
+            <a:bodyPr wrap="square" rtlCol="0">
+              <a:spAutoFit/>
+            </a:bodyPr>
+            <a:lstStyle/>
+            <a:p>
+              <a:r>
+                <a:rPr kumimoji="1" lang="ja-JP" altLang="en-US" dirty="0"/>
+                <a:t>指定された付帯情報</a:t>
+              </a:r>
+              <a:r>
+                <a:rPr kumimoji="1" lang="en-US" altLang="ja-JP" dirty="0"/>
+                <a:t>(ex.</a:t>
+              </a:r>
+              <a:r>
+                <a:rPr kumimoji="1" lang="ja-JP" altLang="en-US" dirty="0"/>
+                <a:t>疾患</a:t>
+              </a:r>
+              <a:r>
+                <a:rPr kumimoji="1" lang="en-US" altLang="ja-JP" dirty="0"/>
+                <a:t>)</a:t>
+              </a:r>
+              <a:r>
+                <a:rPr kumimoji="1" lang="ja-JP" altLang="en-US" dirty="0"/>
+                <a:t>をもつ症例の画像を収集</a:t>
+              </a:r>
+              <a:endParaRPr kumimoji="1" lang="en-US" altLang="ja-JP" dirty="0"/>
+            </a:p>
+            <a:p>
+              <a:pPr algn="ctr"/>
+              <a:r>
+                <a:rPr kumimoji="1" lang="ja-JP" altLang="en-US" dirty="0"/>
+                <a:t>↓</a:t>
+              </a:r>
+              <a:endParaRPr kumimoji="1" lang="en-US" altLang="ja-JP" dirty="0"/>
+            </a:p>
+            <a:p>
+              <a:r>
+                <a:rPr kumimoji="1" lang="en-US" altLang="ja-JP" dirty="0"/>
+                <a:t>Glow</a:t>
+              </a:r>
+              <a:r>
+                <a:rPr kumimoji="1" lang="ja-JP" altLang="en-US" dirty="0"/>
+                <a:t>潜在表現ベクトルの平均を出力</a:t>
+              </a:r>
+            </a:p>
+          </p:txBody>
+        </p:sp>
+        <p:sp>
+          <p:nvSpPr>
+            <p:cNvPr id="24" name="フローチャート: 定義済み処理 23"/>
+            <p:cNvSpPr/>
+            <p:nvPr/>
+          </p:nvSpPr>
+          <p:spPr>
+            <a:xfrm>
+              <a:off x="6998556" y="1919572"/>
+              <a:ext cx="589120" cy="4573336"/>
+            </a:xfrm>
+            <a:prstGeom prst="flowChartPredefinedProcess">
+              <a:avLst/>
+            </a:prstGeom>
+          </p:spPr>
+          <p:style>
+            <a:lnRef idx="2">
+              <a:schemeClr val="dk1"/>
+            </a:lnRef>
+            <a:fillRef idx="1">
+              <a:schemeClr val="lt1"/>
+            </a:fillRef>
+            <a:effectRef idx="0">
+              <a:schemeClr val="dk1"/>
+            </a:effectRef>
+            <a:fontRef idx="minor">
+              <a:schemeClr val="dk1"/>
+            </a:fontRef>
+          </p:style>
+          <p:txBody>
+            <a:bodyPr vert="eaVert" rtlCol="0" anchor="ctr"/>
+            <a:lstStyle/>
+            <a:p>
+              <a:pPr algn="ctr"/>
+              <a:r>
+                <a:rPr kumimoji="1" lang="en-US" altLang="ja-JP" dirty="0"/>
+                <a:t>Glow</a:t>
+              </a:r>
+              <a:r>
+                <a:rPr kumimoji="1" lang="ja-JP" altLang="en-US" dirty="0"/>
+                <a:t>逆変換</a:t>
+              </a:r>
+            </a:p>
+          </p:txBody>
+        </p:sp>
+        <p:pic>
+          <p:nvPicPr>
+            <p:cNvPr id="28" name="図 27" descr="抽象, 探す, 衣類, 持つ が含まれている画像&#10;&#10;自動的に生成された説明">
+              <a:extLst>
+                <a:ext uri="{FF2B5EF4-FFF2-40B4-BE49-F238E27FC236}">
+                  <a16:creationId xmlns:a16="http://schemas.microsoft.com/office/drawing/2014/main" id="{47BD524A-247F-4CA3-B28B-B158809CEEE3}"/>
+                </a:ext>
+              </a:extLst>
+            </p:cNvPr>
+            <p:cNvPicPr>
+              <a:picLocks noChangeAspect="1"/>
+            </p:cNvPicPr>
+            <p:nvPr/>
+          </p:nvPicPr>
+          <p:blipFill>
+            <a:blip r:embed="rId2" cstate="hqprint">
+              <a:extLst>
+                <a:ext uri="{28A0092B-C50C-407E-A947-70E740481C1C}">
+                  <a14:useLocalDpi xmlns:a14="http://schemas.microsoft.com/office/drawing/2010/main" val="0"/>
+                </a:ext>
+              </a:extLst>
+            </a:blip>
+            <a:stretch>
+              <a:fillRect/>
+            </a:stretch>
+          </p:blipFill>
+          <p:spPr>
+            <a:xfrm>
+              <a:off x="8053511" y="2559932"/>
+              <a:ext cx="585083" cy="585083"/>
+            </a:xfrm>
+            <a:prstGeom prst="rect">
+              <a:avLst/>
+            </a:prstGeom>
+          </p:spPr>
+        </p:pic>
+        <p:pic>
+          <p:nvPicPr>
+            <p:cNvPr id="29" name="図 28" descr="抽象, 探す, 衣類, 持つ が含まれている画像&#10;&#10;自動的に生成された説明">
+              <a:extLst>
+                <a:ext uri="{FF2B5EF4-FFF2-40B4-BE49-F238E27FC236}">
+                  <a16:creationId xmlns:a16="http://schemas.microsoft.com/office/drawing/2014/main" id="{47BD524A-247F-4CA3-B28B-B158809CEEE3}"/>
+                </a:ext>
+              </a:extLst>
+            </p:cNvPr>
+            <p:cNvPicPr>
+              <a:picLocks noChangeAspect="1"/>
+            </p:cNvPicPr>
+            <p:nvPr/>
+          </p:nvPicPr>
+          <p:blipFill>
+            <a:blip r:embed="rId2" cstate="hqprint">
+              <a:extLst>
+                <a:ext uri="{28A0092B-C50C-407E-A947-70E740481C1C}">
+                  <a14:useLocalDpi xmlns:a14="http://schemas.microsoft.com/office/drawing/2010/main" val="0"/>
+                </a:ext>
+              </a:extLst>
+            </a:blip>
+            <a:stretch>
+              <a:fillRect/>
+            </a:stretch>
+          </p:blipFill>
+          <p:spPr>
+            <a:xfrm>
+              <a:off x="7950069" y="5085109"/>
+              <a:ext cx="585083" cy="585083"/>
+            </a:xfrm>
+            <a:prstGeom prst="rect">
+              <a:avLst/>
+            </a:prstGeom>
+          </p:spPr>
+        </p:pic>
+        <p:pic>
+          <p:nvPicPr>
+            <p:cNvPr id="30" name="図 29" descr="抽象, 探す, 衣類, 持つ が含まれている画像&#10;&#10;自動的に生成された説明">
+              <a:extLst>
+                <a:ext uri="{FF2B5EF4-FFF2-40B4-BE49-F238E27FC236}">
+                  <a16:creationId xmlns:a16="http://schemas.microsoft.com/office/drawing/2014/main" id="{47BD524A-247F-4CA3-B28B-B158809CEEE3}"/>
+                </a:ext>
+              </a:extLst>
+            </p:cNvPr>
+            <p:cNvPicPr>
+              <a:picLocks noChangeAspect="1"/>
+            </p:cNvPicPr>
+            <p:nvPr/>
+          </p:nvPicPr>
+          <p:blipFill>
+            <a:blip r:embed="rId2" cstate="hqprint">
+              <a:extLst>
+                <a:ext uri="{28A0092B-C50C-407E-A947-70E740481C1C}">
+                  <a14:useLocalDpi xmlns:a14="http://schemas.microsoft.com/office/drawing/2010/main" val="0"/>
+                </a:ext>
+              </a:extLst>
+            </a:blip>
+            <a:stretch>
+              <a:fillRect/>
+            </a:stretch>
+          </p:blipFill>
+          <p:spPr>
+            <a:xfrm>
+              <a:off x="8102469" y="5237509"/>
+              <a:ext cx="585083" cy="585083"/>
+            </a:xfrm>
+            <a:prstGeom prst="rect">
+              <a:avLst/>
+            </a:prstGeom>
+          </p:spPr>
+        </p:pic>
+        <p:pic>
+          <p:nvPicPr>
+            <p:cNvPr id="31" name="図 30" descr="抽象, 探す, 衣類, 持つ が含まれている画像&#10;&#10;自動的に生成された説明">
+              <a:extLst>
+                <a:ext uri="{FF2B5EF4-FFF2-40B4-BE49-F238E27FC236}">
+                  <a16:creationId xmlns:a16="http://schemas.microsoft.com/office/drawing/2014/main" id="{47BD524A-247F-4CA3-B28B-B158809CEEE3}"/>
+                </a:ext>
+              </a:extLst>
+            </p:cNvPr>
+            <p:cNvPicPr>
+              <a:picLocks noChangeAspect="1"/>
+            </p:cNvPicPr>
+            <p:nvPr/>
+          </p:nvPicPr>
+          <p:blipFill>
+            <a:blip r:embed="rId2" cstate="hqprint">
+              <a:extLst>
+                <a:ext uri="{28A0092B-C50C-407E-A947-70E740481C1C}">
+                  <a14:useLocalDpi xmlns:a14="http://schemas.microsoft.com/office/drawing/2010/main" val="0"/>
+                </a:ext>
+              </a:extLst>
+            </a:blip>
+            <a:stretch>
+              <a:fillRect/>
+            </a:stretch>
+          </p:blipFill>
+          <p:spPr>
+            <a:xfrm>
+              <a:off x="8254869" y="5389909"/>
+              <a:ext cx="585083" cy="585083"/>
+            </a:xfrm>
+            <a:prstGeom prst="rect">
+              <a:avLst/>
+            </a:prstGeom>
+          </p:spPr>
+        </p:pic>
+        <p:sp>
+          <p:nvSpPr>
+            <p:cNvPr id="32" name="テキスト ボックス 31"/>
+            <p:cNvSpPr txBox="1"/>
+            <p:nvPr/>
+          </p:nvSpPr>
+          <p:spPr>
+            <a:xfrm>
+              <a:off x="7738712" y="3145015"/>
+              <a:ext cx="1232033" cy="369332"/>
+            </a:xfrm>
+            <a:prstGeom prst="rect">
+              <a:avLst/>
+            </a:prstGeom>
+            <a:noFill/>
+          </p:spPr>
+          <p:txBody>
+            <a:bodyPr wrap="square" rtlCol="0">
+              <a:spAutoFit/>
+            </a:bodyPr>
+            <a:lstStyle/>
+            <a:p>
+              <a:pPr algn="ctr"/>
+              <a:r>
+                <a:rPr kumimoji="1" lang="ja-JP" altLang="en-US" dirty="0"/>
+                <a:t>平均画像</a:t>
+              </a:r>
+            </a:p>
+          </p:txBody>
+        </p:sp>
+        <p:sp>
+          <p:nvSpPr>
+            <p:cNvPr id="33" name="テキスト ボックス 32"/>
+            <p:cNvSpPr txBox="1"/>
+            <p:nvPr/>
+          </p:nvSpPr>
+          <p:spPr>
+            <a:xfrm>
+              <a:off x="7730035" y="6073152"/>
+              <a:ext cx="1232033" cy="646331"/>
+            </a:xfrm>
+            <a:prstGeom prst="rect">
+              <a:avLst/>
+            </a:prstGeom>
+            <a:noFill/>
+          </p:spPr>
+          <p:txBody>
+            <a:bodyPr wrap="square" rtlCol="0">
+              <a:spAutoFit/>
+            </a:bodyPr>
+            <a:lstStyle/>
+            <a:p>
+              <a:pPr algn="ctr"/>
+              <a:r>
+                <a:rPr kumimoji="1" lang="ja-JP" altLang="en-US" dirty="0"/>
+                <a:t>サンプル画像群</a:t>
+              </a:r>
+            </a:p>
+          </p:txBody>
+        </p:sp>
+        <p:sp>
+          <p:nvSpPr>
+            <p:cNvPr id="43" name="テキスト ボックス 42"/>
+            <p:cNvSpPr txBox="1"/>
+            <p:nvPr/>
+          </p:nvSpPr>
+          <p:spPr>
+            <a:xfrm>
+              <a:off x="1100286" y="6294922"/>
+              <a:ext cx="786266" cy="369332"/>
+            </a:xfrm>
+            <a:prstGeom prst="rect">
+              <a:avLst/>
+            </a:prstGeom>
+            <a:noFill/>
+          </p:spPr>
+          <p:txBody>
+            <a:bodyPr wrap="square" rtlCol="0">
+              <a:spAutoFit/>
+            </a:bodyPr>
+            <a:lstStyle/>
+            <a:p>
+              <a:pPr algn="ctr"/>
+              <a:r>
+                <a:rPr kumimoji="1" lang="ja-JP" altLang="en-US" dirty="0"/>
+                <a:t>公開</a:t>
+              </a:r>
+            </a:p>
+          </p:txBody>
+        </p:sp>
+        <p:sp>
+          <p:nvSpPr>
+            <p:cNvPr id="44" name="テキスト ボックス 43"/>
+            <p:cNvSpPr txBox="1"/>
+            <p:nvPr/>
+          </p:nvSpPr>
+          <p:spPr>
+            <a:xfrm>
+              <a:off x="7920262" y="4055085"/>
+              <a:ext cx="786266" cy="369332"/>
+            </a:xfrm>
+            <a:prstGeom prst="rect">
+              <a:avLst/>
+            </a:prstGeom>
+            <a:noFill/>
+          </p:spPr>
+          <p:txBody>
+            <a:bodyPr wrap="square" rtlCol="0">
+              <a:spAutoFit/>
+            </a:bodyPr>
+            <a:lstStyle/>
+            <a:p>
+              <a:pPr algn="ctr"/>
+              <a:r>
+                <a:rPr kumimoji="1" lang="ja-JP" altLang="en-US" dirty="0"/>
+                <a:t>公開</a:t>
+              </a:r>
+            </a:p>
+          </p:txBody>
+        </p:sp>
+        <p:sp>
+          <p:nvSpPr>
+            <p:cNvPr id="45" name="正方形/長方形 44"/>
+            <p:cNvSpPr/>
+            <p:nvPr/>
+          </p:nvSpPr>
+          <p:spPr>
+            <a:xfrm>
+              <a:off x="2531444" y="1588168"/>
+              <a:ext cx="3952319" cy="5131315"/>
+            </a:xfrm>
+            <a:prstGeom prst="rect">
+              <a:avLst/>
+            </a:prstGeom>
+            <a:noFill/>
+            <a:ln>
+              <a:solidFill>
+                <a:srgbClr val="FF0000"/>
+              </a:solidFill>
+            </a:ln>
+          </p:spPr>
+          <p:style>
+            <a:lnRef idx="2">
+              <a:schemeClr val="accent1">
+                <a:shade val="50000"/>
+              </a:schemeClr>
+            </a:lnRef>
+            <a:fillRef idx="1">
+              <a:schemeClr val="accent1"/>
+            </a:fillRef>
+            <a:effectRef idx="0">
+              <a:schemeClr val="accent1"/>
+            </a:effectRef>
+            <a:fontRef idx="minor">
+              <a:schemeClr val="lt1"/>
+            </a:fontRef>
+          </p:style>
+          <p:txBody>
+            <a:bodyPr rtlCol="0" anchor="ctr"/>
+            <a:lstStyle/>
+            <a:p>
+              <a:pPr algn="ctr"/>
+              <a:endParaRPr kumimoji="1" lang="ja-JP" altLang="en-US"/>
+            </a:p>
+          </p:txBody>
+        </p:sp>
+        <p:sp>
+          <p:nvSpPr>
+            <p:cNvPr id="46" name="正方形/長方形 45"/>
+            <p:cNvSpPr/>
+            <p:nvPr/>
+          </p:nvSpPr>
+          <p:spPr>
+            <a:xfrm>
+              <a:off x="2454442" y="1607419"/>
+              <a:ext cx="192505" cy="697831"/>
+            </a:xfrm>
+            <a:prstGeom prst="rect">
+              <a:avLst/>
+            </a:prstGeom>
+            <a:solidFill>
+              <a:schemeClr val="bg1"/>
+            </a:solidFill>
+            <a:ln>
+              <a:solidFill>
+                <a:schemeClr val="bg1"/>
+              </a:solidFill>
+            </a:ln>
+          </p:spPr>
+          <p:style>
+            <a:lnRef idx="2">
+              <a:schemeClr val="accent1">
+                <a:shade val="50000"/>
+              </a:schemeClr>
+            </a:lnRef>
+            <a:fillRef idx="1">
+              <a:schemeClr val="accent1"/>
+            </a:fillRef>
+            <a:effectRef idx="0">
+              <a:schemeClr val="accent1"/>
+            </a:effectRef>
+            <a:fontRef idx="minor">
+              <a:schemeClr val="lt1"/>
+            </a:fontRef>
+          </p:style>
+          <p:txBody>
+            <a:bodyPr rtlCol="0" anchor="ctr"/>
+            <a:lstStyle/>
+            <a:p>
+              <a:pPr algn="ctr"/>
+              <a:endParaRPr kumimoji="1" lang="ja-JP" altLang="en-US"/>
+            </a:p>
+          </p:txBody>
+        </p:sp>
+        <p:sp>
+          <p:nvSpPr>
+            <p:cNvPr id="47" name="正方形/長方形 46"/>
+            <p:cNvSpPr/>
+            <p:nvPr/>
+          </p:nvSpPr>
+          <p:spPr>
+            <a:xfrm>
+              <a:off x="2435191" y="2319689"/>
+              <a:ext cx="154005" cy="2021305"/>
+            </a:xfrm>
+            <a:prstGeom prst="rect">
+              <a:avLst/>
+            </a:prstGeom>
+            <a:solidFill>
+              <a:schemeClr val="bg1"/>
+            </a:solidFill>
+            <a:ln>
+              <a:solidFill>
+                <a:schemeClr val="bg1"/>
+              </a:solidFill>
+            </a:ln>
+          </p:spPr>
+          <p:style>
+            <a:lnRef idx="2">
+              <a:schemeClr val="accent1">
+                <a:shade val="50000"/>
+              </a:schemeClr>
+            </a:lnRef>
+            <a:fillRef idx="1">
+              <a:schemeClr val="accent1"/>
+            </a:fillRef>
+            <a:effectRef idx="0">
+              <a:schemeClr val="accent1"/>
+            </a:effectRef>
+            <a:fontRef idx="minor">
+              <a:schemeClr val="lt1"/>
+            </a:fontRef>
+          </p:style>
+          <p:txBody>
+            <a:bodyPr rtlCol="0" anchor="ctr"/>
+            <a:lstStyle/>
+            <a:p>
+              <a:pPr algn="ctr"/>
+              <a:endParaRPr kumimoji="1" lang="ja-JP" altLang="en-US"/>
+            </a:p>
+          </p:txBody>
+        </p:sp>
+        <p:sp>
+          <p:nvSpPr>
+            <p:cNvPr id="14" name="フローチャート: 定義済み処理 13"/>
+            <p:cNvSpPr/>
+            <p:nvPr/>
+          </p:nvSpPr>
+          <p:spPr>
+            <a:xfrm>
+              <a:off x="6198669" y="1872113"/>
+              <a:ext cx="567891" cy="4712478"/>
+            </a:xfrm>
+            <a:prstGeom prst="flowChartPredefinedProcess">
+              <a:avLst/>
+            </a:prstGeom>
+          </p:spPr>
+          <p:style>
+            <a:lnRef idx="1">
+              <a:schemeClr val="accent6"/>
+            </a:lnRef>
+            <a:fillRef idx="2">
+              <a:schemeClr val="accent6"/>
+            </a:fillRef>
+            <a:effectRef idx="1">
+              <a:schemeClr val="accent6"/>
+            </a:effectRef>
+            <a:fontRef idx="minor">
+              <a:schemeClr val="dk1"/>
+            </a:fontRef>
+          </p:style>
+          <p:txBody>
+            <a:bodyPr vert="eaVert" rtlCol="0" anchor="ctr"/>
+            <a:lstStyle/>
+            <a:p>
+              <a:pPr algn="ctr"/>
+              <a:r>
+                <a:rPr kumimoji="1" lang="ja-JP" altLang="en-US" dirty="0"/>
+                <a:t>ラプラスノイズ付加</a:t>
+              </a:r>
+            </a:p>
+          </p:txBody>
+        </p:sp>
+      </p:grpSp>
+    </p:spTree>
+    <p:extLst>
+      <p:ext uri="{BB962C8B-B14F-4D97-AF65-F5344CB8AC3E}">
+        <p14:creationId xmlns:p14="http://schemas.microsoft.com/office/powerpoint/2010/main" val="1753305375"/>
+      </p:ext>
+    </p:extLst>
+  </p:cSld>
+  <p:clrMapOvr>
+    <a:masterClrMapping/>
+  </p:clrMapOvr>
+</p:sld>
+</file>
+
+<file path=ppt/slides/slide2.xml><?xml version="1.0" encoding="utf-8"?>
+<p:sld xmlns:a="http://schemas.openxmlformats.org/drawingml/2006/main" xmlns:r="http://schemas.openxmlformats.org/officeDocument/2006/relationships" xmlns:p="http://schemas.openxmlformats.org/presentationml/2006/main">
+  <p:cSld>
+    <p:spTree>
+      <p:nvGrpSpPr>
+        <p:cNvPr id="1" name=""/>
+        <p:cNvGrpSpPr/>
+        <p:nvPr/>
+      </p:nvGrpSpPr>
+      <p:grpSpPr>
+        <a:xfrm>
+          <a:off x="0" y="0"/>
+          <a:ext cx="0" cy="0"/>
+          <a:chOff x="0" y="0"/>
+          <a:chExt cx="0" cy="0"/>
+        </a:xfrm>
+      </p:grpSpPr>
+      <p:sp>
+        <p:nvSpPr>
+          <p:cNvPr id="2" name="タイトル 1"/>
+          <p:cNvSpPr>
+            <a:spLocks noGrp="1"/>
+          </p:cNvSpPr>
+          <p:nvPr>
+            <p:ph type="title"/>
+          </p:nvPr>
+        </p:nvSpPr>
+        <p:spPr/>
+        <p:txBody>
+          <a:bodyPr/>
+          <a:lstStyle/>
+          <a:p>
+            <a:r>
+              <a:rPr kumimoji="1" lang="en-US" altLang="ja-JP" dirty="0"/>
+              <a:t>CREST  </a:t>
+            </a:r>
+            <a:endParaRPr kumimoji="1" lang="ja-JP" altLang="en-US" dirty="0"/>
+          </a:p>
+        </p:txBody>
+      </p:sp>
+      <p:sp>
+        <p:nvSpPr>
+          <p:cNvPr id="3" name="コンテンツ プレースホルダー 2"/>
+          <p:cNvSpPr>
+            <a:spLocks noGrp="1"/>
+          </p:cNvSpPr>
+          <p:nvPr>
+            <p:ph idx="1"/>
+          </p:nvPr>
+        </p:nvSpPr>
+        <p:spPr/>
+        <p:txBody>
+          <a:bodyPr/>
+          <a:lstStyle/>
+          <a:p>
+            <a:r>
+              <a:rPr lang="en-US" altLang="ja-JP" dirty="0"/>
+              <a:t>89,750,000</a:t>
+            </a:r>
+            <a:r>
+              <a:rPr lang="ja-JP" altLang="en-US" dirty="0"/>
+              <a:t>円</a:t>
+            </a:r>
+            <a:r>
+              <a:rPr lang="en-US" altLang="ja-JP" dirty="0"/>
+              <a:t>/5.5</a:t>
+            </a:r>
+            <a:r>
+              <a:rPr lang="ja-JP" altLang="en-US" dirty="0"/>
+              <a:t>年のお金が当たりました</a:t>
+            </a:r>
+            <a:r>
+              <a:rPr lang="en-US" altLang="ja-JP" dirty="0"/>
+              <a:t>(</a:t>
+            </a:r>
+            <a:r>
+              <a:rPr lang="ja-JP" altLang="en-US" dirty="0"/>
+              <a:t>すでに半年経過</a:t>
+            </a:r>
+            <a:r>
+              <a:rPr lang="en-US" altLang="ja-JP" dirty="0"/>
+              <a:t>)</a:t>
+            </a:r>
+          </a:p>
+          <a:p>
+            <a:pPr marL="0" indent="0">
+              <a:buNone/>
+            </a:pPr>
+            <a:endParaRPr lang="en-US" altLang="ja-JP" dirty="0"/>
+          </a:p>
+          <a:p>
+            <a:r>
+              <a:rPr lang="ja-JP" altLang="en-US" dirty="0"/>
+              <a:t>研究しましょう！</a:t>
+            </a:r>
+          </a:p>
+        </p:txBody>
+      </p:sp>
+    </p:spTree>
+    <p:extLst>
+      <p:ext uri="{BB962C8B-B14F-4D97-AF65-F5344CB8AC3E}">
+        <p14:creationId xmlns:p14="http://schemas.microsoft.com/office/powerpoint/2010/main" val="3798492401"/>
+      </p:ext>
+    </p:extLst>
+  </p:cSld>
+  <p:clrMapOvr>
+    <a:masterClrMapping/>
+  </p:clrMapOvr>
+</p:sld>
+</file>
+
+<file path=ppt/slides/slide3.xml><?xml version="1.0" encoding="utf-8"?>
+<p:sld xmlns:a="http://schemas.openxmlformats.org/drawingml/2006/main" xmlns:r="http://schemas.openxmlformats.org/officeDocument/2006/relationships" xmlns:p="http://schemas.openxmlformats.org/presentationml/2006/main">
+  <p:cSld>
+    <p:spTree>
+      <p:nvGrpSpPr>
+        <p:cNvPr id="1" name=""/>
+        <p:cNvGrpSpPr/>
+        <p:nvPr/>
+      </p:nvGrpSpPr>
+      <p:grpSpPr>
+        <a:xfrm>
+          <a:off x="0" y="0"/>
+          <a:ext cx="0" cy="0"/>
+          <a:chOff x="0" y="0"/>
+          <a:chExt cx="0" cy="0"/>
+        </a:xfrm>
+      </p:grpSpPr>
+      <p:sp>
+        <p:nvSpPr>
+          <p:cNvPr id="2" name="タイトル 1">
+            <a:extLst>
+              <a:ext uri="{FF2B5EF4-FFF2-40B4-BE49-F238E27FC236}">
+                <a16:creationId xmlns:a16="http://schemas.microsoft.com/office/drawing/2014/main" id="{5134795A-34C4-4DDF-B5D0-5CE68584904F}"/>
+              </a:ext>
+            </a:extLst>
+          </p:cNvPr>
+          <p:cNvSpPr>
+            <a:spLocks noGrp="1"/>
+          </p:cNvSpPr>
+          <p:nvPr>
+            <p:ph type="title"/>
+          </p:nvPr>
+        </p:nvSpPr>
+        <p:spPr/>
+        <p:txBody>
+          <a:bodyPr/>
+          <a:lstStyle/>
+          <a:p>
+            <a:r>
+              <a:rPr kumimoji="1" lang="ja-JP" altLang="en-US"/>
+              <a:t>構成</a:t>
+            </a:r>
+            <a:r>
+              <a:rPr kumimoji="1" lang="en-US" altLang="ja-JP"/>
+              <a:t>:</a:t>
+            </a:r>
+            <a:endParaRPr kumimoji="1" lang="ja-JP" altLang="en-US"/>
+          </a:p>
+        </p:txBody>
+      </p:sp>
+      <p:sp>
+        <p:nvSpPr>
+          <p:cNvPr id="3" name="コンテンツ プレースホルダー 2">
+            <a:extLst>
+              <a:ext uri="{FF2B5EF4-FFF2-40B4-BE49-F238E27FC236}">
+                <a16:creationId xmlns:a16="http://schemas.microsoft.com/office/drawing/2014/main" id="{8A4B7976-A9F8-4CDC-A95B-7F4AAFD8C9A2}"/>
+              </a:ext>
+            </a:extLst>
+          </p:cNvPr>
+          <p:cNvSpPr>
+            <a:spLocks noGrp="1"/>
+          </p:cNvSpPr>
+          <p:nvPr>
+            <p:ph idx="1"/>
+          </p:nvPr>
+        </p:nvSpPr>
+        <p:spPr/>
+        <p:txBody>
+          <a:bodyPr/>
+          <a:lstStyle/>
+          <a:p>
+            <a:r>
+              <a:rPr lang="ja-JP" altLang="en-US" dirty="0"/>
+              <a:t>研究領域：「基礎理論とシステム基盤技術の融合によるＳｏｃｉｅｔｙ ５．０のための基盤ソフトウェアの 創出」</a:t>
+            </a:r>
+            <a:endParaRPr lang="en-US" altLang="ja-JP" dirty="0"/>
+          </a:p>
+          <a:p>
+            <a:pPr lvl="2"/>
+            <a:r>
+              <a:rPr lang="ja-JP" altLang="en-US" dirty="0"/>
+              <a:t>研究総括：岡部 寿男（京都大学 学術情報メディアセンター センター長）</a:t>
+            </a:r>
+            <a:endParaRPr lang="en-US" altLang="ja-JP" dirty="0"/>
+          </a:p>
+          <a:p>
+            <a:pPr lvl="1"/>
+            <a:r>
+              <a:rPr lang="ja-JP" altLang="en-US" dirty="0"/>
+              <a:t>実応用に即したプライバシー保護解析とセ キュアデータ基盤（研究代表者</a:t>
+            </a:r>
+            <a:r>
+              <a:rPr lang="en-US" altLang="ja-JP" dirty="0"/>
+              <a:t>: </a:t>
+            </a:r>
+            <a:r>
+              <a:rPr lang="ja-JP" altLang="en-US" dirty="0"/>
+              <a:t>田浦健次朗）</a:t>
+            </a:r>
+            <a:endParaRPr lang="en-US" altLang="ja-JP" dirty="0"/>
+          </a:p>
+          <a:p>
+            <a:pPr lvl="2"/>
+            <a:r>
+              <a:rPr kumimoji="1" lang="ja-JP" altLang="en-US" dirty="0"/>
+              <a:t>田浦</a:t>
+            </a:r>
+            <a:r>
+              <a:rPr kumimoji="1" lang="en-US" altLang="ja-JP" dirty="0"/>
+              <a:t>(</a:t>
+            </a:r>
+            <a:r>
+              <a:rPr lang="ja-JP" altLang="en-US" dirty="0"/>
+              <a:t>東大・</a:t>
+            </a:r>
+            <a:r>
+              <a:rPr kumimoji="1" lang="ja-JP" altLang="en-US" dirty="0"/>
+              <a:t>情報基盤センター長</a:t>
+            </a:r>
+            <a:r>
+              <a:rPr kumimoji="1" lang="en-US" altLang="ja-JP" dirty="0"/>
+              <a:t>/</a:t>
+            </a:r>
+            <a:r>
+              <a:rPr kumimoji="1" lang="ja-JP" altLang="en-US" dirty="0"/>
+              <a:t>情報理工学系</a:t>
+            </a:r>
+            <a:r>
+              <a:rPr kumimoji="1" lang="en-US" altLang="ja-JP" dirty="0"/>
+              <a:t>)</a:t>
+            </a:r>
+            <a:r>
+              <a:rPr kumimoji="1" lang="ja-JP" altLang="en-US" dirty="0"/>
+              <a:t>グループ</a:t>
+            </a:r>
+            <a:endParaRPr kumimoji="1" lang="en-US" altLang="ja-JP" dirty="0"/>
+          </a:p>
+          <a:p>
+            <a:pPr lvl="2"/>
+            <a:r>
+              <a:rPr lang="ja-JP" altLang="en-US" dirty="0"/>
+              <a:t>塙</a:t>
+            </a:r>
+            <a:r>
+              <a:rPr lang="en-US" altLang="ja-JP" dirty="0"/>
+              <a:t>(</a:t>
+            </a:r>
+            <a:r>
+              <a:rPr lang="ja-JP" altLang="en-US" dirty="0"/>
+              <a:t>東大・</a:t>
+            </a:r>
+            <a:r>
+              <a:rPr kumimoji="1" lang="ja-JP" altLang="en-US" dirty="0"/>
+              <a:t>情報基盤センター</a:t>
+            </a:r>
+            <a:r>
+              <a:rPr lang="en-US" altLang="ja-JP" dirty="0"/>
+              <a:t>)</a:t>
+            </a:r>
+            <a:r>
+              <a:rPr lang="ja-JP" altLang="en-US" dirty="0"/>
+              <a:t>グループ</a:t>
+            </a:r>
+            <a:endParaRPr lang="en-US" altLang="ja-JP" dirty="0"/>
+          </a:p>
+          <a:p>
+            <a:pPr lvl="2"/>
+            <a:r>
+              <a:rPr kumimoji="1" lang="ja-JP" altLang="en-US" dirty="0"/>
+              <a:t>吉川</a:t>
+            </a:r>
+            <a:r>
+              <a:rPr kumimoji="1" lang="en-US" altLang="ja-JP" dirty="0"/>
+              <a:t>(</a:t>
+            </a:r>
+            <a:r>
+              <a:rPr lang="ja-JP" altLang="en-US" dirty="0"/>
+              <a:t>京大・情報学研究科</a:t>
+            </a:r>
+            <a:r>
+              <a:rPr kumimoji="1" lang="en-US" altLang="ja-JP" dirty="0"/>
+              <a:t>)</a:t>
+            </a:r>
+            <a:r>
+              <a:rPr kumimoji="1" lang="ja-JP" altLang="en-US" dirty="0"/>
+              <a:t>グループ</a:t>
+            </a:r>
+            <a:endParaRPr kumimoji="1" lang="en-US" altLang="ja-JP" dirty="0"/>
+          </a:p>
+          <a:p>
+            <a:pPr lvl="2"/>
+            <a:r>
+              <a:rPr lang="ja-JP" altLang="en-US" dirty="0"/>
+              <a:t>花岡グループ</a:t>
+            </a:r>
+            <a:endParaRPr kumimoji="1" lang="ja-JP" altLang="en-US" dirty="0"/>
+          </a:p>
+        </p:txBody>
+      </p:sp>
+    </p:spTree>
+    <p:extLst>
+      <p:ext uri="{BB962C8B-B14F-4D97-AF65-F5344CB8AC3E}">
+        <p14:creationId xmlns:p14="http://schemas.microsoft.com/office/powerpoint/2010/main" val="3645471251"/>
+      </p:ext>
+    </p:extLst>
+  </p:cSld>
+  <p:clrMapOvr>
+    <a:masterClrMapping/>
+  </p:clrMapOvr>
+</p:sld>
+</file>
+
+<file path=ppt/slides/slide4.xml><?xml version="1.0" encoding="utf-8"?>
+<p:sld xmlns:a="http://schemas.openxmlformats.org/drawingml/2006/main" xmlns:r="http://schemas.openxmlformats.org/officeDocument/2006/relationships" xmlns:p="http://schemas.openxmlformats.org/presentationml/2006/main">
+  <p:cSld>
+    <p:spTree>
+      <p:nvGrpSpPr>
+        <p:cNvPr id="1" name=""/>
+        <p:cNvGrpSpPr/>
+        <p:nvPr/>
+      </p:nvGrpSpPr>
+      <p:grpSpPr>
+        <a:xfrm>
+          <a:off x="0" y="0"/>
+          <a:ext cx="0" cy="0"/>
+          <a:chOff x="0" y="0"/>
+          <a:chExt cx="0" cy="0"/>
+        </a:xfrm>
+      </p:grpSpPr>
+      <p:sp>
+        <p:nvSpPr>
+          <p:cNvPr id="2" name="タイトル 1">
+            <a:extLst>
+              <a:ext uri="{FF2B5EF4-FFF2-40B4-BE49-F238E27FC236}">
+                <a16:creationId xmlns:a16="http://schemas.microsoft.com/office/drawing/2014/main" id="{C7A714B9-DA84-450C-A3FE-CFB5D71005EA}"/>
+              </a:ext>
+            </a:extLst>
+          </p:cNvPr>
+          <p:cNvSpPr>
+            <a:spLocks noGrp="1"/>
+          </p:cNvSpPr>
+          <p:nvPr>
+            <p:ph type="title"/>
+          </p:nvPr>
+        </p:nvSpPr>
+        <p:spPr/>
+        <p:txBody>
+          <a:bodyPr>
+            <a:normAutofit/>
+          </a:bodyPr>
+          <a:lstStyle/>
+          <a:p>
+            <a:r>
+              <a:rPr lang="ja-JP" altLang="en-US" sz="4000" dirty="0">
+                <a:ea typeface="游ゴシック Light"/>
+                <a:cs typeface="Calibri Light"/>
+              </a:rPr>
+              <a:t>花岡</a:t>
+            </a:r>
+            <a:r>
+              <a:rPr lang="en-US" altLang="ja-JP" sz="4000" dirty="0">
+                <a:ea typeface="游ゴシック Light"/>
+                <a:cs typeface="Calibri Light"/>
+              </a:rPr>
+              <a:t>G</a:t>
+            </a:r>
+            <a:endParaRPr lang="ja-JP" altLang="en-US" sz="4000" dirty="0">
+              <a:ea typeface="游ゴシック Light"/>
+              <a:cs typeface="Calibri Light"/>
+            </a:endParaRPr>
+          </a:p>
+        </p:txBody>
+      </p:sp>
+      <p:sp>
+        <p:nvSpPr>
+          <p:cNvPr id="3" name="コンテンツ プレースホルダー 2">
+            <a:extLst>
+              <a:ext uri="{FF2B5EF4-FFF2-40B4-BE49-F238E27FC236}">
+                <a16:creationId xmlns:a16="http://schemas.microsoft.com/office/drawing/2014/main" id="{90BF6A04-841A-D916-2FC3-5DA05113F4FB}"/>
+              </a:ext>
+            </a:extLst>
+          </p:cNvPr>
+          <p:cNvSpPr>
+            <a:spLocks noGrp="1"/>
+          </p:cNvSpPr>
+          <p:nvPr>
+            <p:ph idx="1"/>
+          </p:nvPr>
+        </p:nvSpPr>
+        <p:spPr/>
+        <p:txBody>
+          <a:bodyPr vert="horz" lIns="91440" tIns="45720" rIns="91440" bIns="45720" rtlCol="0" anchor="t">
+            <a:normAutofit fontScale="92500" lnSpcReduction="10000"/>
+          </a:bodyPr>
+          <a:lstStyle/>
+          <a:p>
+            <a:pPr marL="514350" indent="-514350">
+              <a:buFont typeface="+mj-lt"/>
+              <a:buAutoNum type="arabicPeriod"/>
+            </a:pPr>
+            <a:r>
+              <a:rPr lang="ja-JP" altLang="en-US" dirty="0">
+                <a:latin typeface="+mn-ea"/>
+                <a:cs typeface="Calibri"/>
+              </a:rPr>
+              <a:t>セキュアな医用AIの学習（連合学習で対応）</a:t>
+            </a:r>
+            <a:endParaRPr lang="en-US" altLang="ja-JP" dirty="0">
+              <a:latin typeface="+mn-ea"/>
+              <a:cs typeface="Calibri"/>
+            </a:endParaRPr>
+          </a:p>
+          <a:p>
+            <a:pPr marL="971550" lvl="1" indent="-514350">
+              <a:buFont typeface="+mj-lt"/>
+              <a:buAutoNum type="arabicPeriod"/>
+            </a:pPr>
+            <a:r>
+              <a:rPr lang="ja-JP" altLang="en-US" dirty="0">
+                <a:latin typeface="+mn-ea"/>
+                <a:cs typeface="Calibri"/>
+              </a:rPr>
+              <a:t>連合学習</a:t>
+            </a:r>
+            <a:endParaRPr lang="en-US" altLang="ja-JP" dirty="0">
+              <a:latin typeface="+mn-ea"/>
+              <a:cs typeface="Calibri"/>
+            </a:endParaRPr>
+          </a:p>
+          <a:p>
+            <a:pPr marL="971550" lvl="1" indent="-514350">
+              <a:buFont typeface="+mj-lt"/>
+              <a:buAutoNum type="arabicPeriod"/>
+            </a:pPr>
+            <a:r>
+              <a:rPr lang="ja-JP" altLang="en-US" dirty="0">
+                <a:latin typeface="+mn-ea"/>
+                <a:cs typeface="Calibri"/>
+              </a:rPr>
+              <a:t>差分プライバシー </a:t>
+            </a:r>
+            <a:endParaRPr lang="en-US" altLang="ja-JP" dirty="0">
+              <a:latin typeface="+mn-ea"/>
+              <a:cs typeface="Calibri"/>
+            </a:endParaRPr>
+          </a:p>
+          <a:p>
+            <a:pPr marL="971550" lvl="1" indent="-514350">
+              <a:buFont typeface="+mj-lt"/>
+              <a:buAutoNum type="arabicPeriod"/>
+            </a:pPr>
+            <a:r>
+              <a:rPr lang="ja-JP" altLang="en-US" dirty="0">
+                <a:latin typeface="+mn-ea"/>
+                <a:cs typeface="Calibri"/>
+              </a:rPr>
+              <a:t>臨床的有用性</a:t>
+            </a:r>
+          </a:p>
+          <a:p>
+            <a:pPr marL="514350" indent="-514350">
+              <a:buFont typeface="+mj-lt"/>
+              <a:buAutoNum type="arabicPeriod"/>
+            </a:pPr>
+            <a:r>
+              <a:rPr lang="ja-JP" altLang="en-US" dirty="0">
+                <a:latin typeface="+mn-ea"/>
+                <a:cs typeface="Calibri"/>
+              </a:rPr>
+              <a:t>セキュアな医用AIの実臨床（暗号化で対応）</a:t>
+            </a:r>
+            <a:endParaRPr lang="en-US" altLang="ja-JP" dirty="0">
+              <a:latin typeface="+mn-ea"/>
+              <a:cs typeface="Calibri"/>
+            </a:endParaRPr>
+          </a:p>
+          <a:p>
+            <a:pPr marL="971550" lvl="1" indent="-514350">
+              <a:buFont typeface="+mj-lt"/>
+              <a:buAutoNum type="arabicPeriod"/>
+            </a:pPr>
+            <a:r>
+              <a:rPr lang="en-US" altLang="ja-JP" dirty="0">
+                <a:latin typeface="+mn-ea"/>
+                <a:cs typeface="Calibri"/>
+              </a:rPr>
+              <a:t>MDX</a:t>
+            </a:r>
+            <a:r>
+              <a:rPr lang="ja-JP" altLang="en-US" dirty="0">
+                <a:latin typeface="+mn-ea"/>
+                <a:cs typeface="Calibri"/>
+              </a:rPr>
+              <a:t>スーパーコンピュータ</a:t>
+            </a:r>
+            <a:endParaRPr lang="en-US" altLang="ja-JP" dirty="0">
+              <a:latin typeface="+mn-ea"/>
+              <a:cs typeface="Calibri"/>
+            </a:endParaRPr>
+          </a:p>
+          <a:p>
+            <a:pPr marL="971550" lvl="1" indent="-514350">
+              <a:buFont typeface="+mj-lt"/>
+              <a:buAutoNum type="arabicPeriod"/>
+            </a:pPr>
+            <a:r>
+              <a:rPr lang="ja-JP" altLang="en-US" dirty="0">
+                <a:latin typeface="+mn-ea"/>
+                <a:cs typeface="Calibri"/>
+              </a:rPr>
+              <a:t>セキュアファイルシステム</a:t>
+            </a:r>
+            <a:endParaRPr lang="en-US" altLang="ja-JP" dirty="0">
+              <a:latin typeface="+mn-ea"/>
+              <a:cs typeface="Calibri"/>
+            </a:endParaRPr>
+          </a:p>
+          <a:p>
+            <a:pPr marL="971550" lvl="1" indent="-514350">
+              <a:buFont typeface="+mj-lt"/>
+              <a:buAutoNum type="arabicPeriod"/>
+            </a:pPr>
+            <a:r>
+              <a:rPr lang="en-US" altLang="ja-JP" dirty="0">
+                <a:latin typeface="+mn-ea"/>
+                <a:cs typeface="Calibri"/>
+              </a:rPr>
+              <a:t>Intel S</a:t>
+            </a:r>
+            <a:r>
+              <a:rPr lang="ja-JP" altLang="en-US" dirty="0">
+                <a:latin typeface="+mn-ea"/>
+                <a:cs typeface="Calibri"/>
+              </a:rPr>
+              <a:t>GX</a:t>
+            </a:r>
+            <a:endParaRPr lang="en-US" altLang="ja-JP" dirty="0">
+              <a:latin typeface="+mn-ea"/>
+              <a:cs typeface="Calibri"/>
+            </a:endParaRPr>
+          </a:p>
+          <a:p>
+            <a:pPr marL="514350" indent="-514350">
+              <a:buFont typeface="+mj-lt"/>
+              <a:buAutoNum type="arabicPeriod"/>
+            </a:pPr>
+            <a:r>
+              <a:rPr lang="ja-JP" altLang="en-US" dirty="0">
+                <a:latin typeface="+mn-ea"/>
+                <a:cs typeface="+mn-lt"/>
+              </a:rPr>
+              <a:t>セキュアな医用データベース（差分プライバシーで対応）</a:t>
+            </a:r>
+            <a:endParaRPr lang="ja-JP" altLang="en-US" dirty="0">
+              <a:latin typeface="+mn-ea"/>
+              <a:cs typeface="Calibri"/>
+            </a:endParaRPr>
+          </a:p>
+          <a:p>
+            <a:pPr marL="971550" lvl="1" indent="-514350">
+              <a:buFont typeface="+mj-lt"/>
+              <a:buAutoNum type="arabicPeriod"/>
+            </a:pPr>
+            <a:r>
+              <a:rPr lang="ja-JP" altLang="en-US" dirty="0">
+                <a:latin typeface="+mn-ea"/>
+                <a:cs typeface="+mn-lt"/>
+              </a:rPr>
+              <a:t>医用情報の生起する確率分布をモデル化</a:t>
+            </a:r>
+            <a:endParaRPr lang="en-US" altLang="ja-JP" dirty="0">
+              <a:latin typeface="+mn-ea"/>
+              <a:cs typeface="+mn-lt"/>
+            </a:endParaRPr>
+          </a:p>
+          <a:p>
+            <a:pPr marL="971550" lvl="1" indent="-514350">
+              <a:buFont typeface="+mj-lt"/>
+              <a:buAutoNum type="arabicPeriod"/>
+            </a:pPr>
+            <a:r>
+              <a:rPr lang="ja-JP" altLang="en-US" dirty="0">
+                <a:latin typeface="+mn-ea"/>
+                <a:cs typeface="+mn-lt"/>
+              </a:rPr>
+              <a:t>差分プライバシーを満たす情報を出力</a:t>
+            </a:r>
+            <a:endParaRPr lang="en-US" altLang="ja-JP" dirty="0">
+              <a:latin typeface="+mn-ea"/>
+              <a:cs typeface="+mn-lt"/>
+            </a:endParaRPr>
+          </a:p>
+        </p:txBody>
+      </p:sp>
+    </p:spTree>
+    <p:extLst>
+      <p:ext uri="{BB962C8B-B14F-4D97-AF65-F5344CB8AC3E}">
+        <p14:creationId xmlns:p14="http://schemas.microsoft.com/office/powerpoint/2010/main" val="1958043955"/>
+      </p:ext>
+    </p:extLst>
+  </p:cSld>
+  <p:clrMapOvr>
+    <a:masterClrMapping/>
+  </p:clrMapOvr>
+</p:sld>
+</file>
+
+<file path=ppt/slides/slide5.xml><?xml version="1.0" encoding="utf-8"?>
+<p:sld xmlns:a="http://schemas.openxmlformats.org/drawingml/2006/main" xmlns:r="http://schemas.openxmlformats.org/officeDocument/2006/relationships" xmlns:p="http://schemas.openxmlformats.org/presentationml/2006/main">
+  <p:cSld>
+    <p:spTree>
+      <p:nvGrpSpPr>
+        <p:cNvPr id="1" name=""/>
+        <p:cNvGrpSpPr/>
+        <p:nvPr/>
+      </p:nvGrpSpPr>
+      <p:grpSpPr>
+        <a:xfrm>
+          <a:off x="0" y="0"/>
+          <a:ext cx="0" cy="0"/>
+          <a:chOff x="0" y="0"/>
+          <a:chExt cx="0" cy="0"/>
+        </a:xfrm>
+      </p:grpSpPr>
+      <p:sp>
+        <p:nvSpPr>
+          <p:cNvPr id="2" name="タイトル 1">
+            <a:extLst>
+              <a:ext uri="{FF2B5EF4-FFF2-40B4-BE49-F238E27FC236}">
+                <a16:creationId xmlns:a16="http://schemas.microsoft.com/office/drawing/2014/main" id="{4B6531BB-3679-4C46-B79F-11BA69578935}"/>
+              </a:ext>
+            </a:extLst>
+          </p:cNvPr>
+          <p:cNvSpPr>
+            <a:spLocks noGrp="1"/>
+          </p:cNvSpPr>
+          <p:nvPr>
+            <p:ph type="title"/>
+          </p:nvPr>
+        </p:nvSpPr>
+        <p:spPr/>
+        <p:txBody>
+          <a:bodyPr>
+            <a:normAutofit fontScale="90000"/>
+          </a:bodyPr>
+          <a:lstStyle/>
+          <a:p>
+            <a:r>
+              <a:rPr lang="en-US" altLang="ja-JP" dirty="0">
+                <a:ea typeface="游ゴシック Light"/>
+                <a:cs typeface="Calibri Light"/>
+              </a:rPr>
+              <a:t>1.</a:t>
+            </a:r>
+            <a:r>
+              <a:rPr lang="ja-JP" altLang="en-US" dirty="0">
+                <a:ea typeface="游ゴシック Light"/>
+                <a:cs typeface="Calibri Light"/>
+              </a:rPr>
+              <a:t>セキュアな医用</a:t>
+            </a:r>
+            <a:r>
+              <a:rPr lang="en-US" altLang="ja-JP" dirty="0">
+                <a:ea typeface="游ゴシック Light"/>
+                <a:cs typeface="Calibri Light"/>
+              </a:rPr>
+              <a:t>AI</a:t>
+            </a:r>
+            <a:r>
+              <a:rPr lang="ja-JP" altLang="en-US" dirty="0">
+                <a:ea typeface="游ゴシック Light"/>
+                <a:cs typeface="Calibri Light"/>
+              </a:rPr>
+              <a:t>の</a:t>
+            </a:r>
+            <a:r>
+              <a:rPr lang="ja-JP" altLang="en-US" b="1" dirty="0">
+                <a:solidFill>
+                  <a:srgbClr val="FF0000"/>
+                </a:solidFill>
+                <a:ea typeface="游ゴシック Light"/>
+                <a:cs typeface="Calibri Light"/>
+              </a:rPr>
+              <a:t>学習</a:t>
+            </a:r>
+            <a:br>
+              <a:rPr lang="en-US" altLang="ja-JP" dirty="0">
+                <a:ea typeface="游ゴシック Light"/>
+                <a:cs typeface="Calibri Light"/>
+              </a:rPr>
+            </a:br>
+            <a:r>
+              <a:rPr lang="ja-JP" altLang="en-US" dirty="0">
+                <a:ea typeface="游ゴシック Light"/>
+                <a:cs typeface="Calibri Light"/>
+              </a:rPr>
+              <a:t>（差分プライバシーで対応）</a:t>
+            </a:r>
+            <a:br>
+              <a:rPr lang="en-US" altLang="ja-JP" dirty="0">
+                <a:ea typeface="游ゴシック Light"/>
+                <a:cs typeface="Calibri Light"/>
+              </a:rPr>
+            </a:br>
+            <a:r>
+              <a:rPr lang="ja-JP" altLang="en-US" dirty="0">
+                <a:ea typeface="游ゴシック Light"/>
+                <a:cs typeface="Calibri Light"/>
+              </a:rPr>
+              <a:t>（野村研で実施）</a:t>
+            </a:r>
+            <a:endParaRPr lang="en-US" altLang="ja-JP" dirty="0">
+              <a:ea typeface="游ゴシック Light"/>
+              <a:cs typeface="Calibri Light"/>
+            </a:endParaRPr>
+          </a:p>
+        </p:txBody>
+      </p:sp>
+      <p:sp>
+        <p:nvSpPr>
+          <p:cNvPr id="4" name="フレーム 3">
+            <a:extLst>
+              <a:ext uri="{FF2B5EF4-FFF2-40B4-BE49-F238E27FC236}">
+                <a16:creationId xmlns:a16="http://schemas.microsoft.com/office/drawing/2014/main" id="{E6855EA9-A79B-4FD8-99D7-F23317A47571}"/>
+              </a:ext>
+            </a:extLst>
+          </p:cNvPr>
+          <p:cNvSpPr/>
+          <p:nvPr/>
+        </p:nvSpPr>
+        <p:spPr>
+          <a:xfrm>
+            <a:off x="498762" y="1989065"/>
+            <a:ext cx="3179619" cy="852055"/>
+          </a:xfrm>
+          <a:prstGeom prst="frame">
+            <a:avLst/>
+          </a:prstGeom>
+        </p:spPr>
+        <p:style>
+          <a:lnRef idx="1">
+            <a:schemeClr val="accent1"/>
+          </a:lnRef>
+          <a:fillRef idx="2">
+            <a:schemeClr val="accent1"/>
+          </a:fillRef>
+          <a:effectRef idx="1">
+            <a:schemeClr val="accent1"/>
+          </a:effectRef>
+          <a:fontRef idx="minor">
+            <a:schemeClr val="dk1"/>
+          </a:fontRef>
+        </p:style>
+        <p:txBody>
+          <a:bodyPr rtlCol="0" anchor="ctr"/>
+          <a:lstStyle/>
+          <a:p>
+            <a:pPr algn="ctr"/>
+            <a:r>
+              <a:rPr kumimoji="1" lang="ja-JP" altLang="en-US" b="1" dirty="0">
+                <a:solidFill>
+                  <a:schemeClr val="tx1"/>
+                </a:solidFill>
+              </a:rPr>
+              <a:t>連合学習</a:t>
+            </a:r>
+          </a:p>
+        </p:txBody>
+      </p:sp>
+      <p:sp>
+        <p:nvSpPr>
+          <p:cNvPr id="5" name="フレーム 4">
+            <a:extLst>
+              <a:ext uri="{FF2B5EF4-FFF2-40B4-BE49-F238E27FC236}">
+                <a16:creationId xmlns:a16="http://schemas.microsoft.com/office/drawing/2014/main" id="{2D3813B8-3A81-4096-9DD1-2D46721FF246}"/>
+              </a:ext>
+            </a:extLst>
+          </p:cNvPr>
+          <p:cNvSpPr/>
+          <p:nvPr/>
+        </p:nvSpPr>
+        <p:spPr>
+          <a:xfrm>
+            <a:off x="498762" y="3727376"/>
+            <a:ext cx="3179619" cy="852055"/>
+          </a:xfrm>
+          <a:prstGeom prst="frame">
+            <a:avLst/>
+          </a:prstGeom>
+        </p:spPr>
+        <p:style>
+          <a:lnRef idx="1">
+            <a:schemeClr val="accent1"/>
+          </a:lnRef>
+          <a:fillRef idx="2">
+            <a:schemeClr val="accent1"/>
+          </a:fillRef>
+          <a:effectRef idx="1">
+            <a:schemeClr val="accent1"/>
+          </a:effectRef>
+          <a:fontRef idx="minor">
+            <a:schemeClr val="dk1"/>
+          </a:fontRef>
+        </p:style>
+        <p:txBody>
+          <a:bodyPr rtlCol="0" anchor="ctr"/>
+          <a:lstStyle/>
+          <a:p>
+            <a:pPr algn="ctr"/>
+            <a:r>
+              <a:rPr kumimoji="1" lang="ja-JP" altLang="en-US" b="1" dirty="0">
+                <a:solidFill>
+                  <a:schemeClr val="tx1"/>
+                </a:solidFill>
+              </a:rPr>
+              <a:t>差分プライバシー</a:t>
+            </a:r>
+            <a:endParaRPr kumimoji="1" lang="en-US" altLang="ja-JP" b="1" dirty="0">
+              <a:solidFill>
+                <a:schemeClr val="tx1"/>
+              </a:solidFill>
+            </a:endParaRPr>
+          </a:p>
+        </p:txBody>
+      </p:sp>
+      <p:sp>
+        <p:nvSpPr>
+          <p:cNvPr id="6" name="フレーム 5">
+            <a:extLst>
+              <a:ext uri="{FF2B5EF4-FFF2-40B4-BE49-F238E27FC236}">
+                <a16:creationId xmlns:a16="http://schemas.microsoft.com/office/drawing/2014/main" id="{291D707E-AC4A-44DA-8735-0447881EB10F}"/>
+              </a:ext>
+            </a:extLst>
+          </p:cNvPr>
+          <p:cNvSpPr/>
+          <p:nvPr/>
+        </p:nvSpPr>
+        <p:spPr>
+          <a:xfrm>
+            <a:off x="498762" y="5465687"/>
+            <a:ext cx="3179619" cy="852055"/>
+          </a:xfrm>
+          <a:prstGeom prst="frame">
+            <a:avLst/>
+          </a:prstGeom>
+        </p:spPr>
+        <p:style>
+          <a:lnRef idx="1">
+            <a:schemeClr val="accent1"/>
+          </a:lnRef>
+          <a:fillRef idx="2">
+            <a:schemeClr val="accent1"/>
+          </a:fillRef>
+          <a:effectRef idx="1">
+            <a:schemeClr val="accent1"/>
+          </a:effectRef>
+          <a:fontRef idx="minor">
+            <a:schemeClr val="dk1"/>
+          </a:fontRef>
+        </p:style>
+        <p:txBody>
+          <a:bodyPr rtlCol="0" anchor="ctr"/>
+          <a:lstStyle/>
+          <a:p>
+            <a:pPr algn="ctr"/>
+            <a:r>
+              <a:rPr kumimoji="1" lang="ja-JP" altLang="en-US" b="1" dirty="0">
+                <a:solidFill>
+                  <a:schemeClr val="tx1"/>
+                </a:solidFill>
+              </a:rPr>
+              <a:t>臨床的有用性</a:t>
+            </a:r>
+            <a:endParaRPr kumimoji="1" lang="en-US" altLang="ja-JP" b="1" dirty="0">
+              <a:solidFill>
+                <a:schemeClr val="tx1"/>
+              </a:solidFill>
+            </a:endParaRPr>
+          </a:p>
+        </p:txBody>
+      </p:sp>
+      <p:sp>
+        <p:nvSpPr>
+          <p:cNvPr id="7" name="十字形 6">
+            <a:extLst>
+              <a:ext uri="{FF2B5EF4-FFF2-40B4-BE49-F238E27FC236}">
+                <a16:creationId xmlns:a16="http://schemas.microsoft.com/office/drawing/2014/main" id="{56CD034D-5B64-4203-9AB6-78C0B364F6EC}"/>
+              </a:ext>
+            </a:extLst>
+          </p:cNvPr>
+          <p:cNvSpPr/>
+          <p:nvPr/>
+        </p:nvSpPr>
+        <p:spPr>
+          <a:xfrm>
+            <a:off x="1865166" y="3091223"/>
+            <a:ext cx="446809" cy="446809"/>
+          </a:xfrm>
+          <a:prstGeom prst="plus">
+            <a:avLst>
+              <a:gd name="adj" fmla="val 39773"/>
+            </a:avLst>
+          </a:prstGeom>
+        </p:spPr>
+        <p:style>
+          <a:lnRef idx="1">
+            <a:schemeClr val="accent1"/>
+          </a:lnRef>
+          <a:fillRef idx="2">
+            <a:schemeClr val="accent1"/>
+          </a:fillRef>
+          <a:effectRef idx="1">
+            <a:schemeClr val="accent1"/>
+          </a:effectRef>
+          <a:fontRef idx="minor">
+            <a:schemeClr val="dk1"/>
+          </a:fontRef>
+        </p:style>
+        <p:txBody>
+          <a:bodyPr rtlCol="0" anchor="ctr"/>
+          <a:lstStyle/>
+          <a:p>
+            <a:pPr algn="ctr"/>
+            <a:endParaRPr kumimoji="1" lang="ja-JP" altLang="en-US"/>
+          </a:p>
+        </p:txBody>
+      </p:sp>
+      <p:sp>
+        <p:nvSpPr>
+          <p:cNvPr id="8" name="十字形 7">
+            <a:extLst>
+              <a:ext uri="{FF2B5EF4-FFF2-40B4-BE49-F238E27FC236}">
+                <a16:creationId xmlns:a16="http://schemas.microsoft.com/office/drawing/2014/main" id="{8AD57757-685D-4EB1-9E60-971DD61CEF9B}"/>
+              </a:ext>
+            </a:extLst>
+          </p:cNvPr>
+          <p:cNvSpPr/>
+          <p:nvPr/>
+        </p:nvSpPr>
+        <p:spPr>
+          <a:xfrm>
+            <a:off x="1865165" y="4833214"/>
+            <a:ext cx="446809" cy="446809"/>
+          </a:xfrm>
+          <a:prstGeom prst="plus">
+            <a:avLst>
+              <a:gd name="adj" fmla="val 39773"/>
+            </a:avLst>
+          </a:prstGeom>
+        </p:spPr>
+        <p:style>
+          <a:lnRef idx="1">
+            <a:schemeClr val="accent1"/>
+          </a:lnRef>
+          <a:fillRef idx="2">
+            <a:schemeClr val="accent1"/>
+          </a:fillRef>
+          <a:effectRef idx="1">
+            <a:schemeClr val="accent1"/>
+          </a:effectRef>
+          <a:fontRef idx="minor">
+            <a:schemeClr val="dk1"/>
+          </a:fontRef>
+        </p:style>
+        <p:txBody>
+          <a:bodyPr rtlCol="0" anchor="ctr"/>
+          <a:lstStyle/>
+          <a:p>
+            <a:pPr algn="ctr"/>
+            <a:endParaRPr kumimoji="1" lang="ja-JP" altLang="en-US"/>
+          </a:p>
+        </p:txBody>
+      </p:sp>
+      <p:sp>
+        <p:nvSpPr>
+          <p:cNvPr id="10" name="テキスト ボックス 9">
+            <a:extLst>
+              <a:ext uri="{FF2B5EF4-FFF2-40B4-BE49-F238E27FC236}">
+                <a16:creationId xmlns:a16="http://schemas.microsoft.com/office/drawing/2014/main" id="{96980FC4-9D36-493B-8FD3-A17216C75C76}"/>
+              </a:ext>
+            </a:extLst>
+          </p:cNvPr>
+          <p:cNvSpPr txBox="1"/>
+          <p:nvPr/>
+        </p:nvSpPr>
+        <p:spPr>
+          <a:xfrm>
+            <a:off x="4289326" y="4316591"/>
+            <a:ext cx="4728845" cy="2185214"/>
+          </a:xfrm>
+          <a:prstGeom prst="rect">
+            <a:avLst/>
+          </a:prstGeom>
+          <a:noFill/>
+        </p:spPr>
+        <p:txBody>
+          <a:bodyPr wrap="square" rtlCol="0">
+            <a:spAutoFit/>
+          </a:bodyPr>
+          <a:lstStyle/>
+          <a:p>
+            <a:pPr marL="285750" indent="-285750">
+              <a:buFont typeface="Wingdings" panose="05000000000000000000" pitchFamily="2" charset="2"/>
+              <a:buChar char="ü"/>
+            </a:pPr>
+            <a:r>
+              <a:rPr kumimoji="1" lang="ja-JP" altLang="en-US" sz="3200" b="1" dirty="0">
+                <a:solidFill>
+                  <a:srgbClr val="FF0000"/>
+                </a:solidFill>
+              </a:rPr>
+              <a:t>公開検証環境</a:t>
+            </a:r>
+            <a:endParaRPr kumimoji="1" lang="en-US" altLang="ja-JP" sz="3200" b="1" dirty="0">
+              <a:solidFill>
+                <a:srgbClr val="FF0000"/>
+              </a:solidFill>
+            </a:endParaRPr>
+          </a:p>
+          <a:p>
+            <a:pPr marL="742950" lvl="1" indent="-285750">
+              <a:buFont typeface="Wingdings" panose="05000000000000000000" pitchFamily="2" charset="2"/>
+              <a:buChar char="ü"/>
+            </a:pPr>
+            <a:r>
+              <a:rPr kumimoji="1" lang="ja-JP" altLang="en-US" sz="2000" b="1" dirty="0">
+                <a:solidFill>
+                  <a:srgbClr val="FF0000"/>
+                </a:solidFill>
+              </a:rPr>
+              <a:t>今回三木先生の</a:t>
+            </a:r>
+            <a:r>
+              <a:rPr kumimoji="1" lang="en-US" altLang="ja-JP" sz="2000" b="1" dirty="0">
+                <a:solidFill>
+                  <a:srgbClr val="FF0000"/>
+                </a:solidFill>
+              </a:rPr>
+              <a:t>JRS</a:t>
+            </a:r>
+            <a:r>
+              <a:rPr kumimoji="1" lang="ja-JP" altLang="en-US" sz="2000" b="1" dirty="0">
+                <a:solidFill>
+                  <a:srgbClr val="FF0000"/>
+                </a:solidFill>
+              </a:rPr>
+              <a:t>発表でも使った胸単結節データセットを使う</a:t>
+            </a:r>
+            <a:endParaRPr kumimoji="1" lang="en-US" altLang="ja-JP" sz="3600" b="1" dirty="0">
+              <a:solidFill>
+                <a:srgbClr val="FF0000"/>
+              </a:solidFill>
+            </a:endParaRPr>
+          </a:p>
+          <a:p>
+            <a:pPr marL="285750" indent="-285750">
+              <a:buFont typeface="Wingdings" panose="05000000000000000000" pitchFamily="2" charset="2"/>
+              <a:buChar char="ü"/>
+              <a:defRPr/>
+            </a:pPr>
+            <a:r>
+              <a:rPr kumimoji="1" lang="ja-JP" altLang="en-US" sz="3200" b="1" dirty="0">
+                <a:solidFill>
+                  <a:srgbClr val="FF0000"/>
+                </a:solidFill>
+                <a:latin typeface="Calibri" panose="020F0502020204030204"/>
+                <a:ea typeface="游ゴシック" panose="020B0400000000000000" pitchFamily="50" charset="-128"/>
+              </a:rPr>
+              <a:t>非同期学習</a:t>
+            </a:r>
+            <a:endParaRPr kumimoji="1" lang="en-US" altLang="ja-JP" sz="3200" b="1" dirty="0">
+              <a:solidFill>
+                <a:prstClr val="black"/>
+              </a:solidFill>
+              <a:latin typeface="Calibri" panose="020F0502020204030204"/>
+              <a:ea typeface="游ゴシック" panose="020B0400000000000000" pitchFamily="50" charset="-128"/>
+            </a:endParaRPr>
+          </a:p>
+          <a:p>
+            <a:pPr marL="285750" indent="-285750">
+              <a:buFont typeface="Wingdings" panose="05000000000000000000" pitchFamily="2" charset="2"/>
+              <a:buChar char="ü"/>
+              <a:defRPr/>
+            </a:pPr>
+            <a:r>
+              <a:rPr kumimoji="1" lang="ja-JP" altLang="en-US" sz="3200" b="1" dirty="0">
+                <a:solidFill>
+                  <a:srgbClr val="FF0000"/>
+                </a:solidFill>
+                <a:latin typeface="Calibri" panose="020F0502020204030204"/>
+                <a:ea typeface="游ゴシック" panose="020B0400000000000000" pitchFamily="50" charset="-128"/>
+              </a:rPr>
+              <a:t>半教師あり学習</a:t>
+            </a:r>
+            <a:endParaRPr kumimoji="1" lang="en-US" altLang="ja-JP" sz="3200" dirty="0">
+              <a:solidFill>
+                <a:prstClr val="black"/>
+              </a:solidFill>
+              <a:latin typeface="Calibri" panose="020F0502020204030204"/>
+              <a:ea typeface="游ゴシック" panose="020B0400000000000000" pitchFamily="50" charset="-128"/>
+            </a:endParaRPr>
+          </a:p>
+        </p:txBody>
+      </p:sp>
+    </p:spTree>
+    <p:extLst>
+      <p:ext uri="{BB962C8B-B14F-4D97-AF65-F5344CB8AC3E}">
+        <p14:creationId xmlns:p14="http://schemas.microsoft.com/office/powerpoint/2010/main" val="731790447"/>
+      </p:ext>
+    </p:extLst>
+  </p:cSld>
+  <p:clrMapOvr>
+    <a:masterClrMapping/>
+  </p:clrMapOvr>
+</p:sld>
+</file>
+
+<file path=ppt/slides/slide6.xml><?xml version="1.0" encoding="utf-8"?>
+<p:sld xmlns:a="http://schemas.openxmlformats.org/drawingml/2006/main" xmlns:r="http://schemas.openxmlformats.org/officeDocument/2006/relationships" xmlns:p="http://schemas.openxmlformats.org/presentationml/2006/main">
+  <p:cSld>
+    <p:spTree>
+      <p:nvGrpSpPr>
+        <p:cNvPr id="1" name=""/>
+        <p:cNvGrpSpPr/>
+        <p:nvPr/>
+      </p:nvGrpSpPr>
+      <p:grpSpPr>
+        <a:xfrm>
+          <a:off x="0" y="0"/>
+          <a:ext cx="0" cy="0"/>
+          <a:chOff x="0" y="0"/>
+          <a:chExt cx="0" cy="0"/>
+        </a:xfrm>
+      </p:grpSpPr>
       <p:sp>
         <p:nvSpPr>
           <p:cNvPr id="9" name="正方形/長方形 8">
@@ -4746,6 +8002,84 @@
                 <a:schemeClr val="tx1"/>
               </a:solidFill>
             </a:endParaRPr>
+          </a:p>
+        </p:txBody>
+      </p:sp>
+      <p:sp>
+        <p:nvSpPr>
+          <p:cNvPr id="2" name="タイトル 1">
+            <a:extLst>
+              <a:ext uri="{FF2B5EF4-FFF2-40B4-BE49-F238E27FC236}">
+                <a16:creationId xmlns:a16="http://schemas.microsoft.com/office/drawing/2014/main" id="{06C4273A-13CE-EE46-48FB-CFF0388FFDA0}"/>
+              </a:ext>
+            </a:extLst>
+          </p:cNvPr>
+          <p:cNvSpPr>
+            <a:spLocks noGrp="1"/>
+          </p:cNvSpPr>
+          <p:nvPr>
+            <p:ph type="title"/>
+          </p:nvPr>
+        </p:nvSpPr>
+        <p:spPr/>
+        <p:txBody>
+          <a:bodyPr>
+            <a:normAutofit fontScale="90000"/>
+          </a:bodyPr>
+          <a:lstStyle/>
+          <a:p>
+            <a:r>
+              <a:rPr lang="en-US" altLang="ja-JP" dirty="0">
+                <a:latin typeface="+mn-ea"/>
+                <a:cs typeface="Calibri"/>
+              </a:rPr>
+              <a:t>2.</a:t>
+            </a:r>
+            <a:r>
+              <a:rPr lang="ja-JP" altLang="en-US" dirty="0">
+                <a:latin typeface="+mn-ea"/>
+                <a:cs typeface="Calibri"/>
+              </a:rPr>
+              <a:t>セキュアな医用AIの</a:t>
+            </a:r>
+            <a:r>
+              <a:rPr lang="ja-JP" altLang="en-US" b="1" dirty="0">
+                <a:solidFill>
+                  <a:srgbClr val="FF0000"/>
+                </a:solidFill>
+                <a:latin typeface="+mn-ea"/>
+                <a:cs typeface="Calibri"/>
+              </a:rPr>
+              <a:t>実臨床</a:t>
+            </a:r>
+            <a:br>
+              <a:rPr lang="en-US" altLang="ja-JP" dirty="0">
+                <a:latin typeface="+mn-ea"/>
+                <a:cs typeface="Calibri"/>
+              </a:rPr>
+            </a:br>
+            <a:r>
+              <a:rPr lang="ja-JP" altLang="en-US" dirty="0">
+                <a:latin typeface="+mn-ea"/>
+                <a:cs typeface="Calibri"/>
+              </a:rPr>
+              <a:t>（暗号化で対応）（塙</a:t>
+            </a:r>
+            <a:r>
+              <a:rPr lang="en-US" altLang="ja-JP" dirty="0">
+                <a:latin typeface="+mn-ea"/>
+                <a:cs typeface="Calibri"/>
+              </a:rPr>
+              <a:t>G</a:t>
+            </a:r>
+            <a:r>
+              <a:rPr lang="ja-JP" altLang="en-US" dirty="0">
+                <a:latin typeface="+mn-ea"/>
+                <a:cs typeface="Calibri"/>
+              </a:rPr>
+              <a:t>と実施）</a:t>
+            </a:r>
+            <a:endParaRPr lang="ja-JP" altLang="en-US" dirty="0"/>
           </a:p>
         </p:txBody>
       </p:sp>
@@ -5471,3298 +8805,6 @@
     </p:spTree>
     <p:extLst>
       <p:ext uri="{BB962C8B-B14F-4D97-AF65-F5344CB8AC3E}">
-        <p14:creationId xmlns:p14="http://schemas.microsoft.com/office/powerpoint/2010/main" val="2666213549"/>
-      </p:ext>
-    </p:extLst>
-  </p:cSld>
-  <p:clrMapOvr>
-    <a:masterClrMapping/>
-  </p:clrMapOvr>
-</p:sld>
-</file>
-
-<file path=ppt/slides/slide12.xml><?xml version="1.0" encoding="utf-8"?>
-<p:sld xmlns:a="http://schemas.openxmlformats.org/drawingml/2006/main" xmlns:r="http://schemas.openxmlformats.org/officeDocument/2006/relationships" xmlns:p="http://schemas.openxmlformats.org/presentationml/2006/main">
-  <p:cSld>
-    <p:spTree>
-      <p:nvGrpSpPr>
-        <p:cNvPr id="1" name=""/>
-        <p:cNvGrpSpPr/>
-        <p:nvPr/>
-      </p:nvGrpSpPr>
-      <p:grpSpPr>
-        <a:xfrm>
-          <a:off x="0" y="0"/>
-          <a:ext cx="0" cy="0"/>
-          <a:chOff x="0" y="0"/>
-          <a:chExt cx="0" cy="0"/>
-        </a:xfrm>
-      </p:grpSpPr>
-      <p:cxnSp>
-        <p:nvCxnSpPr>
-          <p:cNvPr id="36" name="カギ線コネクタ 35"/>
-          <p:cNvCxnSpPr/>
-          <p:nvPr/>
-        </p:nvCxnSpPr>
-        <p:spPr>
-          <a:xfrm>
-            <a:off x="2183691" y="2313458"/>
-            <a:ext cx="5641648" cy="628800"/>
-          </a:xfrm>
-          <a:prstGeom prst="bentConnector3">
-            <a:avLst>
-              <a:gd name="adj1" fmla="val 9224"/>
-            </a:avLst>
-          </a:prstGeom>
-          <a:ln>
-            <a:tailEnd type="triangle"/>
-          </a:ln>
-        </p:spPr>
-        <p:style>
-          <a:lnRef idx="1">
-            <a:schemeClr val="accent1"/>
-          </a:lnRef>
-          <a:fillRef idx="0">
-            <a:schemeClr val="accent1"/>
-          </a:fillRef>
-          <a:effectRef idx="0">
-            <a:schemeClr val="accent1"/>
-          </a:effectRef>
-          <a:fontRef idx="minor">
-            <a:schemeClr val="tx1"/>
-          </a:fontRef>
-        </p:style>
-      </p:cxnSp>
-      <p:sp>
-        <p:nvSpPr>
-          <p:cNvPr id="34" name="正方形/長方形 33"/>
-          <p:cNvSpPr/>
-          <p:nvPr/>
-        </p:nvSpPr>
-        <p:spPr>
-          <a:xfrm>
-            <a:off x="471638" y="1588168"/>
-            <a:ext cx="2059806" cy="2762062"/>
-          </a:xfrm>
-          <a:prstGeom prst="rect">
-            <a:avLst/>
-          </a:prstGeom>
-          <a:ln>
-            <a:solidFill>
-              <a:srgbClr val="FF0000"/>
-            </a:solidFill>
-          </a:ln>
-        </p:spPr>
-        <p:style>
-          <a:lnRef idx="2">
-            <a:schemeClr val="accent1"/>
-          </a:lnRef>
-          <a:fillRef idx="1">
-            <a:schemeClr val="lt1"/>
-          </a:fillRef>
-          <a:effectRef idx="0">
-            <a:schemeClr val="accent1"/>
-          </a:effectRef>
-          <a:fontRef idx="minor">
-            <a:schemeClr val="dk1"/>
-          </a:fontRef>
-        </p:style>
-        <p:txBody>
-          <a:bodyPr rtlCol="0" anchor="b"/>
-          <a:lstStyle/>
-          <a:p>
-            <a:pPr algn="ctr"/>
-            <a:r>
-              <a:rPr kumimoji="1" lang="ja-JP" altLang="en-US" dirty="0"/>
-              <a:t>非公開</a:t>
-            </a:r>
-          </a:p>
-        </p:txBody>
-      </p:sp>
-      <p:cxnSp>
-        <p:nvCxnSpPr>
-          <p:cNvPr id="19" name="カギ線コネクタ 18"/>
-          <p:cNvCxnSpPr>
-            <a:stCxn id="6" idx="3"/>
-          </p:cNvCxnSpPr>
-          <p:nvPr/>
-        </p:nvCxnSpPr>
-        <p:spPr>
-          <a:xfrm>
-            <a:off x="2428399" y="2305251"/>
-            <a:ext cx="5310313" cy="3156696"/>
-          </a:xfrm>
-          <a:prstGeom prst="bentConnector3">
-            <a:avLst>
-              <a:gd name="adj1" fmla="val 3780"/>
-            </a:avLst>
-          </a:prstGeom>
-          <a:ln>
-            <a:tailEnd type="triangle"/>
-          </a:ln>
-        </p:spPr>
-        <p:style>
-          <a:lnRef idx="1">
-            <a:schemeClr val="accent1"/>
-          </a:lnRef>
-          <a:fillRef idx="0">
-            <a:schemeClr val="accent1"/>
-          </a:fillRef>
-          <a:effectRef idx="0">
-            <a:schemeClr val="accent1"/>
-          </a:effectRef>
-          <a:fontRef idx="minor">
-            <a:schemeClr val="tx1"/>
-          </a:fontRef>
-        </p:style>
-      </p:cxnSp>
-      <p:pic>
-        <p:nvPicPr>
-          <p:cNvPr id="4" name="図 3" descr="抽象, 探す, 衣類, 持つ が含まれている画像&#10;&#10;自動的に生成された説明">
-            <a:extLst>
-              <a:ext uri="{FF2B5EF4-FFF2-40B4-BE49-F238E27FC236}">
-                <a16:creationId xmlns:a16="http://schemas.microsoft.com/office/drawing/2014/main" id="{47BD524A-247F-4CA3-B28B-B158809CEEE3}"/>
-              </a:ext>
-            </a:extLst>
-          </p:cNvPr>
-          <p:cNvPicPr>
-            <a:picLocks noChangeAspect="1"/>
-          </p:cNvPicPr>
-          <p:nvPr/>
-        </p:nvPicPr>
-        <p:blipFill>
-          <a:blip r:embed="rId2" cstate="hqprint">
-            <a:extLst>
-              <a:ext uri="{28A0092B-C50C-407E-A947-70E740481C1C}">
-                <a14:useLocalDpi xmlns:a14="http://schemas.microsoft.com/office/drawing/2010/main" val="0"/>
-              </a:ext>
-            </a:extLst>
-          </a:blip>
-          <a:stretch>
-            <a:fillRect/>
-          </a:stretch>
-        </p:blipFill>
-        <p:spPr>
-          <a:xfrm>
-            <a:off x="807745" y="2020918"/>
-            <a:ext cx="585083" cy="585083"/>
-          </a:xfrm>
-          <a:prstGeom prst="rect">
-            <a:avLst/>
-          </a:prstGeom>
-        </p:spPr>
-      </p:pic>
-      <p:sp>
-        <p:nvSpPr>
-          <p:cNvPr id="5" name="メモ 4"/>
-          <p:cNvSpPr/>
-          <p:nvPr/>
-        </p:nvSpPr>
-        <p:spPr>
-          <a:xfrm>
-            <a:off x="1447572" y="2020917"/>
-            <a:ext cx="585083" cy="585083"/>
-          </a:xfrm>
-          <a:prstGeom prst="foldedCorner">
-            <a:avLst/>
-          </a:prstGeom>
-        </p:spPr>
-        <p:style>
-          <a:lnRef idx="2">
-            <a:schemeClr val="dk1"/>
-          </a:lnRef>
-          <a:fillRef idx="1">
-            <a:schemeClr val="lt1"/>
-          </a:fillRef>
-          <a:effectRef idx="0">
-            <a:schemeClr val="dk1"/>
-          </a:effectRef>
-          <a:fontRef idx="minor">
-            <a:schemeClr val="dk1"/>
-          </a:fontRef>
-        </p:style>
-        <p:txBody>
-          <a:bodyPr rtlCol="0" anchor="ctr"/>
-          <a:lstStyle/>
-          <a:p>
-            <a:pPr algn="ctr"/>
-            <a:r>
-              <a:rPr kumimoji="1" lang="ja-JP" altLang="en-US" sz="1200" dirty="0"/>
-              <a:t>付帯情報</a:t>
-            </a:r>
-          </a:p>
-        </p:txBody>
-      </p:sp>
-      <p:sp>
-        <p:nvSpPr>
-          <p:cNvPr id="6" name="フローチャート: 複数書類 5"/>
-          <p:cNvSpPr/>
-          <p:nvPr/>
-        </p:nvSpPr>
-        <p:spPr>
-          <a:xfrm>
-            <a:off x="666976" y="1694046"/>
-            <a:ext cx="1761423" cy="1222409"/>
-          </a:xfrm>
-          <a:prstGeom prst="flowChartMultidocument">
-            <a:avLst/>
-          </a:prstGeom>
-          <a:noFill/>
-          <a:ln>
-            <a:solidFill>
-              <a:schemeClr val="tx1"/>
-            </a:solidFill>
-          </a:ln>
-        </p:spPr>
-        <p:style>
-          <a:lnRef idx="2">
-            <a:schemeClr val="accent1">
-              <a:shade val="50000"/>
-            </a:schemeClr>
-          </a:lnRef>
-          <a:fillRef idx="1">
-            <a:schemeClr val="accent1"/>
-          </a:fillRef>
-          <a:effectRef idx="0">
-            <a:schemeClr val="accent1"/>
-          </a:effectRef>
-          <a:fontRef idx="minor">
-            <a:schemeClr val="lt1"/>
-          </a:fontRef>
-        </p:style>
-        <p:txBody>
-          <a:bodyPr rtlCol="0" anchor="ctr"/>
-          <a:lstStyle/>
-          <a:p>
-            <a:pPr algn="ctr"/>
-            <a:endParaRPr kumimoji="1" lang="ja-JP" altLang="en-US"/>
-          </a:p>
-        </p:txBody>
-      </p:sp>
-      <p:sp>
-        <p:nvSpPr>
-          <p:cNvPr id="7" name="テキスト ボックス 6"/>
-          <p:cNvSpPr txBox="1"/>
-          <p:nvPr/>
-        </p:nvSpPr>
-        <p:spPr>
-          <a:xfrm>
-            <a:off x="526554" y="3000624"/>
-            <a:ext cx="1973179" cy="646331"/>
-          </a:xfrm>
-          <a:prstGeom prst="rect">
-            <a:avLst/>
-          </a:prstGeom>
-          <a:noFill/>
-        </p:spPr>
-        <p:txBody>
-          <a:bodyPr wrap="square" rtlCol="0">
-            <a:spAutoFit/>
-          </a:bodyPr>
-          <a:lstStyle/>
-          <a:p>
-            <a:r>
-              <a:rPr kumimoji="1" lang="en-US" altLang="ja-JP" dirty="0"/>
-              <a:t>[</a:t>
-            </a:r>
-            <a:r>
-              <a:rPr kumimoji="1" lang="ja-JP" altLang="en-US" dirty="0"/>
-              <a:t>画像</a:t>
-            </a:r>
-            <a:r>
-              <a:rPr kumimoji="1" lang="en-US" altLang="ja-JP" dirty="0"/>
-              <a:t>+</a:t>
-            </a:r>
-            <a:r>
-              <a:rPr kumimoji="1" lang="ja-JP" altLang="en-US" dirty="0"/>
-              <a:t>付帯情報</a:t>
-            </a:r>
-            <a:r>
-              <a:rPr kumimoji="1" lang="en-US" altLang="ja-JP" dirty="0"/>
-              <a:t>]</a:t>
-            </a:r>
-            <a:r>
-              <a:rPr kumimoji="1" lang="ja-JP" altLang="en-US" dirty="0"/>
-              <a:t>データベース</a:t>
-            </a:r>
-          </a:p>
-        </p:txBody>
-      </p:sp>
-      <p:sp>
-        <p:nvSpPr>
-          <p:cNvPr id="8" name="フローチャート: 定義済み処理 7"/>
-          <p:cNvSpPr/>
-          <p:nvPr/>
-        </p:nvSpPr>
-        <p:spPr>
-          <a:xfrm>
-            <a:off x="3003082" y="1872113"/>
-            <a:ext cx="519764" cy="2223435"/>
-          </a:xfrm>
-          <a:prstGeom prst="flowChartPredefinedProcess">
-            <a:avLst/>
-          </a:prstGeom>
-        </p:spPr>
-        <p:style>
-          <a:lnRef idx="2">
-            <a:schemeClr val="accent2"/>
-          </a:lnRef>
-          <a:fillRef idx="1">
-            <a:schemeClr val="lt1"/>
-          </a:fillRef>
-          <a:effectRef idx="0">
-            <a:schemeClr val="accent2"/>
-          </a:effectRef>
-          <a:fontRef idx="minor">
-            <a:schemeClr val="dk1"/>
-          </a:fontRef>
-        </p:style>
-        <p:txBody>
-          <a:bodyPr vert="eaVert" rtlCol="0" anchor="ctr"/>
-          <a:lstStyle/>
-          <a:p>
-            <a:pPr algn="ctr"/>
-            <a:r>
-              <a:rPr kumimoji="1" lang="ja-JP" altLang="en-US" dirty="0"/>
-              <a:t>クエリ（平均画像）</a:t>
-            </a:r>
-          </a:p>
-        </p:txBody>
-      </p:sp>
-      <p:sp>
-        <p:nvSpPr>
-          <p:cNvPr id="9" name="フローチャート: 定義済み処理 8"/>
-          <p:cNvSpPr/>
-          <p:nvPr/>
-        </p:nvSpPr>
-        <p:spPr>
-          <a:xfrm>
-            <a:off x="3003082" y="4350231"/>
-            <a:ext cx="519764" cy="2223435"/>
-          </a:xfrm>
-          <a:prstGeom prst="flowChartPredefinedProcess">
-            <a:avLst/>
-          </a:prstGeom>
-        </p:spPr>
-        <p:style>
-          <a:lnRef idx="2">
-            <a:schemeClr val="accent2"/>
-          </a:lnRef>
-          <a:fillRef idx="1">
-            <a:schemeClr val="lt1"/>
-          </a:fillRef>
-          <a:effectRef idx="0">
-            <a:schemeClr val="accent2"/>
-          </a:effectRef>
-          <a:fontRef idx="minor">
-            <a:schemeClr val="dk1"/>
-          </a:fontRef>
-        </p:style>
-        <p:txBody>
-          <a:bodyPr vert="eaVert" rtlCol="0" anchor="ctr"/>
-          <a:lstStyle/>
-          <a:p>
-            <a:pPr algn="ctr"/>
-            <a:r>
-              <a:rPr kumimoji="1" lang="ja-JP" altLang="en-US" sz="1200" dirty="0"/>
-              <a:t>クエリ</a:t>
-            </a:r>
-            <a:endParaRPr kumimoji="1" lang="en-US" altLang="ja-JP" sz="1200" dirty="0"/>
-          </a:p>
-          <a:p>
-            <a:pPr algn="ctr"/>
-            <a:r>
-              <a:rPr kumimoji="1" lang="ja-JP" altLang="en-US" sz="1200" dirty="0"/>
-              <a:t>（ランダムサンプリング）</a:t>
-            </a:r>
-          </a:p>
-        </p:txBody>
-      </p:sp>
-      <p:sp>
-        <p:nvSpPr>
-          <p:cNvPr id="10" name="フローチャート: 定義済み処理 9"/>
-          <p:cNvSpPr/>
-          <p:nvPr/>
-        </p:nvSpPr>
-        <p:spPr>
-          <a:xfrm>
-            <a:off x="3522846" y="1872113"/>
-            <a:ext cx="2415941" cy="2223435"/>
-          </a:xfrm>
-          <a:prstGeom prst="flowChartPredefinedProcess">
-            <a:avLst/>
-          </a:prstGeom>
-        </p:spPr>
-        <p:style>
-          <a:lnRef idx="2">
-            <a:schemeClr val="accent2"/>
-          </a:lnRef>
-          <a:fillRef idx="1">
-            <a:schemeClr val="lt1"/>
-          </a:fillRef>
-          <a:effectRef idx="0">
-            <a:schemeClr val="accent2"/>
-          </a:effectRef>
-          <a:fontRef idx="minor">
-            <a:schemeClr val="dk1"/>
-          </a:fontRef>
-        </p:style>
-        <p:txBody>
-          <a:bodyPr rtlCol="0" anchor="ctr"/>
-          <a:lstStyle/>
-          <a:p>
-            <a:pPr algn="ctr"/>
-            <a:endParaRPr kumimoji="1" lang="ja-JP" altLang="en-US"/>
-          </a:p>
-        </p:txBody>
-      </p:sp>
-      <p:sp>
-        <p:nvSpPr>
-          <p:cNvPr id="12" name="フローチャート: 定義済み処理 11"/>
-          <p:cNvSpPr/>
-          <p:nvPr/>
-        </p:nvSpPr>
-        <p:spPr>
-          <a:xfrm>
-            <a:off x="3522846" y="4350230"/>
-            <a:ext cx="2415941" cy="2223435"/>
-          </a:xfrm>
-          <a:prstGeom prst="flowChartPredefinedProcess">
-            <a:avLst/>
-          </a:prstGeom>
-        </p:spPr>
-        <p:style>
-          <a:lnRef idx="2">
-            <a:schemeClr val="accent2"/>
-          </a:lnRef>
-          <a:fillRef idx="1">
-            <a:schemeClr val="lt1"/>
-          </a:fillRef>
-          <a:effectRef idx="0">
-            <a:schemeClr val="accent2"/>
-          </a:effectRef>
-          <a:fontRef idx="minor">
-            <a:schemeClr val="dk1"/>
-          </a:fontRef>
-        </p:style>
-        <p:txBody>
-          <a:bodyPr rtlCol="0" anchor="ctr"/>
-          <a:lstStyle/>
-          <a:p>
-            <a:r>
-              <a:rPr kumimoji="1" lang="ja-JP" altLang="en-US" dirty="0"/>
-              <a:t>指定された付帯情報</a:t>
-            </a:r>
-            <a:r>
-              <a:rPr kumimoji="1" lang="en-US" altLang="ja-JP" dirty="0"/>
-              <a:t>(ex.</a:t>
-            </a:r>
-            <a:r>
-              <a:rPr kumimoji="1" lang="ja-JP" altLang="en-US" dirty="0"/>
-              <a:t>疾患</a:t>
-            </a:r>
-            <a:r>
-              <a:rPr kumimoji="1" lang="en-US" altLang="ja-JP" dirty="0"/>
-              <a:t>)</a:t>
-            </a:r>
-            <a:r>
-              <a:rPr kumimoji="1" lang="ja-JP" altLang="en-US" dirty="0"/>
-              <a:t>をもつ症例の画像を収集</a:t>
-            </a:r>
-            <a:endParaRPr kumimoji="1" lang="en-US" altLang="ja-JP" dirty="0"/>
-          </a:p>
-          <a:p>
-            <a:pPr algn="ctr"/>
-            <a:r>
-              <a:rPr kumimoji="1" lang="ja-JP" altLang="en-US" dirty="0"/>
-              <a:t>↓</a:t>
-            </a:r>
-            <a:endParaRPr kumimoji="1" lang="en-US" altLang="ja-JP" dirty="0"/>
-          </a:p>
-          <a:p>
-            <a:r>
-              <a:rPr kumimoji="1" lang="en-US" altLang="ja-JP" dirty="0"/>
-              <a:t>Glow</a:t>
-            </a:r>
-            <a:r>
-              <a:rPr kumimoji="1" lang="ja-JP" altLang="en-US" dirty="0"/>
-              <a:t>潜在ベクトルの分布からランダムサンプル</a:t>
-            </a:r>
-          </a:p>
-        </p:txBody>
-      </p:sp>
-      <p:sp>
-        <p:nvSpPr>
-          <p:cNvPr id="13" name="円柱 12"/>
-          <p:cNvSpPr/>
-          <p:nvPr/>
-        </p:nvSpPr>
-        <p:spPr>
-          <a:xfrm>
-            <a:off x="820031" y="4904603"/>
-            <a:ext cx="1289785" cy="1250894"/>
-          </a:xfrm>
-          <a:prstGeom prst="can">
-            <a:avLst/>
-          </a:prstGeom>
-        </p:spPr>
-        <p:style>
-          <a:lnRef idx="2">
-            <a:schemeClr val="accent1">
-              <a:shade val="50000"/>
-            </a:schemeClr>
-          </a:lnRef>
-          <a:fillRef idx="1">
-            <a:schemeClr val="accent1"/>
-          </a:fillRef>
-          <a:effectRef idx="0">
-            <a:schemeClr val="accent1"/>
-          </a:effectRef>
-          <a:fontRef idx="minor">
-            <a:schemeClr val="lt1"/>
-          </a:fontRef>
-        </p:style>
-        <p:txBody>
-          <a:bodyPr rtlCol="0" anchor="ctr"/>
-          <a:lstStyle/>
-          <a:p>
-            <a:pPr algn="ctr"/>
-            <a:r>
-              <a:rPr kumimoji="1" lang="ja-JP" altLang="en-US" dirty="0"/>
-              <a:t>画像の</a:t>
-            </a:r>
-            <a:r>
-              <a:rPr kumimoji="1" lang="en-US" altLang="ja-JP" dirty="0"/>
-              <a:t>Glow</a:t>
-            </a:r>
-          </a:p>
-          <a:p>
-            <a:pPr algn="ctr"/>
-            <a:r>
-              <a:rPr kumimoji="1" lang="ja-JP" altLang="en-US" dirty="0"/>
-              <a:t>モデル</a:t>
-            </a:r>
-          </a:p>
-        </p:txBody>
-      </p:sp>
-      <p:sp>
-        <p:nvSpPr>
-          <p:cNvPr id="15" name="テキスト ボックス 14"/>
-          <p:cNvSpPr txBox="1"/>
-          <p:nvPr/>
-        </p:nvSpPr>
-        <p:spPr>
-          <a:xfrm>
-            <a:off x="3837645" y="1897916"/>
-            <a:ext cx="1786341" cy="2308324"/>
-          </a:xfrm>
-          <a:prstGeom prst="rect">
-            <a:avLst/>
-          </a:prstGeom>
-          <a:noFill/>
-        </p:spPr>
-        <p:txBody>
-          <a:bodyPr wrap="square" rtlCol="0">
-            <a:spAutoFit/>
-          </a:bodyPr>
-          <a:lstStyle/>
-          <a:p>
-            <a:r>
-              <a:rPr kumimoji="1" lang="ja-JP" altLang="en-US" dirty="0"/>
-              <a:t>指定された付帯情報</a:t>
-            </a:r>
-            <a:r>
-              <a:rPr kumimoji="1" lang="en-US" altLang="ja-JP" dirty="0"/>
-              <a:t>(ex.</a:t>
-            </a:r>
-            <a:r>
-              <a:rPr kumimoji="1" lang="ja-JP" altLang="en-US" dirty="0"/>
-              <a:t>疾患</a:t>
-            </a:r>
-            <a:r>
-              <a:rPr kumimoji="1" lang="en-US" altLang="ja-JP" dirty="0"/>
-              <a:t>)</a:t>
-            </a:r>
-            <a:r>
-              <a:rPr kumimoji="1" lang="ja-JP" altLang="en-US" dirty="0"/>
-              <a:t>をもつ症例の画像を収集</a:t>
-            </a:r>
-            <a:endParaRPr kumimoji="1" lang="en-US" altLang="ja-JP" dirty="0"/>
-          </a:p>
-          <a:p>
-            <a:pPr algn="ctr"/>
-            <a:r>
-              <a:rPr kumimoji="1" lang="ja-JP" altLang="en-US" dirty="0"/>
-              <a:t>↓</a:t>
-            </a:r>
-            <a:endParaRPr kumimoji="1" lang="en-US" altLang="ja-JP" dirty="0"/>
-          </a:p>
-          <a:p>
-            <a:r>
-              <a:rPr kumimoji="1" lang="en-US" altLang="ja-JP" dirty="0"/>
-              <a:t>Glow</a:t>
-            </a:r>
-            <a:r>
-              <a:rPr kumimoji="1" lang="ja-JP" altLang="en-US" dirty="0"/>
-              <a:t>潜在表現ベクトルの平均を出力</a:t>
-            </a:r>
-          </a:p>
-        </p:txBody>
-      </p:sp>
-      <p:sp>
-        <p:nvSpPr>
-          <p:cNvPr id="24" name="フローチャート: 定義済み処理 23"/>
-          <p:cNvSpPr/>
-          <p:nvPr/>
-        </p:nvSpPr>
-        <p:spPr>
-          <a:xfrm>
-            <a:off x="6998556" y="1919572"/>
-            <a:ext cx="589120" cy="4573336"/>
-          </a:xfrm>
-          <a:prstGeom prst="flowChartPredefinedProcess">
-            <a:avLst/>
-          </a:prstGeom>
-        </p:spPr>
-        <p:style>
-          <a:lnRef idx="2">
-            <a:schemeClr val="dk1"/>
-          </a:lnRef>
-          <a:fillRef idx="1">
-            <a:schemeClr val="lt1"/>
-          </a:fillRef>
-          <a:effectRef idx="0">
-            <a:schemeClr val="dk1"/>
-          </a:effectRef>
-          <a:fontRef idx="minor">
-            <a:schemeClr val="dk1"/>
-          </a:fontRef>
-        </p:style>
-        <p:txBody>
-          <a:bodyPr vert="eaVert" rtlCol="0" anchor="ctr"/>
-          <a:lstStyle/>
-          <a:p>
-            <a:pPr algn="ctr"/>
-            <a:r>
-              <a:rPr kumimoji="1" lang="en-US" altLang="ja-JP" dirty="0"/>
-              <a:t>Glow</a:t>
-            </a:r>
-            <a:r>
-              <a:rPr kumimoji="1" lang="ja-JP" altLang="en-US" dirty="0"/>
-              <a:t>逆変換</a:t>
-            </a:r>
-          </a:p>
-        </p:txBody>
-      </p:sp>
-      <p:pic>
-        <p:nvPicPr>
-          <p:cNvPr id="28" name="図 27" descr="抽象, 探す, 衣類, 持つ が含まれている画像&#10;&#10;自動的に生成された説明">
-            <a:extLst>
-              <a:ext uri="{FF2B5EF4-FFF2-40B4-BE49-F238E27FC236}">
-                <a16:creationId xmlns:a16="http://schemas.microsoft.com/office/drawing/2014/main" id="{47BD524A-247F-4CA3-B28B-B158809CEEE3}"/>
-              </a:ext>
-            </a:extLst>
-          </p:cNvPr>
-          <p:cNvPicPr>
-            <a:picLocks noChangeAspect="1"/>
-          </p:cNvPicPr>
-          <p:nvPr/>
-        </p:nvPicPr>
-        <p:blipFill>
-          <a:blip r:embed="rId2" cstate="hqprint">
-            <a:extLst>
-              <a:ext uri="{28A0092B-C50C-407E-A947-70E740481C1C}">
-                <a14:useLocalDpi xmlns:a14="http://schemas.microsoft.com/office/drawing/2010/main" val="0"/>
-              </a:ext>
-            </a:extLst>
-          </a:blip>
-          <a:stretch>
-            <a:fillRect/>
-          </a:stretch>
-        </p:blipFill>
-        <p:spPr>
-          <a:xfrm>
-            <a:off x="8053511" y="2559932"/>
-            <a:ext cx="585083" cy="585083"/>
-          </a:xfrm>
-          <a:prstGeom prst="rect">
-            <a:avLst/>
-          </a:prstGeom>
-        </p:spPr>
-      </p:pic>
-      <p:pic>
-        <p:nvPicPr>
-          <p:cNvPr id="29" name="図 28" descr="抽象, 探す, 衣類, 持つ が含まれている画像&#10;&#10;自動的に生成された説明">
-            <a:extLst>
-              <a:ext uri="{FF2B5EF4-FFF2-40B4-BE49-F238E27FC236}">
-                <a16:creationId xmlns:a16="http://schemas.microsoft.com/office/drawing/2014/main" id="{47BD524A-247F-4CA3-B28B-B158809CEEE3}"/>
-              </a:ext>
-            </a:extLst>
-          </p:cNvPr>
-          <p:cNvPicPr>
-            <a:picLocks noChangeAspect="1"/>
-          </p:cNvPicPr>
-          <p:nvPr/>
-        </p:nvPicPr>
-        <p:blipFill>
-          <a:blip r:embed="rId2" cstate="hqprint">
-            <a:extLst>
-              <a:ext uri="{28A0092B-C50C-407E-A947-70E740481C1C}">
-                <a14:useLocalDpi xmlns:a14="http://schemas.microsoft.com/office/drawing/2010/main" val="0"/>
-              </a:ext>
-            </a:extLst>
-          </a:blip>
-          <a:stretch>
-            <a:fillRect/>
-          </a:stretch>
-        </p:blipFill>
-        <p:spPr>
-          <a:xfrm>
-            <a:off x="7950069" y="5085109"/>
-            <a:ext cx="585083" cy="585083"/>
-          </a:xfrm>
-          <a:prstGeom prst="rect">
-            <a:avLst/>
-          </a:prstGeom>
-        </p:spPr>
-      </p:pic>
-      <p:pic>
-        <p:nvPicPr>
-          <p:cNvPr id="30" name="図 29" descr="抽象, 探す, 衣類, 持つ が含まれている画像&#10;&#10;自動的に生成された説明">
-            <a:extLst>
-              <a:ext uri="{FF2B5EF4-FFF2-40B4-BE49-F238E27FC236}">
-                <a16:creationId xmlns:a16="http://schemas.microsoft.com/office/drawing/2014/main" id="{47BD524A-247F-4CA3-B28B-B158809CEEE3}"/>
-              </a:ext>
-            </a:extLst>
-          </p:cNvPr>
-          <p:cNvPicPr>
-            <a:picLocks noChangeAspect="1"/>
-          </p:cNvPicPr>
-          <p:nvPr/>
-        </p:nvPicPr>
-        <p:blipFill>
-          <a:blip r:embed="rId2" cstate="hqprint">
-            <a:extLst>
-              <a:ext uri="{28A0092B-C50C-407E-A947-70E740481C1C}">
-                <a14:useLocalDpi xmlns:a14="http://schemas.microsoft.com/office/drawing/2010/main" val="0"/>
-              </a:ext>
-            </a:extLst>
-          </a:blip>
-          <a:stretch>
-            <a:fillRect/>
-          </a:stretch>
-        </p:blipFill>
-        <p:spPr>
-          <a:xfrm>
-            <a:off x="8102469" y="5237509"/>
-            <a:ext cx="585083" cy="585083"/>
-          </a:xfrm>
-          <a:prstGeom prst="rect">
-            <a:avLst/>
-          </a:prstGeom>
-        </p:spPr>
-      </p:pic>
-      <p:pic>
-        <p:nvPicPr>
-          <p:cNvPr id="31" name="図 30" descr="抽象, 探す, 衣類, 持つ が含まれている画像&#10;&#10;自動的に生成された説明">
-            <a:extLst>
-              <a:ext uri="{FF2B5EF4-FFF2-40B4-BE49-F238E27FC236}">
-                <a16:creationId xmlns:a16="http://schemas.microsoft.com/office/drawing/2014/main" id="{47BD524A-247F-4CA3-B28B-B158809CEEE3}"/>
-              </a:ext>
-            </a:extLst>
-          </p:cNvPr>
-          <p:cNvPicPr>
-            <a:picLocks noChangeAspect="1"/>
-          </p:cNvPicPr>
-          <p:nvPr/>
-        </p:nvPicPr>
-        <p:blipFill>
-          <a:blip r:embed="rId2" cstate="hqprint">
-            <a:extLst>
-              <a:ext uri="{28A0092B-C50C-407E-A947-70E740481C1C}">
-                <a14:useLocalDpi xmlns:a14="http://schemas.microsoft.com/office/drawing/2010/main" val="0"/>
-              </a:ext>
-            </a:extLst>
-          </a:blip>
-          <a:stretch>
-            <a:fillRect/>
-          </a:stretch>
-        </p:blipFill>
-        <p:spPr>
-          <a:xfrm>
-            <a:off x="8254869" y="5389909"/>
-            <a:ext cx="585083" cy="585083"/>
-          </a:xfrm>
-          <a:prstGeom prst="rect">
-            <a:avLst/>
-          </a:prstGeom>
-        </p:spPr>
-      </p:pic>
-      <p:sp>
-        <p:nvSpPr>
-          <p:cNvPr id="32" name="テキスト ボックス 31"/>
-          <p:cNvSpPr txBox="1"/>
-          <p:nvPr/>
-        </p:nvSpPr>
-        <p:spPr>
-          <a:xfrm>
-            <a:off x="7738712" y="3145015"/>
-            <a:ext cx="1232033" cy="369332"/>
-          </a:xfrm>
-          <a:prstGeom prst="rect">
-            <a:avLst/>
-          </a:prstGeom>
-          <a:noFill/>
-        </p:spPr>
-        <p:txBody>
-          <a:bodyPr wrap="square" rtlCol="0">
-            <a:spAutoFit/>
-          </a:bodyPr>
-          <a:lstStyle/>
-          <a:p>
-            <a:pPr algn="ctr"/>
-            <a:r>
-              <a:rPr kumimoji="1" lang="ja-JP" altLang="en-US" dirty="0"/>
-              <a:t>平均画像</a:t>
-            </a:r>
-          </a:p>
-        </p:txBody>
-      </p:sp>
-      <p:sp>
-        <p:nvSpPr>
-          <p:cNvPr id="33" name="テキスト ボックス 32"/>
-          <p:cNvSpPr txBox="1"/>
-          <p:nvPr/>
-        </p:nvSpPr>
-        <p:spPr>
-          <a:xfrm>
-            <a:off x="7730035" y="6073152"/>
-            <a:ext cx="1232033" cy="646331"/>
-          </a:xfrm>
-          <a:prstGeom prst="rect">
-            <a:avLst/>
-          </a:prstGeom>
-          <a:noFill/>
-        </p:spPr>
-        <p:txBody>
-          <a:bodyPr wrap="square" rtlCol="0">
-            <a:spAutoFit/>
-          </a:bodyPr>
-          <a:lstStyle/>
-          <a:p>
-            <a:pPr algn="ctr"/>
-            <a:r>
-              <a:rPr kumimoji="1" lang="ja-JP" altLang="en-US" dirty="0"/>
-              <a:t>サンプル画像群</a:t>
-            </a:r>
-          </a:p>
-        </p:txBody>
-      </p:sp>
-      <p:sp>
-        <p:nvSpPr>
-          <p:cNvPr id="43" name="テキスト ボックス 42"/>
-          <p:cNvSpPr txBox="1"/>
-          <p:nvPr/>
-        </p:nvSpPr>
-        <p:spPr>
-          <a:xfrm>
-            <a:off x="1100286" y="6294922"/>
-            <a:ext cx="786266" cy="369332"/>
-          </a:xfrm>
-          <a:prstGeom prst="rect">
-            <a:avLst/>
-          </a:prstGeom>
-          <a:noFill/>
-        </p:spPr>
-        <p:txBody>
-          <a:bodyPr wrap="square" rtlCol="0">
-            <a:spAutoFit/>
-          </a:bodyPr>
-          <a:lstStyle/>
-          <a:p>
-            <a:pPr algn="ctr"/>
-            <a:r>
-              <a:rPr kumimoji="1" lang="ja-JP" altLang="en-US" dirty="0"/>
-              <a:t>公開</a:t>
-            </a:r>
-          </a:p>
-        </p:txBody>
-      </p:sp>
-      <p:sp>
-        <p:nvSpPr>
-          <p:cNvPr id="44" name="テキスト ボックス 43"/>
-          <p:cNvSpPr txBox="1"/>
-          <p:nvPr/>
-        </p:nvSpPr>
-        <p:spPr>
-          <a:xfrm>
-            <a:off x="7920262" y="4055085"/>
-            <a:ext cx="786266" cy="369332"/>
-          </a:xfrm>
-          <a:prstGeom prst="rect">
-            <a:avLst/>
-          </a:prstGeom>
-          <a:noFill/>
-        </p:spPr>
-        <p:txBody>
-          <a:bodyPr wrap="square" rtlCol="0">
-            <a:spAutoFit/>
-          </a:bodyPr>
-          <a:lstStyle/>
-          <a:p>
-            <a:pPr algn="ctr"/>
-            <a:r>
-              <a:rPr kumimoji="1" lang="ja-JP" altLang="en-US" dirty="0"/>
-              <a:t>公開</a:t>
-            </a:r>
-          </a:p>
-        </p:txBody>
-      </p:sp>
-      <p:sp>
-        <p:nvSpPr>
-          <p:cNvPr id="45" name="正方形/長方形 44"/>
-          <p:cNvSpPr/>
-          <p:nvPr/>
-        </p:nvSpPr>
-        <p:spPr>
-          <a:xfrm>
-            <a:off x="2531444" y="1588168"/>
-            <a:ext cx="3952319" cy="5131315"/>
-          </a:xfrm>
-          <a:prstGeom prst="rect">
-            <a:avLst/>
-          </a:prstGeom>
-          <a:noFill/>
-          <a:ln>
-            <a:solidFill>
-              <a:srgbClr val="FF0000"/>
-            </a:solidFill>
-          </a:ln>
-        </p:spPr>
-        <p:style>
-          <a:lnRef idx="2">
-            <a:schemeClr val="accent1">
-              <a:shade val="50000"/>
-            </a:schemeClr>
-          </a:lnRef>
-          <a:fillRef idx="1">
-            <a:schemeClr val="accent1"/>
-          </a:fillRef>
-          <a:effectRef idx="0">
-            <a:schemeClr val="accent1"/>
-          </a:effectRef>
-          <a:fontRef idx="minor">
-            <a:schemeClr val="lt1"/>
-          </a:fontRef>
-        </p:style>
-        <p:txBody>
-          <a:bodyPr rtlCol="0" anchor="ctr"/>
-          <a:lstStyle/>
-          <a:p>
-            <a:pPr algn="ctr"/>
-            <a:endParaRPr kumimoji="1" lang="ja-JP" altLang="en-US"/>
-          </a:p>
-        </p:txBody>
-      </p:sp>
-      <p:sp>
-        <p:nvSpPr>
-          <p:cNvPr id="46" name="正方形/長方形 45"/>
-          <p:cNvSpPr/>
-          <p:nvPr/>
-        </p:nvSpPr>
-        <p:spPr>
-          <a:xfrm>
-            <a:off x="2454442" y="1607419"/>
-            <a:ext cx="192505" cy="697831"/>
-          </a:xfrm>
-          <a:prstGeom prst="rect">
-            <a:avLst/>
-          </a:prstGeom>
-          <a:solidFill>
-            <a:schemeClr val="bg1"/>
-          </a:solidFill>
-          <a:ln>
-            <a:solidFill>
-              <a:schemeClr val="bg1"/>
-            </a:solidFill>
-          </a:ln>
-        </p:spPr>
-        <p:style>
-          <a:lnRef idx="2">
-            <a:schemeClr val="accent1">
-              <a:shade val="50000"/>
-            </a:schemeClr>
-          </a:lnRef>
-          <a:fillRef idx="1">
-            <a:schemeClr val="accent1"/>
-          </a:fillRef>
-          <a:effectRef idx="0">
-            <a:schemeClr val="accent1"/>
-          </a:effectRef>
-          <a:fontRef idx="minor">
-            <a:schemeClr val="lt1"/>
-          </a:fontRef>
-        </p:style>
-        <p:txBody>
-          <a:bodyPr rtlCol="0" anchor="ctr"/>
-          <a:lstStyle/>
-          <a:p>
-            <a:pPr algn="ctr"/>
-            <a:endParaRPr kumimoji="1" lang="ja-JP" altLang="en-US"/>
-          </a:p>
-        </p:txBody>
-      </p:sp>
-      <p:sp>
-        <p:nvSpPr>
-          <p:cNvPr id="47" name="正方形/長方形 46"/>
-          <p:cNvSpPr/>
-          <p:nvPr/>
-        </p:nvSpPr>
-        <p:spPr>
-          <a:xfrm>
-            <a:off x="2435191" y="2319689"/>
-            <a:ext cx="154005" cy="2021305"/>
-          </a:xfrm>
-          <a:prstGeom prst="rect">
-            <a:avLst/>
-          </a:prstGeom>
-          <a:solidFill>
-            <a:schemeClr val="bg1"/>
-          </a:solidFill>
-          <a:ln>
-            <a:solidFill>
-              <a:schemeClr val="bg1"/>
-            </a:solidFill>
-          </a:ln>
-        </p:spPr>
-        <p:style>
-          <a:lnRef idx="2">
-            <a:schemeClr val="accent1">
-              <a:shade val="50000"/>
-            </a:schemeClr>
-          </a:lnRef>
-          <a:fillRef idx="1">
-            <a:schemeClr val="accent1"/>
-          </a:fillRef>
-          <a:effectRef idx="0">
-            <a:schemeClr val="accent1"/>
-          </a:effectRef>
-          <a:fontRef idx="minor">
-            <a:schemeClr val="lt1"/>
-          </a:fontRef>
-        </p:style>
-        <p:txBody>
-          <a:bodyPr rtlCol="0" anchor="ctr"/>
-          <a:lstStyle/>
-          <a:p>
-            <a:pPr algn="ctr"/>
-            <a:endParaRPr kumimoji="1" lang="ja-JP" altLang="en-US"/>
-          </a:p>
-        </p:txBody>
-      </p:sp>
-      <p:sp>
-        <p:nvSpPr>
-          <p:cNvPr id="14" name="フローチャート: 定義済み処理 13"/>
-          <p:cNvSpPr/>
-          <p:nvPr/>
-        </p:nvSpPr>
-        <p:spPr>
-          <a:xfrm>
-            <a:off x="6198669" y="1872113"/>
-            <a:ext cx="567891" cy="4712478"/>
-          </a:xfrm>
-          <a:prstGeom prst="flowChartPredefinedProcess">
-            <a:avLst/>
-          </a:prstGeom>
-        </p:spPr>
-        <p:style>
-          <a:lnRef idx="1">
-            <a:schemeClr val="accent6"/>
-          </a:lnRef>
-          <a:fillRef idx="2">
-            <a:schemeClr val="accent6"/>
-          </a:fillRef>
-          <a:effectRef idx="1">
-            <a:schemeClr val="accent6"/>
-          </a:effectRef>
-          <a:fontRef idx="minor">
-            <a:schemeClr val="dk1"/>
-          </a:fontRef>
-        </p:style>
-        <p:txBody>
-          <a:bodyPr vert="eaVert" rtlCol="0" anchor="ctr"/>
-          <a:lstStyle/>
-          <a:p>
-            <a:pPr algn="ctr"/>
-            <a:r>
-              <a:rPr kumimoji="1" lang="ja-JP" altLang="en-US" dirty="0"/>
-              <a:t>ラプラスノイズ付加</a:t>
-            </a:r>
-          </a:p>
-        </p:txBody>
-      </p:sp>
-    </p:spTree>
-    <p:extLst>
-      <p:ext uri="{BB962C8B-B14F-4D97-AF65-F5344CB8AC3E}">
-        <p14:creationId xmlns:p14="http://schemas.microsoft.com/office/powerpoint/2010/main" val="1753305375"/>
-      </p:ext>
-    </p:extLst>
-  </p:cSld>
-  <p:clrMapOvr>
-    <a:masterClrMapping/>
-  </p:clrMapOvr>
-</p:sld>
-</file>
-
-<file path=ppt/slides/slide2.xml><?xml version="1.0" encoding="utf-8"?>
-<p:sld xmlns:a="http://schemas.openxmlformats.org/drawingml/2006/main" xmlns:r="http://schemas.openxmlformats.org/officeDocument/2006/relationships" xmlns:p="http://schemas.openxmlformats.org/presentationml/2006/main">
-  <p:cSld>
-    <p:spTree>
-      <p:nvGrpSpPr>
-        <p:cNvPr id="1" name=""/>
-        <p:cNvGrpSpPr/>
-        <p:nvPr/>
-      </p:nvGrpSpPr>
-      <p:grpSpPr>
-        <a:xfrm>
-          <a:off x="0" y="0"/>
-          <a:ext cx="0" cy="0"/>
-          <a:chOff x="0" y="0"/>
-          <a:chExt cx="0" cy="0"/>
-        </a:xfrm>
-      </p:grpSpPr>
-      <p:sp>
-        <p:nvSpPr>
-          <p:cNvPr id="2" name="タイトル 1"/>
-          <p:cNvSpPr>
-            <a:spLocks noGrp="1"/>
-          </p:cNvSpPr>
-          <p:nvPr>
-            <p:ph type="title"/>
-          </p:nvPr>
-        </p:nvSpPr>
-        <p:spPr/>
-        <p:txBody>
-          <a:bodyPr/>
-          <a:lstStyle/>
-          <a:p>
-            <a:r>
-              <a:rPr kumimoji="1" lang="en-US" altLang="ja-JP" dirty="0"/>
-              <a:t>CREST  </a:t>
-            </a:r>
-            <a:endParaRPr kumimoji="1" lang="ja-JP" altLang="en-US" dirty="0"/>
-          </a:p>
-        </p:txBody>
-      </p:sp>
-      <p:sp>
-        <p:nvSpPr>
-          <p:cNvPr id="3" name="コンテンツ プレースホルダー 2"/>
-          <p:cNvSpPr>
-            <a:spLocks noGrp="1"/>
-          </p:cNvSpPr>
-          <p:nvPr>
-            <p:ph idx="1"/>
-          </p:nvPr>
-        </p:nvSpPr>
-        <p:spPr/>
-        <p:txBody>
-          <a:bodyPr/>
-          <a:lstStyle/>
-          <a:p>
-            <a:r>
-              <a:rPr lang="en-US" altLang="ja-JP" dirty="0"/>
-              <a:t>89,750,000</a:t>
-            </a:r>
-            <a:r>
-              <a:rPr lang="ja-JP" altLang="en-US" dirty="0"/>
-              <a:t>円</a:t>
-            </a:r>
-            <a:r>
-              <a:rPr lang="en-US" altLang="ja-JP" dirty="0"/>
-              <a:t>/5.5</a:t>
-            </a:r>
-            <a:r>
-              <a:rPr lang="ja-JP" altLang="en-US" dirty="0"/>
-              <a:t>年のお金が当たりました</a:t>
-            </a:r>
-            <a:r>
-              <a:rPr lang="en-US" altLang="ja-JP" dirty="0"/>
-              <a:t>(</a:t>
-            </a:r>
-            <a:r>
-              <a:rPr lang="ja-JP" altLang="en-US" dirty="0"/>
-              <a:t>すでに半年経過</a:t>
-            </a:r>
-            <a:r>
-              <a:rPr lang="en-US" altLang="ja-JP" dirty="0"/>
-              <a:t>)</a:t>
-            </a:r>
-          </a:p>
-          <a:p>
-            <a:pPr marL="0" indent="0">
-              <a:buNone/>
-            </a:pPr>
-            <a:endParaRPr lang="en-US" altLang="ja-JP" dirty="0"/>
-          </a:p>
-          <a:p>
-            <a:r>
-              <a:rPr lang="ja-JP" altLang="en-US" dirty="0"/>
-              <a:t>研究しましょう！</a:t>
-            </a:r>
-          </a:p>
-        </p:txBody>
-      </p:sp>
-    </p:spTree>
-    <p:extLst>
-      <p:ext uri="{BB962C8B-B14F-4D97-AF65-F5344CB8AC3E}">
-        <p14:creationId xmlns:p14="http://schemas.microsoft.com/office/powerpoint/2010/main" val="3798492401"/>
-      </p:ext>
-    </p:extLst>
-  </p:cSld>
-  <p:clrMapOvr>
-    <a:masterClrMapping/>
-  </p:clrMapOvr>
-</p:sld>
-</file>
-
-<file path=ppt/slides/slide3.xml><?xml version="1.0" encoding="utf-8"?>
-<p:sld xmlns:a="http://schemas.openxmlformats.org/drawingml/2006/main" xmlns:r="http://schemas.openxmlformats.org/officeDocument/2006/relationships" xmlns:p="http://schemas.openxmlformats.org/presentationml/2006/main">
-  <p:cSld>
-    <p:spTree>
-      <p:nvGrpSpPr>
-        <p:cNvPr id="1" name=""/>
-        <p:cNvGrpSpPr/>
-        <p:nvPr/>
-      </p:nvGrpSpPr>
-      <p:grpSpPr>
-        <a:xfrm>
-          <a:off x="0" y="0"/>
-          <a:ext cx="0" cy="0"/>
-          <a:chOff x="0" y="0"/>
-          <a:chExt cx="0" cy="0"/>
-        </a:xfrm>
-      </p:grpSpPr>
-      <p:sp>
-        <p:nvSpPr>
-          <p:cNvPr id="2" name="タイトル 1">
-            <a:extLst>
-              <a:ext uri="{FF2B5EF4-FFF2-40B4-BE49-F238E27FC236}">
-                <a16:creationId xmlns:a16="http://schemas.microsoft.com/office/drawing/2014/main" id="{5134795A-34C4-4DDF-B5D0-5CE68584904F}"/>
-              </a:ext>
-            </a:extLst>
-          </p:cNvPr>
-          <p:cNvSpPr>
-            <a:spLocks noGrp="1"/>
-          </p:cNvSpPr>
-          <p:nvPr>
-            <p:ph type="title"/>
-          </p:nvPr>
-        </p:nvSpPr>
-        <p:spPr/>
-        <p:txBody>
-          <a:bodyPr/>
-          <a:lstStyle/>
-          <a:p>
-            <a:r>
-              <a:rPr kumimoji="1" lang="ja-JP" altLang="en-US"/>
-              <a:t>構成</a:t>
-            </a:r>
-            <a:r>
-              <a:rPr kumimoji="1" lang="en-US" altLang="ja-JP"/>
-              <a:t>:</a:t>
-            </a:r>
-            <a:endParaRPr kumimoji="1" lang="ja-JP" altLang="en-US"/>
-          </a:p>
-        </p:txBody>
-      </p:sp>
-      <p:sp>
-        <p:nvSpPr>
-          <p:cNvPr id="3" name="コンテンツ プレースホルダー 2">
-            <a:extLst>
-              <a:ext uri="{FF2B5EF4-FFF2-40B4-BE49-F238E27FC236}">
-                <a16:creationId xmlns:a16="http://schemas.microsoft.com/office/drawing/2014/main" id="{8A4B7976-A9F8-4CDC-A95B-7F4AAFD8C9A2}"/>
-              </a:ext>
-            </a:extLst>
-          </p:cNvPr>
-          <p:cNvSpPr>
-            <a:spLocks noGrp="1"/>
-          </p:cNvSpPr>
-          <p:nvPr>
-            <p:ph idx="1"/>
-          </p:nvPr>
-        </p:nvSpPr>
-        <p:spPr/>
-        <p:txBody>
-          <a:bodyPr/>
-          <a:lstStyle/>
-          <a:p>
-            <a:r>
-              <a:rPr lang="ja-JP" altLang="en-US" dirty="0"/>
-              <a:t>研究領域：「基礎理論とシステム基盤技術の融合によるＳｏｃｉｅｔｙ ５．０のための基盤ソフトウェアの 創出」</a:t>
-            </a:r>
-            <a:endParaRPr lang="en-US" altLang="ja-JP" dirty="0"/>
-          </a:p>
-          <a:p>
-            <a:pPr lvl="2"/>
-            <a:r>
-              <a:rPr lang="ja-JP" altLang="en-US" dirty="0"/>
-              <a:t>研究総括：岡部 寿男（京都大学 学術情報メディアセンター センター長）</a:t>
-            </a:r>
-            <a:endParaRPr lang="en-US" altLang="ja-JP" dirty="0"/>
-          </a:p>
-          <a:p>
-            <a:pPr lvl="1"/>
-            <a:r>
-              <a:rPr lang="ja-JP" altLang="en-US" dirty="0"/>
-              <a:t>実応用に即したプライバシー保護解析とセ キュアデータ基盤（研究代表者</a:t>
-            </a:r>
-            <a:r>
-              <a:rPr lang="en-US" altLang="ja-JP" dirty="0"/>
-              <a:t>: </a:t>
-            </a:r>
-            <a:r>
-              <a:rPr lang="ja-JP" altLang="en-US" dirty="0"/>
-              <a:t>田浦健次朗）</a:t>
-            </a:r>
-            <a:endParaRPr lang="en-US" altLang="ja-JP" dirty="0"/>
-          </a:p>
-          <a:p>
-            <a:pPr lvl="2"/>
-            <a:r>
-              <a:rPr kumimoji="1" lang="ja-JP" altLang="en-US" dirty="0"/>
-              <a:t>田浦</a:t>
-            </a:r>
-            <a:r>
-              <a:rPr kumimoji="1" lang="en-US" altLang="ja-JP" dirty="0"/>
-              <a:t>(</a:t>
-            </a:r>
-            <a:r>
-              <a:rPr lang="ja-JP" altLang="en-US" dirty="0"/>
-              <a:t>東大・</a:t>
-            </a:r>
-            <a:r>
-              <a:rPr kumimoji="1" lang="ja-JP" altLang="en-US" dirty="0"/>
-              <a:t>情報基盤センター長</a:t>
-            </a:r>
-            <a:r>
-              <a:rPr kumimoji="1" lang="en-US" altLang="ja-JP" dirty="0"/>
-              <a:t>/</a:t>
-            </a:r>
-            <a:r>
-              <a:rPr kumimoji="1" lang="ja-JP" altLang="en-US" dirty="0"/>
-              <a:t>情報理工学系</a:t>
-            </a:r>
-            <a:r>
-              <a:rPr kumimoji="1" lang="en-US" altLang="ja-JP" dirty="0"/>
-              <a:t>)</a:t>
-            </a:r>
-            <a:r>
-              <a:rPr kumimoji="1" lang="ja-JP" altLang="en-US" dirty="0"/>
-              <a:t>グループ</a:t>
-            </a:r>
-            <a:endParaRPr kumimoji="1" lang="en-US" altLang="ja-JP" dirty="0"/>
-          </a:p>
-          <a:p>
-            <a:pPr lvl="2"/>
-            <a:r>
-              <a:rPr lang="ja-JP" altLang="en-US" dirty="0"/>
-              <a:t>塙</a:t>
-            </a:r>
-            <a:r>
-              <a:rPr lang="en-US" altLang="ja-JP" dirty="0"/>
-              <a:t>(</a:t>
-            </a:r>
-            <a:r>
-              <a:rPr lang="ja-JP" altLang="en-US" dirty="0"/>
-              <a:t>東大・</a:t>
-            </a:r>
-            <a:r>
-              <a:rPr kumimoji="1" lang="ja-JP" altLang="en-US" dirty="0"/>
-              <a:t>情報基盤センター</a:t>
-            </a:r>
-            <a:r>
-              <a:rPr lang="en-US" altLang="ja-JP" dirty="0"/>
-              <a:t>)</a:t>
-            </a:r>
-            <a:r>
-              <a:rPr lang="ja-JP" altLang="en-US" dirty="0"/>
-              <a:t>グループ</a:t>
-            </a:r>
-            <a:endParaRPr lang="en-US" altLang="ja-JP" dirty="0"/>
-          </a:p>
-          <a:p>
-            <a:pPr lvl="2"/>
-            <a:r>
-              <a:rPr kumimoji="1" lang="ja-JP" altLang="en-US" dirty="0"/>
-              <a:t>吉川</a:t>
-            </a:r>
-            <a:r>
-              <a:rPr kumimoji="1" lang="en-US" altLang="ja-JP" dirty="0"/>
-              <a:t>(</a:t>
-            </a:r>
-            <a:r>
-              <a:rPr lang="ja-JP" altLang="en-US" dirty="0"/>
-              <a:t>京大・情報学研究科</a:t>
-            </a:r>
-            <a:r>
-              <a:rPr kumimoji="1" lang="en-US" altLang="ja-JP" dirty="0"/>
-              <a:t>)</a:t>
-            </a:r>
-            <a:r>
-              <a:rPr kumimoji="1" lang="ja-JP" altLang="en-US" dirty="0"/>
-              <a:t>グループ</a:t>
-            </a:r>
-            <a:endParaRPr kumimoji="1" lang="en-US" altLang="ja-JP" dirty="0"/>
-          </a:p>
-          <a:p>
-            <a:pPr lvl="2"/>
-            <a:r>
-              <a:rPr lang="ja-JP" altLang="en-US" dirty="0"/>
-              <a:t>花岡グループ</a:t>
-            </a:r>
-            <a:endParaRPr kumimoji="1" lang="ja-JP" altLang="en-US" dirty="0"/>
-          </a:p>
-        </p:txBody>
-      </p:sp>
-    </p:spTree>
-    <p:extLst>
-      <p:ext uri="{BB962C8B-B14F-4D97-AF65-F5344CB8AC3E}">
-        <p14:creationId xmlns:p14="http://schemas.microsoft.com/office/powerpoint/2010/main" val="3645471251"/>
-      </p:ext>
-    </p:extLst>
-  </p:cSld>
-  <p:clrMapOvr>
-    <a:masterClrMapping/>
-  </p:clrMapOvr>
-</p:sld>
-</file>
-
-<file path=ppt/slides/slide4.xml><?xml version="1.0" encoding="utf-8"?>
-<p:sld xmlns:a="http://schemas.openxmlformats.org/drawingml/2006/main" xmlns:r="http://schemas.openxmlformats.org/officeDocument/2006/relationships" xmlns:p="http://schemas.openxmlformats.org/presentationml/2006/main">
-  <p:cSld>
-    <p:spTree>
-      <p:nvGrpSpPr>
-        <p:cNvPr id="1" name=""/>
-        <p:cNvGrpSpPr/>
-        <p:nvPr/>
-      </p:nvGrpSpPr>
-      <p:grpSpPr>
-        <a:xfrm>
-          <a:off x="0" y="0"/>
-          <a:ext cx="0" cy="0"/>
-          <a:chOff x="0" y="0"/>
-          <a:chExt cx="0" cy="0"/>
-        </a:xfrm>
-      </p:grpSpPr>
-      <p:sp>
-        <p:nvSpPr>
-          <p:cNvPr id="2" name="タイトル 1">
-            <a:extLst>
-              <a:ext uri="{FF2B5EF4-FFF2-40B4-BE49-F238E27FC236}">
-                <a16:creationId xmlns:a16="http://schemas.microsoft.com/office/drawing/2014/main" id="{C7A714B9-DA84-450C-A3FE-CFB5D71005EA}"/>
-              </a:ext>
-            </a:extLst>
-          </p:cNvPr>
-          <p:cNvSpPr>
-            <a:spLocks noGrp="1"/>
-          </p:cNvSpPr>
-          <p:nvPr>
-            <p:ph type="title"/>
-          </p:nvPr>
-        </p:nvSpPr>
-        <p:spPr/>
-        <p:txBody>
-          <a:bodyPr>
-            <a:normAutofit/>
-          </a:bodyPr>
-          <a:lstStyle/>
-          <a:p>
-            <a:r>
-              <a:rPr lang="ja-JP" altLang="en-US" sz="4000" dirty="0">
-                <a:ea typeface="游ゴシック Light"/>
-                <a:cs typeface="Calibri Light"/>
-              </a:rPr>
-              <a:t>花岡</a:t>
-            </a:r>
-            <a:r>
-              <a:rPr lang="en-US" altLang="ja-JP" sz="4000" dirty="0">
-                <a:ea typeface="游ゴシック Light"/>
-                <a:cs typeface="Calibri Light"/>
-              </a:rPr>
-              <a:t>G</a:t>
-            </a:r>
-            <a:endParaRPr lang="ja-JP" altLang="en-US" sz="4000" dirty="0">
-              <a:ea typeface="游ゴシック Light"/>
-              <a:cs typeface="Calibri Light"/>
-            </a:endParaRPr>
-          </a:p>
-        </p:txBody>
-      </p:sp>
-      <p:sp>
-        <p:nvSpPr>
-          <p:cNvPr id="3" name="コンテンツ プレースホルダー 2">
-            <a:extLst>
-              <a:ext uri="{FF2B5EF4-FFF2-40B4-BE49-F238E27FC236}">
-                <a16:creationId xmlns:a16="http://schemas.microsoft.com/office/drawing/2014/main" id="{90BF6A04-841A-D916-2FC3-5DA05113F4FB}"/>
-              </a:ext>
-            </a:extLst>
-          </p:cNvPr>
-          <p:cNvSpPr>
-            <a:spLocks noGrp="1"/>
-          </p:cNvSpPr>
-          <p:nvPr>
-            <p:ph idx="1"/>
-          </p:nvPr>
-        </p:nvSpPr>
-        <p:spPr/>
-        <p:txBody>
-          <a:bodyPr vert="horz" lIns="91440" tIns="45720" rIns="91440" bIns="45720" rtlCol="0" anchor="t">
-            <a:normAutofit fontScale="92500" lnSpcReduction="10000"/>
-          </a:bodyPr>
-          <a:lstStyle/>
-          <a:p>
-            <a:pPr marL="514350" indent="-514350">
-              <a:buFont typeface="+mj-lt"/>
-              <a:buAutoNum type="arabicPeriod"/>
-            </a:pPr>
-            <a:r>
-              <a:rPr lang="ja-JP" altLang="en-US" dirty="0">
-                <a:latin typeface="+mn-ea"/>
-                <a:cs typeface="Calibri"/>
-              </a:rPr>
-              <a:t>セキュアな医用AIの学習（連合学習で対応）</a:t>
-            </a:r>
-            <a:endParaRPr lang="en-US" altLang="ja-JP" dirty="0">
-              <a:latin typeface="+mn-ea"/>
-              <a:cs typeface="Calibri"/>
-            </a:endParaRPr>
-          </a:p>
-          <a:p>
-            <a:pPr marL="971550" lvl="1" indent="-514350">
-              <a:buFont typeface="+mj-lt"/>
-              <a:buAutoNum type="arabicPeriod"/>
-            </a:pPr>
-            <a:r>
-              <a:rPr lang="ja-JP" altLang="en-US" dirty="0">
-                <a:latin typeface="+mn-ea"/>
-                <a:cs typeface="Calibri"/>
-              </a:rPr>
-              <a:t>連合学習</a:t>
-            </a:r>
-            <a:endParaRPr lang="en-US" altLang="ja-JP" dirty="0">
-              <a:latin typeface="+mn-ea"/>
-              <a:cs typeface="Calibri"/>
-            </a:endParaRPr>
-          </a:p>
-          <a:p>
-            <a:pPr marL="971550" lvl="1" indent="-514350">
-              <a:buFont typeface="+mj-lt"/>
-              <a:buAutoNum type="arabicPeriod"/>
-            </a:pPr>
-            <a:r>
-              <a:rPr lang="ja-JP" altLang="en-US" dirty="0">
-                <a:latin typeface="+mn-ea"/>
-                <a:cs typeface="Calibri"/>
-              </a:rPr>
-              <a:t>差分プライバシー </a:t>
-            </a:r>
-            <a:endParaRPr lang="en-US" altLang="ja-JP" dirty="0">
-              <a:latin typeface="+mn-ea"/>
-              <a:cs typeface="Calibri"/>
-            </a:endParaRPr>
-          </a:p>
-          <a:p>
-            <a:pPr marL="971550" lvl="1" indent="-514350">
-              <a:buFont typeface="+mj-lt"/>
-              <a:buAutoNum type="arabicPeriod"/>
-            </a:pPr>
-            <a:r>
-              <a:rPr lang="ja-JP" altLang="en-US" dirty="0">
-                <a:latin typeface="+mn-ea"/>
-                <a:cs typeface="Calibri"/>
-              </a:rPr>
-              <a:t>臨床的有用性</a:t>
-            </a:r>
-          </a:p>
-          <a:p>
-            <a:pPr marL="514350" indent="-514350">
-              <a:buFont typeface="+mj-lt"/>
-              <a:buAutoNum type="arabicPeriod"/>
-            </a:pPr>
-            <a:r>
-              <a:rPr lang="ja-JP" altLang="en-US" dirty="0">
-                <a:latin typeface="+mn-ea"/>
-                <a:cs typeface="Calibri"/>
-              </a:rPr>
-              <a:t>セキュアな医用AIの実臨床（暗号化で対応）</a:t>
-            </a:r>
-            <a:endParaRPr lang="en-US" altLang="ja-JP" dirty="0">
-              <a:latin typeface="+mn-ea"/>
-              <a:cs typeface="Calibri"/>
-            </a:endParaRPr>
-          </a:p>
-          <a:p>
-            <a:pPr marL="971550" lvl="1" indent="-514350">
-              <a:buFont typeface="+mj-lt"/>
-              <a:buAutoNum type="arabicPeriod"/>
-            </a:pPr>
-            <a:r>
-              <a:rPr lang="en-US" altLang="ja-JP" dirty="0">
-                <a:latin typeface="+mn-ea"/>
-                <a:cs typeface="Calibri"/>
-              </a:rPr>
-              <a:t>MDX</a:t>
-            </a:r>
-            <a:r>
-              <a:rPr lang="ja-JP" altLang="en-US" dirty="0">
-                <a:latin typeface="+mn-ea"/>
-                <a:cs typeface="Calibri"/>
-              </a:rPr>
-              <a:t>スーパーコンピュータ</a:t>
-            </a:r>
-            <a:endParaRPr lang="en-US" altLang="ja-JP" dirty="0">
-              <a:latin typeface="+mn-ea"/>
-              <a:cs typeface="Calibri"/>
-            </a:endParaRPr>
-          </a:p>
-          <a:p>
-            <a:pPr marL="971550" lvl="1" indent="-514350">
-              <a:buFont typeface="+mj-lt"/>
-              <a:buAutoNum type="arabicPeriod"/>
-            </a:pPr>
-            <a:r>
-              <a:rPr lang="ja-JP" altLang="en-US" dirty="0">
-                <a:latin typeface="+mn-ea"/>
-                <a:cs typeface="Calibri"/>
-              </a:rPr>
-              <a:t>セキュアファイルシステム</a:t>
-            </a:r>
-            <a:endParaRPr lang="en-US" altLang="ja-JP" dirty="0">
-              <a:latin typeface="+mn-ea"/>
-              <a:cs typeface="Calibri"/>
-            </a:endParaRPr>
-          </a:p>
-          <a:p>
-            <a:pPr marL="971550" lvl="1" indent="-514350">
-              <a:buFont typeface="+mj-lt"/>
-              <a:buAutoNum type="arabicPeriod"/>
-            </a:pPr>
-            <a:r>
-              <a:rPr lang="en-US" altLang="ja-JP" dirty="0">
-                <a:latin typeface="+mn-ea"/>
-                <a:cs typeface="Calibri"/>
-              </a:rPr>
-              <a:t>Intel S</a:t>
-            </a:r>
-            <a:r>
-              <a:rPr lang="ja-JP" altLang="en-US" dirty="0">
-                <a:latin typeface="+mn-ea"/>
-                <a:cs typeface="Calibri"/>
-              </a:rPr>
-              <a:t>GX</a:t>
-            </a:r>
-            <a:endParaRPr lang="en-US" altLang="ja-JP" dirty="0">
-              <a:latin typeface="+mn-ea"/>
-              <a:cs typeface="Calibri"/>
-            </a:endParaRPr>
-          </a:p>
-          <a:p>
-            <a:pPr marL="514350" indent="-514350">
-              <a:buFont typeface="+mj-lt"/>
-              <a:buAutoNum type="arabicPeriod"/>
-            </a:pPr>
-            <a:r>
-              <a:rPr lang="ja-JP" altLang="en-US" dirty="0">
-                <a:latin typeface="+mn-ea"/>
-                <a:cs typeface="+mn-lt"/>
-              </a:rPr>
-              <a:t>セキュアな医用データベース（差分プライバシーで対応）</a:t>
-            </a:r>
-            <a:endParaRPr lang="ja-JP" altLang="en-US" dirty="0">
-              <a:latin typeface="+mn-ea"/>
-              <a:cs typeface="Calibri"/>
-            </a:endParaRPr>
-          </a:p>
-          <a:p>
-            <a:pPr marL="971550" lvl="1" indent="-514350">
-              <a:buFont typeface="+mj-lt"/>
-              <a:buAutoNum type="arabicPeriod"/>
-            </a:pPr>
-            <a:r>
-              <a:rPr lang="ja-JP" altLang="en-US" dirty="0">
-                <a:latin typeface="+mn-ea"/>
-                <a:cs typeface="+mn-lt"/>
-              </a:rPr>
-              <a:t>医用情報の生起する確率分布をモデル化</a:t>
-            </a:r>
-            <a:endParaRPr lang="en-US" altLang="ja-JP" dirty="0">
-              <a:latin typeface="+mn-ea"/>
-              <a:cs typeface="+mn-lt"/>
-            </a:endParaRPr>
-          </a:p>
-          <a:p>
-            <a:pPr marL="971550" lvl="1" indent="-514350">
-              <a:buFont typeface="+mj-lt"/>
-              <a:buAutoNum type="arabicPeriod"/>
-            </a:pPr>
-            <a:r>
-              <a:rPr lang="ja-JP" altLang="en-US" dirty="0">
-                <a:latin typeface="+mn-ea"/>
-                <a:cs typeface="+mn-lt"/>
-              </a:rPr>
-              <a:t>差分プライバシーを満たす情報を出力</a:t>
-            </a:r>
-            <a:endParaRPr lang="en-US" altLang="ja-JP" dirty="0">
-              <a:latin typeface="+mn-ea"/>
-              <a:cs typeface="+mn-lt"/>
-            </a:endParaRPr>
-          </a:p>
-        </p:txBody>
-      </p:sp>
-    </p:spTree>
-    <p:extLst>
-      <p:ext uri="{BB962C8B-B14F-4D97-AF65-F5344CB8AC3E}">
-        <p14:creationId xmlns:p14="http://schemas.microsoft.com/office/powerpoint/2010/main" val="1958043955"/>
-      </p:ext>
-    </p:extLst>
-  </p:cSld>
-  <p:clrMapOvr>
-    <a:masterClrMapping/>
-  </p:clrMapOvr>
-</p:sld>
-</file>
-
-<file path=ppt/slides/slide5.xml><?xml version="1.0" encoding="utf-8"?>
-<p:sld xmlns:a="http://schemas.openxmlformats.org/drawingml/2006/main" xmlns:r="http://schemas.openxmlformats.org/officeDocument/2006/relationships" xmlns:p="http://schemas.openxmlformats.org/presentationml/2006/main">
-  <p:cSld>
-    <p:spTree>
-      <p:nvGrpSpPr>
-        <p:cNvPr id="1" name=""/>
-        <p:cNvGrpSpPr/>
-        <p:nvPr/>
-      </p:nvGrpSpPr>
-      <p:grpSpPr>
-        <a:xfrm>
-          <a:off x="0" y="0"/>
-          <a:ext cx="0" cy="0"/>
-          <a:chOff x="0" y="0"/>
-          <a:chExt cx="0" cy="0"/>
-        </a:xfrm>
-      </p:grpSpPr>
-      <p:sp>
-        <p:nvSpPr>
-          <p:cNvPr id="2" name="タイトル 1">
-            <a:extLst>
-              <a:ext uri="{FF2B5EF4-FFF2-40B4-BE49-F238E27FC236}">
-                <a16:creationId xmlns:a16="http://schemas.microsoft.com/office/drawing/2014/main" id="{4B6531BB-3679-4C46-B79F-11BA69578935}"/>
-              </a:ext>
-            </a:extLst>
-          </p:cNvPr>
-          <p:cNvSpPr>
-            <a:spLocks noGrp="1"/>
-          </p:cNvSpPr>
-          <p:nvPr>
-            <p:ph type="title"/>
-          </p:nvPr>
-        </p:nvSpPr>
-        <p:spPr/>
-        <p:txBody>
-          <a:bodyPr>
-            <a:normAutofit fontScale="90000"/>
-          </a:bodyPr>
-          <a:lstStyle/>
-          <a:p>
-            <a:r>
-              <a:rPr lang="en-US" altLang="ja-JP" dirty="0">
-                <a:ea typeface="游ゴシック Light"/>
-                <a:cs typeface="Calibri Light"/>
-              </a:rPr>
-              <a:t>1.</a:t>
-            </a:r>
-            <a:r>
-              <a:rPr lang="ja-JP" altLang="en-US" dirty="0">
-                <a:ea typeface="游ゴシック Light"/>
-                <a:cs typeface="Calibri Light"/>
-              </a:rPr>
-              <a:t>セキュアな医用</a:t>
-            </a:r>
-            <a:r>
-              <a:rPr lang="en-US" altLang="ja-JP" dirty="0">
-                <a:ea typeface="游ゴシック Light"/>
-                <a:cs typeface="Calibri Light"/>
-              </a:rPr>
-              <a:t>AI</a:t>
-            </a:r>
-            <a:r>
-              <a:rPr lang="ja-JP" altLang="en-US" dirty="0">
-                <a:ea typeface="游ゴシック Light"/>
-                <a:cs typeface="Calibri Light"/>
-              </a:rPr>
-              <a:t>の</a:t>
-            </a:r>
-            <a:r>
-              <a:rPr lang="ja-JP" altLang="en-US" b="1" dirty="0">
-                <a:solidFill>
-                  <a:srgbClr val="FF0000"/>
-                </a:solidFill>
-                <a:ea typeface="游ゴシック Light"/>
-                <a:cs typeface="Calibri Light"/>
-              </a:rPr>
-              <a:t>学習</a:t>
-            </a:r>
-            <a:br>
-              <a:rPr lang="en-US" altLang="ja-JP" dirty="0">
-                <a:ea typeface="游ゴシック Light"/>
-                <a:cs typeface="Calibri Light"/>
-              </a:rPr>
-            </a:br>
-            <a:r>
-              <a:rPr lang="ja-JP" altLang="en-US" dirty="0">
-                <a:ea typeface="游ゴシック Light"/>
-                <a:cs typeface="Calibri Light"/>
-              </a:rPr>
-              <a:t>（差分プライバシーで対応）</a:t>
-            </a:r>
-            <a:br>
-              <a:rPr lang="en-US" altLang="ja-JP" dirty="0">
-                <a:ea typeface="游ゴシック Light"/>
-                <a:cs typeface="Calibri Light"/>
-              </a:rPr>
-            </a:br>
-            <a:r>
-              <a:rPr lang="ja-JP" altLang="en-US" dirty="0">
-                <a:ea typeface="游ゴシック Light"/>
-                <a:cs typeface="Calibri Light"/>
-              </a:rPr>
-              <a:t>（野村研で実施）</a:t>
-            </a:r>
-            <a:endParaRPr lang="en-US" altLang="ja-JP" dirty="0">
-              <a:ea typeface="游ゴシック Light"/>
-              <a:cs typeface="Calibri Light"/>
-            </a:endParaRPr>
-          </a:p>
-        </p:txBody>
-      </p:sp>
-      <p:sp>
-        <p:nvSpPr>
-          <p:cNvPr id="4" name="フレーム 3">
-            <a:extLst>
-              <a:ext uri="{FF2B5EF4-FFF2-40B4-BE49-F238E27FC236}">
-                <a16:creationId xmlns:a16="http://schemas.microsoft.com/office/drawing/2014/main" id="{E6855EA9-A79B-4FD8-99D7-F23317A47571}"/>
-              </a:ext>
-            </a:extLst>
-          </p:cNvPr>
-          <p:cNvSpPr/>
-          <p:nvPr/>
-        </p:nvSpPr>
-        <p:spPr>
-          <a:xfrm>
-            <a:off x="498762" y="1989065"/>
-            <a:ext cx="3179619" cy="852055"/>
-          </a:xfrm>
-          <a:prstGeom prst="frame">
-            <a:avLst/>
-          </a:prstGeom>
-        </p:spPr>
-        <p:style>
-          <a:lnRef idx="1">
-            <a:schemeClr val="accent1"/>
-          </a:lnRef>
-          <a:fillRef idx="2">
-            <a:schemeClr val="accent1"/>
-          </a:fillRef>
-          <a:effectRef idx="1">
-            <a:schemeClr val="accent1"/>
-          </a:effectRef>
-          <a:fontRef idx="minor">
-            <a:schemeClr val="dk1"/>
-          </a:fontRef>
-        </p:style>
-        <p:txBody>
-          <a:bodyPr rtlCol="0" anchor="ctr"/>
-          <a:lstStyle/>
-          <a:p>
-            <a:pPr algn="ctr"/>
-            <a:r>
-              <a:rPr kumimoji="1" lang="ja-JP" altLang="en-US" b="1" dirty="0">
-                <a:solidFill>
-                  <a:schemeClr val="tx1"/>
-                </a:solidFill>
-              </a:rPr>
-              <a:t>連合学習</a:t>
-            </a:r>
-          </a:p>
-        </p:txBody>
-      </p:sp>
-      <p:sp>
-        <p:nvSpPr>
-          <p:cNvPr id="5" name="フレーム 4">
-            <a:extLst>
-              <a:ext uri="{FF2B5EF4-FFF2-40B4-BE49-F238E27FC236}">
-                <a16:creationId xmlns:a16="http://schemas.microsoft.com/office/drawing/2014/main" id="{2D3813B8-3A81-4096-9DD1-2D46721FF246}"/>
-              </a:ext>
-            </a:extLst>
-          </p:cNvPr>
-          <p:cNvSpPr/>
-          <p:nvPr/>
-        </p:nvSpPr>
-        <p:spPr>
-          <a:xfrm>
-            <a:off x="498762" y="3727376"/>
-            <a:ext cx="3179619" cy="852055"/>
-          </a:xfrm>
-          <a:prstGeom prst="frame">
-            <a:avLst/>
-          </a:prstGeom>
-        </p:spPr>
-        <p:style>
-          <a:lnRef idx="1">
-            <a:schemeClr val="accent1"/>
-          </a:lnRef>
-          <a:fillRef idx="2">
-            <a:schemeClr val="accent1"/>
-          </a:fillRef>
-          <a:effectRef idx="1">
-            <a:schemeClr val="accent1"/>
-          </a:effectRef>
-          <a:fontRef idx="minor">
-            <a:schemeClr val="dk1"/>
-          </a:fontRef>
-        </p:style>
-        <p:txBody>
-          <a:bodyPr rtlCol="0" anchor="ctr"/>
-          <a:lstStyle/>
-          <a:p>
-            <a:pPr algn="ctr"/>
-            <a:r>
-              <a:rPr kumimoji="1" lang="ja-JP" altLang="en-US" b="1" dirty="0">
-                <a:solidFill>
-                  <a:schemeClr val="tx1"/>
-                </a:solidFill>
-              </a:rPr>
-              <a:t>差分プライバシー</a:t>
-            </a:r>
-            <a:endParaRPr kumimoji="1" lang="en-US" altLang="ja-JP" b="1" dirty="0">
-              <a:solidFill>
-                <a:schemeClr val="tx1"/>
-              </a:solidFill>
-            </a:endParaRPr>
-          </a:p>
-        </p:txBody>
-      </p:sp>
-      <p:sp>
-        <p:nvSpPr>
-          <p:cNvPr id="6" name="フレーム 5">
-            <a:extLst>
-              <a:ext uri="{FF2B5EF4-FFF2-40B4-BE49-F238E27FC236}">
-                <a16:creationId xmlns:a16="http://schemas.microsoft.com/office/drawing/2014/main" id="{291D707E-AC4A-44DA-8735-0447881EB10F}"/>
-              </a:ext>
-            </a:extLst>
-          </p:cNvPr>
-          <p:cNvSpPr/>
-          <p:nvPr/>
-        </p:nvSpPr>
-        <p:spPr>
-          <a:xfrm>
-            <a:off x="498762" y="5465687"/>
-            <a:ext cx="3179619" cy="852055"/>
-          </a:xfrm>
-          <a:prstGeom prst="frame">
-            <a:avLst/>
-          </a:prstGeom>
-        </p:spPr>
-        <p:style>
-          <a:lnRef idx="1">
-            <a:schemeClr val="accent1"/>
-          </a:lnRef>
-          <a:fillRef idx="2">
-            <a:schemeClr val="accent1"/>
-          </a:fillRef>
-          <a:effectRef idx="1">
-            <a:schemeClr val="accent1"/>
-          </a:effectRef>
-          <a:fontRef idx="minor">
-            <a:schemeClr val="dk1"/>
-          </a:fontRef>
-        </p:style>
-        <p:txBody>
-          <a:bodyPr rtlCol="0" anchor="ctr"/>
-          <a:lstStyle/>
-          <a:p>
-            <a:pPr algn="ctr"/>
-            <a:r>
-              <a:rPr kumimoji="1" lang="ja-JP" altLang="en-US" b="1" dirty="0">
-                <a:solidFill>
-                  <a:schemeClr val="tx1"/>
-                </a:solidFill>
-              </a:rPr>
-              <a:t>臨床的有用性</a:t>
-            </a:r>
-            <a:endParaRPr kumimoji="1" lang="en-US" altLang="ja-JP" b="1" dirty="0">
-              <a:solidFill>
-                <a:schemeClr val="tx1"/>
-              </a:solidFill>
-            </a:endParaRPr>
-          </a:p>
-        </p:txBody>
-      </p:sp>
-      <p:sp>
-        <p:nvSpPr>
-          <p:cNvPr id="7" name="十字形 6">
-            <a:extLst>
-              <a:ext uri="{FF2B5EF4-FFF2-40B4-BE49-F238E27FC236}">
-                <a16:creationId xmlns:a16="http://schemas.microsoft.com/office/drawing/2014/main" id="{56CD034D-5B64-4203-9AB6-78C0B364F6EC}"/>
-              </a:ext>
-            </a:extLst>
-          </p:cNvPr>
-          <p:cNvSpPr/>
-          <p:nvPr/>
-        </p:nvSpPr>
-        <p:spPr>
-          <a:xfrm>
-            <a:off x="1865166" y="3091223"/>
-            <a:ext cx="446809" cy="446809"/>
-          </a:xfrm>
-          <a:prstGeom prst="plus">
-            <a:avLst>
-              <a:gd name="adj" fmla="val 39773"/>
-            </a:avLst>
-          </a:prstGeom>
-        </p:spPr>
-        <p:style>
-          <a:lnRef idx="1">
-            <a:schemeClr val="accent1"/>
-          </a:lnRef>
-          <a:fillRef idx="2">
-            <a:schemeClr val="accent1"/>
-          </a:fillRef>
-          <a:effectRef idx="1">
-            <a:schemeClr val="accent1"/>
-          </a:effectRef>
-          <a:fontRef idx="minor">
-            <a:schemeClr val="dk1"/>
-          </a:fontRef>
-        </p:style>
-        <p:txBody>
-          <a:bodyPr rtlCol="0" anchor="ctr"/>
-          <a:lstStyle/>
-          <a:p>
-            <a:pPr algn="ctr"/>
-            <a:endParaRPr kumimoji="1" lang="ja-JP" altLang="en-US"/>
-          </a:p>
-        </p:txBody>
-      </p:sp>
-      <p:sp>
-        <p:nvSpPr>
-          <p:cNvPr id="8" name="十字形 7">
-            <a:extLst>
-              <a:ext uri="{FF2B5EF4-FFF2-40B4-BE49-F238E27FC236}">
-                <a16:creationId xmlns:a16="http://schemas.microsoft.com/office/drawing/2014/main" id="{8AD57757-685D-4EB1-9E60-971DD61CEF9B}"/>
-              </a:ext>
-            </a:extLst>
-          </p:cNvPr>
-          <p:cNvSpPr/>
-          <p:nvPr/>
-        </p:nvSpPr>
-        <p:spPr>
-          <a:xfrm>
-            <a:off x="1865165" y="4833214"/>
-            <a:ext cx="446809" cy="446809"/>
-          </a:xfrm>
-          <a:prstGeom prst="plus">
-            <a:avLst>
-              <a:gd name="adj" fmla="val 39773"/>
-            </a:avLst>
-          </a:prstGeom>
-        </p:spPr>
-        <p:style>
-          <a:lnRef idx="1">
-            <a:schemeClr val="accent1"/>
-          </a:lnRef>
-          <a:fillRef idx="2">
-            <a:schemeClr val="accent1"/>
-          </a:fillRef>
-          <a:effectRef idx="1">
-            <a:schemeClr val="accent1"/>
-          </a:effectRef>
-          <a:fontRef idx="minor">
-            <a:schemeClr val="dk1"/>
-          </a:fontRef>
-        </p:style>
-        <p:txBody>
-          <a:bodyPr rtlCol="0" anchor="ctr"/>
-          <a:lstStyle/>
-          <a:p>
-            <a:pPr algn="ctr"/>
-            <a:endParaRPr kumimoji="1" lang="ja-JP" altLang="en-US"/>
-          </a:p>
-        </p:txBody>
-      </p:sp>
-      <p:sp>
-        <p:nvSpPr>
-          <p:cNvPr id="10" name="テキスト ボックス 9">
-            <a:extLst>
-              <a:ext uri="{FF2B5EF4-FFF2-40B4-BE49-F238E27FC236}">
-                <a16:creationId xmlns:a16="http://schemas.microsoft.com/office/drawing/2014/main" id="{96980FC4-9D36-493B-8FD3-A17216C75C76}"/>
-              </a:ext>
-            </a:extLst>
-          </p:cNvPr>
-          <p:cNvSpPr txBox="1"/>
-          <p:nvPr/>
-        </p:nvSpPr>
-        <p:spPr>
-          <a:xfrm>
-            <a:off x="4289326" y="4316591"/>
-            <a:ext cx="4728845" cy="2185214"/>
-          </a:xfrm>
-          <a:prstGeom prst="rect">
-            <a:avLst/>
-          </a:prstGeom>
-          <a:noFill/>
-        </p:spPr>
-        <p:txBody>
-          <a:bodyPr wrap="square" rtlCol="0">
-            <a:spAutoFit/>
-          </a:bodyPr>
-          <a:lstStyle/>
-          <a:p>
-            <a:pPr marL="285750" indent="-285750">
-              <a:buFont typeface="Wingdings" panose="05000000000000000000" pitchFamily="2" charset="2"/>
-              <a:buChar char="ü"/>
-            </a:pPr>
-            <a:r>
-              <a:rPr kumimoji="1" lang="ja-JP" altLang="en-US" sz="3200" b="1" dirty="0">
-                <a:solidFill>
-                  <a:srgbClr val="FF0000"/>
-                </a:solidFill>
-              </a:rPr>
-              <a:t>公開検証環境</a:t>
-            </a:r>
-            <a:endParaRPr kumimoji="1" lang="en-US" altLang="ja-JP" sz="3200" b="1" dirty="0">
-              <a:solidFill>
-                <a:srgbClr val="FF0000"/>
-              </a:solidFill>
-            </a:endParaRPr>
-          </a:p>
-          <a:p>
-            <a:pPr marL="742950" lvl="1" indent="-285750">
-              <a:buFont typeface="Wingdings" panose="05000000000000000000" pitchFamily="2" charset="2"/>
-              <a:buChar char="ü"/>
-            </a:pPr>
-            <a:r>
-              <a:rPr kumimoji="1" lang="ja-JP" altLang="en-US" sz="2000" b="1" dirty="0">
-                <a:solidFill>
-                  <a:srgbClr val="FF0000"/>
-                </a:solidFill>
-              </a:rPr>
-              <a:t>今回三木先生の</a:t>
-            </a:r>
-            <a:r>
-              <a:rPr kumimoji="1" lang="en-US" altLang="ja-JP" sz="2000" b="1" dirty="0">
-                <a:solidFill>
-                  <a:srgbClr val="FF0000"/>
-                </a:solidFill>
-              </a:rPr>
-              <a:t>JRS</a:t>
-            </a:r>
-            <a:r>
-              <a:rPr kumimoji="1" lang="ja-JP" altLang="en-US" sz="2000" b="1" dirty="0">
-                <a:solidFill>
-                  <a:srgbClr val="FF0000"/>
-                </a:solidFill>
-              </a:rPr>
-              <a:t>発表でも使った胸単結節データセットを使う</a:t>
-            </a:r>
-            <a:endParaRPr kumimoji="1" lang="en-US" altLang="ja-JP" sz="3600" b="1" dirty="0">
-              <a:solidFill>
-                <a:srgbClr val="FF0000"/>
-              </a:solidFill>
-            </a:endParaRPr>
-          </a:p>
-          <a:p>
-            <a:pPr marL="285750" indent="-285750">
-              <a:buFont typeface="Wingdings" panose="05000000000000000000" pitchFamily="2" charset="2"/>
-              <a:buChar char="ü"/>
-              <a:defRPr/>
-            </a:pPr>
-            <a:r>
-              <a:rPr kumimoji="1" lang="ja-JP" altLang="en-US" sz="3200" b="1" dirty="0">
-                <a:solidFill>
-                  <a:srgbClr val="FF0000"/>
-                </a:solidFill>
-                <a:latin typeface="Calibri" panose="020F0502020204030204"/>
-                <a:ea typeface="游ゴシック" panose="020B0400000000000000" pitchFamily="50" charset="-128"/>
-              </a:rPr>
-              <a:t>非同期学習</a:t>
-            </a:r>
-            <a:endParaRPr kumimoji="1" lang="en-US" altLang="ja-JP" sz="3200" b="1" dirty="0">
-              <a:solidFill>
-                <a:prstClr val="black"/>
-              </a:solidFill>
-              <a:latin typeface="Calibri" panose="020F0502020204030204"/>
-              <a:ea typeface="游ゴシック" panose="020B0400000000000000" pitchFamily="50" charset="-128"/>
-            </a:endParaRPr>
-          </a:p>
-          <a:p>
-            <a:pPr marL="285750" indent="-285750">
-              <a:buFont typeface="Wingdings" panose="05000000000000000000" pitchFamily="2" charset="2"/>
-              <a:buChar char="ü"/>
-              <a:defRPr/>
-            </a:pPr>
-            <a:r>
-              <a:rPr kumimoji="1" lang="ja-JP" altLang="en-US" sz="3200" b="1" dirty="0">
-                <a:solidFill>
-                  <a:srgbClr val="FF0000"/>
-                </a:solidFill>
-                <a:latin typeface="Calibri" panose="020F0502020204030204"/>
-                <a:ea typeface="游ゴシック" panose="020B0400000000000000" pitchFamily="50" charset="-128"/>
-              </a:rPr>
-              <a:t>半教師あり学習</a:t>
-            </a:r>
-            <a:endParaRPr kumimoji="1" lang="en-US" altLang="ja-JP" sz="3200" dirty="0">
-              <a:solidFill>
-                <a:prstClr val="black"/>
-              </a:solidFill>
-              <a:latin typeface="Calibri" panose="020F0502020204030204"/>
-              <a:ea typeface="游ゴシック" panose="020B0400000000000000" pitchFamily="50" charset="-128"/>
-            </a:endParaRPr>
-          </a:p>
-        </p:txBody>
-      </p:sp>
-    </p:spTree>
-    <p:extLst>
-      <p:ext uri="{BB962C8B-B14F-4D97-AF65-F5344CB8AC3E}">
-        <p14:creationId xmlns:p14="http://schemas.microsoft.com/office/powerpoint/2010/main" val="731790447"/>
-      </p:ext>
-    </p:extLst>
-  </p:cSld>
-  <p:clrMapOvr>
-    <a:masterClrMapping/>
-  </p:clrMapOvr>
-</p:sld>
-</file>
-
-<file path=ppt/slides/slide6.xml><?xml version="1.0" encoding="utf-8"?>
-<p:sld xmlns:a="http://schemas.openxmlformats.org/drawingml/2006/main" xmlns:r="http://schemas.openxmlformats.org/officeDocument/2006/relationships" xmlns:p="http://schemas.openxmlformats.org/presentationml/2006/main">
-  <p:cSld>
-    <p:spTree>
-      <p:nvGrpSpPr>
-        <p:cNvPr id="1" name=""/>
-        <p:cNvGrpSpPr/>
-        <p:nvPr/>
-      </p:nvGrpSpPr>
-      <p:grpSpPr>
-        <a:xfrm>
-          <a:off x="0" y="0"/>
-          <a:ext cx="0" cy="0"/>
-          <a:chOff x="0" y="0"/>
-          <a:chExt cx="0" cy="0"/>
-        </a:xfrm>
-      </p:grpSpPr>
-      <p:sp>
-        <p:nvSpPr>
-          <p:cNvPr id="9" name="正方形/長方形 8">
-            <a:extLst>
-              <a:ext uri="{FF2B5EF4-FFF2-40B4-BE49-F238E27FC236}">
-                <a16:creationId xmlns:a16="http://schemas.microsoft.com/office/drawing/2014/main" id="{2480318B-51E5-42A5-DD61-ECD6D8ECF59C}"/>
-              </a:ext>
-            </a:extLst>
-          </p:cNvPr>
-          <p:cNvSpPr/>
-          <p:nvPr/>
-        </p:nvSpPr>
-        <p:spPr>
-          <a:xfrm>
-            <a:off x="3482754" y="2536070"/>
-            <a:ext cx="4561723" cy="3859730"/>
-          </a:xfrm>
-          <a:prstGeom prst="rect">
-            <a:avLst/>
-          </a:prstGeom>
-          <a:solidFill>
-            <a:schemeClr val="accent1">
-              <a:lumMod val="40000"/>
-              <a:lumOff val="60000"/>
-            </a:schemeClr>
-          </a:solidFill>
-          <a:ln>
-            <a:noFill/>
-          </a:ln>
-        </p:spPr>
-        <p:style>
-          <a:lnRef idx="2">
-            <a:schemeClr val="accent2"/>
-          </a:lnRef>
-          <a:fillRef idx="1">
-            <a:schemeClr val="lt1"/>
-          </a:fillRef>
-          <a:effectRef idx="0">
-            <a:schemeClr val="accent2"/>
-          </a:effectRef>
-          <a:fontRef idx="minor">
-            <a:schemeClr val="dk1"/>
-          </a:fontRef>
-        </p:style>
-        <p:txBody>
-          <a:bodyPr rtlCol="0" anchor="b"/>
-          <a:lstStyle/>
-          <a:p>
-            <a:pPr algn="ctr"/>
-            <a:r>
-              <a:rPr lang="en-US" altLang="ja-JP" sz="2800" dirty="0">
-                <a:solidFill>
-                  <a:schemeClr val="tx1"/>
-                </a:solidFill>
-                <a:ea typeface="游ゴシック"/>
-                <a:cs typeface="Calibri"/>
-              </a:rPr>
-              <a:t>MDX supercomputer</a:t>
-            </a:r>
-            <a:endParaRPr lang="ja-JP" altLang="en-US" sz="2800" dirty="0">
-              <a:solidFill>
-                <a:schemeClr val="tx1"/>
-              </a:solidFill>
-            </a:endParaRPr>
-          </a:p>
-        </p:txBody>
-      </p:sp>
-      <p:sp>
-        <p:nvSpPr>
-          <p:cNvPr id="10" name="正方形/長方形 9">
-            <a:extLst>
-              <a:ext uri="{FF2B5EF4-FFF2-40B4-BE49-F238E27FC236}">
-                <a16:creationId xmlns:a16="http://schemas.microsoft.com/office/drawing/2014/main" id="{2480318B-51E5-42A5-DD61-ECD6D8ECF59C}"/>
-              </a:ext>
-            </a:extLst>
-          </p:cNvPr>
-          <p:cNvSpPr/>
-          <p:nvPr/>
-        </p:nvSpPr>
-        <p:spPr>
-          <a:xfrm>
-            <a:off x="3911599" y="2999136"/>
-            <a:ext cx="3746501" cy="2842863"/>
-          </a:xfrm>
-          <a:prstGeom prst="rect">
-            <a:avLst/>
-          </a:prstGeom>
-          <a:solidFill>
-            <a:schemeClr val="accent1">
-              <a:lumMod val="60000"/>
-              <a:lumOff val="40000"/>
-            </a:schemeClr>
-          </a:solidFill>
-          <a:ln>
-            <a:noFill/>
-          </a:ln>
-        </p:spPr>
-        <p:style>
-          <a:lnRef idx="2">
-            <a:schemeClr val="accent1">
-              <a:shade val="50000"/>
-            </a:schemeClr>
-          </a:lnRef>
-          <a:fillRef idx="1">
-            <a:schemeClr val="accent1"/>
-          </a:fillRef>
-          <a:effectRef idx="0">
-            <a:schemeClr val="accent1"/>
-          </a:effectRef>
-          <a:fontRef idx="minor">
-            <a:schemeClr val="lt1"/>
-          </a:fontRef>
-        </p:style>
-        <p:txBody>
-          <a:bodyPr rtlCol="0" anchor="b"/>
-          <a:lstStyle/>
-          <a:p>
-            <a:pPr algn="ctr"/>
-            <a:r>
-              <a:rPr lang="en-US" altLang="ja-JP" sz="2800" dirty="0">
-                <a:solidFill>
-                  <a:schemeClr val="tx1"/>
-                </a:solidFill>
-                <a:ea typeface="游ゴシック"/>
-                <a:cs typeface="Calibri"/>
-              </a:rPr>
-              <a:t>Secure FS</a:t>
-            </a:r>
-            <a:endParaRPr lang="ja-JP" altLang="en-US" sz="2800" dirty="0">
-              <a:solidFill>
-                <a:schemeClr val="tx1"/>
-              </a:solidFill>
-            </a:endParaRPr>
-          </a:p>
-        </p:txBody>
-      </p:sp>
-      <p:sp>
-        <p:nvSpPr>
-          <p:cNvPr id="11" name="正方形/長方形 10">
-            <a:extLst>
-              <a:ext uri="{FF2B5EF4-FFF2-40B4-BE49-F238E27FC236}">
-                <a16:creationId xmlns:a16="http://schemas.microsoft.com/office/drawing/2014/main" id="{2480318B-51E5-42A5-DD61-ECD6D8ECF59C}"/>
-              </a:ext>
-            </a:extLst>
-          </p:cNvPr>
-          <p:cNvSpPr/>
-          <p:nvPr/>
-        </p:nvSpPr>
-        <p:spPr>
-          <a:xfrm>
-            <a:off x="4152900" y="3174999"/>
-            <a:ext cx="3276600" cy="2146301"/>
-          </a:xfrm>
-          <a:prstGeom prst="rect">
-            <a:avLst/>
-          </a:prstGeom>
-          <a:solidFill>
-            <a:schemeClr val="accent1">
-              <a:lumMod val="75000"/>
-            </a:schemeClr>
-          </a:solidFill>
-          <a:ln>
-            <a:noFill/>
-          </a:ln>
-        </p:spPr>
-        <p:style>
-          <a:lnRef idx="2">
-            <a:schemeClr val="accent1">
-              <a:shade val="50000"/>
-            </a:schemeClr>
-          </a:lnRef>
-          <a:fillRef idx="1">
-            <a:schemeClr val="accent1"/>
-          </a:fillRef>
-          <a:effectRef idx="0">
-            <a:schemeClr val="accent1"/>
-          </a:effectRef>
-          <a:fontRef idx="minor">
-            <a:schemeClr val="lt1"/>
-          </a:fontRef>
-        </p:style>
-        <p:txBody>
-          <a:bodyPr rtlCol="0" anchor="b"/>
-          <a:lstStyle/>
-          <a:p>
-            <a:pPr algn="ctr"/>
-            <a:r>
-              <a:rPr lang="en-US" altLang="ja-JP" sz="2800" dirty="0">
-                <a:solidFill>
-                  <a:schemeClr val="tx1"/>
-                </a:solidFill>
-                <a:ea typeface="游ゴシック"/>
-                <a:cs typeface="Calibri"/>
-              </a:rPr>
-              <a:t>Intel SGX</a:t>
-            </a:r>
-            <a:endParaRPr lang="ja-JP" altLang="en-US" sz="2800" dirty="0">
-              <a:solidFill>
-                <a:schemeClr val="tx1"/>
-              </a:solidFill>
-            </a:endParaRPr>
-          </a:p>
-        </p:txBody>
-      </p:sp>
-      <p:sp>
-        <p:nvSpPr>
-          <p:cNvPr id="2" name="タイトル 1">
-            <a:extLst>
-              <a:ext uri="{FF2B5EF4-FFF2-40B4-BE49-F238E27FC236}">
-                <a16:creationId xmlns:a16="http://schemas.microsoft.com/office/drawing/2014/main" id="{06C4273A-13CE-EE46-48FB-CFF0388FFDA0}"/>
-              </a:ext>
-            </a:extLst>
-          </p:cNvPr>
-          <p:cNvSpPr>
-            <a:spLocks noGrp="1"/>
-          </p:cNvSpPr>
-          <p:nvPr>
-            <p:ph type="title"/>
-          </p:nvPr>
-        </p:nvSpPr>
-        <p:spPr/>
-        <p:txBody>
-          <a:bodyPr>
-            <a:normAutofit fontScale="90000"/>
-          </a:bodyPr>
-          <a:lstStyle/>
-          <a:p>
-            <a:r>
-              <a:rPr lang="en-US" altLang="ja-JP" dirty="0">
-                <a:latin typeface="+mn-ea"/>
-                <a:cs typeface="Calibri"/>
-              </a:rPr>
-              <a:t>2.</a:t>
-            </a:r>
-            <a:r>
-              <a:rPr lang="ja-JP" altLang="en-US" dirty="0">
-                <a:latin typeface="+mn-ea"/>
-                <a:cs typeface="Calibri"/>
-              </a:rPr>
-              <a:t>セキュアな医用AIの</a:t>
-            </a:r>
-            <a:r>
-              <a:rPr lang="ja-JP" altLang="en-US" b="1" dirty="0">
-                <a:solidFill>
-                  <a:srgbClr val="FF0000"/>
-                </a:solidFill>
-                <a:latin typeface="+mn-ea"/>
-                <a:cs typeface="Calibri"/>
-              </a:rPr>
-              <a:t>実臨床</a:t>
-            </a:r>
-            <a:br>
-              <a:rPr lang="en-US" altLang="ja-JP" dirty="0">
-                <a:latin typeface="+mn-ea"/>
-                <a:cs typeface="Calibri"/>
-              </a:rPr>
-            </a:br>
-            <a:r>
-              <a:rPr lang="ja-JP" altLang="en-US" dirty="0">
-                <a:latin typeface="+mn-ea"/>
-                <a:cs typeface="Calibri"/>
-              </a:rPr>
-              <a:t>（暗号化で対応）（塙</a:t>
-            </a:r>
-            <a:r>
-              <a:rPr lang="en-US" altLang="ja-JP" dirty="0">
-                <a:latin typeface="+mn-ea"/>
-                <a:cs typeface="Calibri"/>
-              </a:rPr>
-              <a:t>G</a:t>
-            </a:r>
-            <a:r>
-              <a:rPr lang="ja-JP" altLang="en-US" dirty="0">
-                <a:latin typeface="+mn-ea"/>
-                <a:cs typeface="Calibri"/>
-              </a:rPr>
-              <a:t>と実施）</a:t>
-            </a:r>
-            <a:endParaRPr lang="ja-JP" altLang="en-US" dirty="0"/>
-          </a:p>
-        </p:txBody>
-      </p:sp>
-      <p:sp>
-        <p:nvSpPr>
-          <p:cNvPr id="4" name="テキスト ボックス 3">
-            <a:extLst>
-              <a:ext uri="{FF2B5EF4-FFF2-40B4-BE49-F238E27FC236}">
-                <a16:creationId xmlns:a16="http://schemas.microsoft.com/office/drawing/2014/main" id="{97A567CA-1670-C641-35B3-E730A2B176BE}"/>
-              </a:ext>
-            </a:extLst>
-          </p:cNvPr>
-          <p:cNvSpPr txBox="1"/>
-          <p:nvPr/>
-        </p:nvSpPr>
-        <p:spPr>
-          <a:xfrm>
-            <a:off x="565104" y="2779603"/>
-            <a:ext cx="2854185" cy="3162299"/>
-          </a:xfrm>
-          <a:prstGeom prst="rect">
-            <a:avLst/>
-          </a:prstGeom>
-          <a:solidFill>
-            <a:schemeClr val="tx1"/>
-          </a:solidFill>
-          <a:ln>
-            <a:solidFill>
-              <a:schemeClr val="tx2">
-                <a:lumMod val="50000"/>
-              </a:schemeClr>
-            </a:solidFill>
-          </a:ln>
-        </p:spPr>
-        <p:txBody>
-          <a:bodyPr rot="0" spcFirstLastPara="0" vertOverflow="overflow" horzOverflow="overflow" vert="horz" wrap="square" lIns="91440" tIns="45720" rIns="91440" bIns="45720" numCol="1" spcCol="0" rtlCol="0" fromWordArt="0" anchor="t" anchorCtr="0" forceAA="0" compatLnSpc="1">
-            <a:prstTxWarp prst="textNoShape">
-              <a:avLst/>
-            </a:prstTxWarp>
-            <a:noAutofit/>
-          </a:bodyPr>
-          <a:lstStyle/>
-          <a:p>
-            <a:pPr algn="l"/>
-            <a:r>
-              <a:rPr lang="ja-JP" altLang="en-US" b="1" dirty="0">
-                <a:solidFill>
-                  <a:schemeClr val="bg1"/>
-                </a:solidFill>
-                <a:ea typeface="游ゴシック"/>
-              </a:rPr>
-              <a:t>病院・医院</a:t>
-            </a:r>
-            <a:endParaRPr lang="ja-JP" altLang="en-US" b="1" dirty="0">
-              <a:solidFill>
-                <a:schemeClr val="bg1"/>
-              </a:solidFill>
-            </a:endParaRPr>
-          </a:p>
-        </p:txBody>
-      </p:sp>
-      <p:cxnSp>
-        <p:nvCxnSpPr>
-          <p:cNvPr id="8" name="直線矢印コネクタ 7">
-            <a:extLst>
-              <a:ext uri="{FF2B5EF4-FFF2-40B4-BE49-F238E27FC236}">
-                <a16:creationId xmlns:a16="http://schemas.microsoft.com/office/drawing/2014/main" id="{9CEEEACD-C8F8-9880-B46C-FC3E853E8B9A}"/>
-              </a:ext>
-            </a:extLst>
-          </p:cNvPr>
-          <p:cNvCxnSpPr>
-            <a:cxnSpLocks/>
-          </p:cNvCxnSpPr>
-          <p:nvPr/>
-        </p:nvCxnSpPr>
-        <p:spPr>
-          <a:xfrm>
-            <a:off x="3165408" y="3592182"/>
-            <a:ext cx="1533592" cy="6896"/>
-          </a:xfrm>
-          <a:prstGeom prst="straightConnector1">
-            <a:avLst/>
-          </a:prstGeom>
-          <a:ln w="76200">
-            <a:solidFill>
-              <a:srgbClr val="FF0000"/>
-            </a:solidFill>
-            <a:tailEnd type="triangle"/>
-          </a:ln>
-        </p:spPr>
-        <p:style>
-          <a:lnRef idx="1">
-            <a:schemeClr val="accent1"/>
-          </a:lnRef>
-          <a:fillRef idx="0">
-            <a:schemeClr val="accent1"/>
-          </a:fillRef>
-          <a:effectRef idx="0">
-            <a:schemeClr val="accent1"/>
-          </a:effectRef>
-          <a:fontRef idx="minor">
-            <a:schemeClr val="tx1"/>
-          </a:fontRef>
-        </p:style>
-      </p:cxnSp>
-      <p:cxnSp>
-        <p:nvCxnSpPr>
-          <p:cNvPr id="23" name="直線矢印コネクタ 22">
-            <a:extLst>
-              <a:ext uri="{FF2B5EF4-FFF2-40B4-BE49-F238E27FC236}">
-                <a16:creationId xmlns:a16="http://schemas.microsoft.com/office/drawing/2014/main" id="{9CEEEACD-C8F8-9880-B46C-FC3E853E8B9A}"/>
-              </a:ext>
-            </a:extLst>
-          </p:cNvPr>
-          <p:cNvCxnSpPr>
-            <a:cxnSpLocks/>
-          </p:cNvCxnSpPr>
-          <p:nvPr/>
-        </p:nvCxnSpPr>
-        <p:spPr>
-          <a:xfrm>
-            <a:off x="5569924" y="3568700"/>
-            <a:ext cx="386376" cy="0"/>
-          </a:xfrm>
-          <a:prstGeom prst="straightConnector1">
-            <a:avLst/>
-          </a:prstGeom>
-          <a:ln w="76200">
-            <a:solidFill>
-              <a:srgbClr val="FF0000"/>
-            </a:solidFill>
-            <a:tailEnd type="triangle"/>
-          </a:ln>
-        </p:spPr>
-        <p:style>
-          <a:lnRef idx="1">
-            <a:schemeClr val="accent1"/>
-          </a:lnRef>
-          <a:fillRef idx="0">
-            <a:schemeClr val="accent1"/>
-          </a:fillRef>
-          <a:effectRef idx="0">
-            <a:schemeClr val="accent1"/>
-          </a:effectRef>
-          <a:fontRef idx="minor">
-            <a:schemeClr val="tx1"/>
-          </a:fontRef>
-        </p:style>
-      </p:cxnSp>
-      <p:cxnSp>
-        <p:nvCxnSpPr>
-          <p:cNvPr id="26" name="直線矢印コネクタ 25">
-            <a:extLst>
-              <a:ext uri="{FF2B5EF4-FFF2-40B4-BE49-F238E27FC236}">
-                <a16:creationId xmlns:a16="http://schemas.microsoft.com/office/drawing/2014/main" id="{9CEEEACD-C8F8-9880-B46C-FC3E853E8B9A}"/>
-              </a:ext>
-            </a:extLst>
-          </p:cNvPr>
-          <p:cNvCxnSpPr>
-            <a:cxnSpLocks/>
-          </p:cNvCxnSpPr>
-          <p:nvPr/>
-        </p:nvCxnSpPr>
-        <p:spPr>
-          <a:xfrm flipH="1">
-            <a:off x="5609525" y="4360754"/>
-            <a:ext cx="346775" cy="0"/>
-          </a:xfrm>
-          <a:prstGeom prst="straightConnector1">
-            <a:avLst/>
-          </a:prstGeom>
-          <a:ln w="76200">
-            <a:solidFill>
-              <a:srgbClr val="FF0000"/>
-            </a:solidFill>
-            <a:tailEnd type="triangle"/>
-          </a:ln>
-        </p:spPr>
-        <p:style>
-          <a:lnRef idx="1">
-            <a:schemeClr val="accent1"/>
-          </a:lnRef>
-          <a:fillRef idx="0">
-            <a:schemeClr val="accent1"/>
-          </a:fillRef>
-          <a:effectRef idx="0">
-            <a:schemeClr val="accent1"/>
-          </a:effectRef>
-          <a:fontRef idx="minor">
-            <a:schemeClr val="tx1"/>
-          </a:fontRef>
-        </p:style>
-      </p:cxnSp>
-      <p:cxnSp>
-        <p:nvCxnSpPr>
-          <p:cNvPr id="29" name="直線矢印コネクタ 28">
-            <a:extLst>
-              <a:ext uri="{FF2B5EF4-FFF2-40B4-BE49-F238E27FC236}">
-                <a16:creationId xmlns:a16="http://schemas.microsoft.com/office/drawing/2014/main" id="{9CEEEACD-C8F8-9880-B46C-FC3E853E8B9A}"/>
-              </a:ext>
-            </a:extLst>
-          </p:cNvPr>
-          <p:cNvCxnSpPr>
-            <a:cxnSpLocks/>
-          </p:cNvCxnSpPr>
-          <p:nvPr/>
-        </p:nvCxnSpPr>
-        <p:spPr>
-          <a:xfrm flipH="1">
-            <a:off x="3222078" y="4360754"/>
-            <a:ext cx="1476922" cy="719569"/>
-          </a:xfrm>
-          <a:prstGeom prst="straightConnector1">
-            <a:avLst/>
-          </a:prstGeom>
-          <a:ln w="76200">
-            <a:solidFill>
-              <a:srgbClr val="FF0000"/>
-            </a:solidFill>
-            <a:tailEnd type="triangle"/>
-          </a:ln>
-        </p:spPr>
-        <p:style>
-          <a:lnRef idx="1">
-            <a:schemeClr val="accent1"/>
-          </a:lnRef>
-          <a:fillRef idx="0">
-            <a:schemeClr val="accent1"/>
-          </a:fillRef>
-          <a:effectRef idx="0">
-            <a:schemeClr val="accent1"/>
-          </a:effectRef>
-          <a:fontRef idx="minor">
-            <a:schemeClr val="tx1"/>
-          </a:fontRef>
-        </p:style>
-      </p:cxnSp>
-      <p:pic>
-        <p:nvPicPr>
-          <p:cNvPr id="1026" name="Picture 2" descr="写真の説明はありません。"/>
-          <p:cNvPicPr>
-            <a:picLocks noChangeAspect="1" noChangeArrowheads="1"/>
-          </p:cNvPicPr>
-          <p:nvPr/>
-        </p:nvPicPr>
-        <p:blipFill>
-          <a:blip r:embed="rId2" cstate="hqprint">
-            <a:extLst>
-              <a:ext uri="{28A0092B-C50C-407E-A947-70E740481C1C}">
-                <a14:useLocalDpi xmlns:a14="http://schemas.microsoft.com/office/drawing/2010/main" val="0"/>
-              </a:ext>
-            </a:extLst>
-          </a:blip>
-          <a:srcRect/>
-          <a:stretch>
-            <a:fillRect/>
-          </a:stretch>
-        </p:blipFill>
-        <p:spPr bwMode="auto">
-          <a:xfrm>
-            <a:off x="764598" y="3159221"/>
-            <a:ext cx="1118110" cy="1118110"/>
-          </a:xfrm>
-          <a:prstGeom prst="rect">
-            <a:avLst/>
-          </a:prstGeom>
-          <a:noFill/>
-          <a:extLst>
-            <a:ext uri="{909E8E84-426E-40DD-AFC4-6F175D3DCCD1}">
-              <a14:hiddenFill xmlns:a14="http://schemas.microsoft.com/office/drawing/2010/main">
-                <a:solidFill>
-                  <a:srgbClr val="FFFFFF"/>
-                </a:solidFill>
-              </a14:hiddenFill>
-            </a:ext>
-          </a:extLst>
-        </p:spPr>
-      </p:pic>
-      <p:cxnSp>
-        <p:nvCxnSpPr>
-          <p:cNvPr id="37" name="直線矢印コネクタ 36"/>
-          <p:cNvCxnSpPr>
-            <a:cxnSpLocks/>
-          </p:cNvCxnSpPr>
-          <p:nvPr/>
-        </p:nvCxnSpPr>
-        <p:spPr>
-          <a:xfrm>
-            <a:off x="1882708" y="3599078"/>
-            <a:ext cx="374593" cy="5946"/>
-          </a:xfrm>
-          <a:prstGeom prst="straightConnector1">
-            <a:avLst/>
-          </a:prstGeom>
-          <a:ln w="76200">
-            <a:solidFill>
-              <a:srgbClr val="FF0000"/>
-            </a:solidFill>
-            <a:tailEnd type="triangle"/>
-          </a:ln>
-        </p:spPr>
-        <p:style>
-          <a:lnRef idx="1">
-            <a:schemeClr val="accent1"/>
-          </a:lnRef>
-          <a:fillRef idx="0">
-            <a:schemeClr val="accent1"/>
-          </a:fillRef>
-          <a:effectRef idx="0">
-            <a:schemeClr val="accent1"/>
-          </a:effectRef>
-          <a:fontRef idx="minor">
-            <a:schemeClr val="tx1"/>
-          </a:fontRef>
-        </p:style>
-      </p:cxnSp>
-      <p:pic>
-        <p:nvPicPr>
-          <p:cNvPr id="41" name="Picture 2" descr="写真の説明はありません。"/>
-          <p:cNvPicPr>
-            <a:picLocks noChangeAspect="1" noChangeArrowheads="1"/>
-          </p:cNvPicPr>
-          <p:nvPr/>
-        </p:nvPicPr>
-        <p:blipFill>
-          <a:blip r:embed="rId2" cstate="hqprint">
-            <a:extLst>
-              <a:ext uri="{28A0092B-C50C-407E-A947-70E740481C1C}">
-                <a14:useLocalDpi xmlns:a14="http://schemas.microsoft.com/office/drawing/2010/main" val="0"/>
-              </a:ext>
-            </a:extLst>
-          </a:blip>
-          <a:srcRect/>
-          <a:stretch>
-            <a:fillRect/>
-          </a:stretch>
-        </p:blipFill>
-        <p:spPr bwMode="auto">
-          <a:xfrm>
-            <a:off x="764598" y="4572351"/>
-            <a:ext cx="1118110" cy="1118110"/>
-          </a:xfrm>
-          <a:prstGeom prst="rect">
-            <a:avLst/>
-          </a:prstGeom>
-          <a:noFill/>
-          <a:extLst>
-            <a:ext uri="{909E8E84-426E-40DD-AFC4-6F175D3DCCD1}">
-              <a14:hiddenFill xmlns:a14="http://schemas.microsoft.com/office/drawing/2010/main">
-                <a:solidFill>
-                  <a:srgbClr val="FFFFFF"/>
-                </a:solidFill>
-              </a14:hiddenFill>
-            </a:ext>
-          </a:extLst>
-        </p:spPr>
-      </p:pic>
-      <p:sp>
-        <p:nvSpPr>
-          <p:cNvPr id="42" name="楕円 41"/>
-          <p:cNvSpPr/>
-          <p:nvPr/>
-        </p:nvSpPr>
-        <p:spPr>
-          <a:xfrm flipV="1">
-            <a:off x="1564928" y="5143544"/>
-            <a:ext cx="178362" cy="178362"/>
-          </a:xfrm>
-          <a:prstGeom prst="ellipse">
-            <a:avLst/>
-          </a:prstGeom>
-          <a:noFill/>
-          <a:ln w="38100">
-            <a:solidFill>
-              <a:srgbClr val="FF0000"/>
-            </a:solidFill>
-          </a:ln>
-        </p:spPr>
-        <p:style>
-          <a:lnRef idx="2">
-            <a:schemeClr val="accent1">
-              <a:shade val="50000"/>
-            </a:schemeClr>
-          </a:lnRef>
-          <a:fillRef idx="1">
-            <a:schemeClr val="accent1"/>
-          </a:fillRef>
-          <a:effectRef idx="0">
-            <a:schemeClr val="accent1"/>
-          </a:effectRef>
-          <a:fontRef idx="minor">
-            <a:schemeClr val="lt1"/>
-          </a:fontRef>
-        </p:style>
-        <p:txBody>
-          <a:bodyPr rtlCol="0" anchor="ctr"/>
-          <a:lstStyle/>
-          <a:p>
-            <a:pPr algn="ctr"/>
-            <a:endParaRPr kumimoji="1" lang="ja-JP" altLang="en-US"/>
-          </a:p>
-        </p:txBody>
-      </p:sp>
-      <p:cxnSp>
-        <p:nvCxnSpPr>
-          <p:cNvPr id="27" name="直線矢印コネクタ 26">
-            <a:extLst>
-              <a:ext uri="{FF2B5EF4-FFF2-40B4-BE49-F238E27FC236}">
-                <a16:creationId xmlns:a16="http://schemas.microsoft.com/office/drawing/2014/main" id="{63FBFD75-5502-407E-BC2E-713C702A19A6}"/>
-              </a:ext>
-            </a:extLst>
-          </p:cNvPr>
-          <p:cNvCxnSpPr>
-            <a:cxnSpLocks/>
-          </p:cNvCxnSpPr>
-          <p:nvPr/>
-        </p:nvCxnSpPr>
-        <p:spPr>
-          <a:xfrm flipH="1">
-            <a:off x="1882708" y="5113815"/>
-            <a:ext cx="410856" cy="0"/>
-          </a:xfrm>
-          <a:prstGeom prst="straightConnector1">
-            <a:avLst/>
-          </a:prstGeom>
-          <a:ln w="76200">
-            <a:solidFill>
-              <a:srgbClr val="FF0000"/>
-            </a:solidFill>
-            <a:tailEnd type="triangle"/>
-          </a:ln>
-        </p:spPr>
-        <p:style>
-          <a:lnRef idx="1">
-            <a:schemeClr val="accent1"/>
-          </a:lnRef>
-          <a:fillRef idx="0">
-            <a:schemeClr val="accent1"/>
-          </a:fillRef>
-          <a:effectRef idx="0">
-            <a:schemeClr val="accent1"/>
-          </a:effectRef>
-          <a:fontRef idx="minor">
-            <a:schemeClr val="tx1"/>
-          </a:fontRef>
-        </p:style>
-      </p:cxnSp>
-      <p:sp>
-        <p:nvSpPr>
-          <p:cNvPr id="16" name="正方形/長方形 15">
-            <a:extLst>
-              <a:ext uri="{FF2B5EF4-FFF2-40B4-BE49-F238E27FC236}">
-                <a16:creationId xmlns:a16="http://schemas.microsoft.com/office/drawing/2014/main" id="{D8497200-CA1C-4FDD-A5AD-81F5E9AF330C}"/>
-              </a:ext>
-            </a:extLst>
-          </p:cNvPr>
-          <p:cNvSpPr/>
-          <p:nvPr/>
-        </p:nvSpPr>
-        <p:spPr>
-          <a:xfrm>
-            <a:off x="2248306" y="3326558"/>
-            <a:ext cx="917102" cy="531248"/>
-          </a:xfrm>
-          <a:prstGeom prst="rect">
-            <a:avLst/>
-          </a:prstGeom>
-          <a:ln>
-            <a:solidFill>
-              <a:schemeClr val="bg1"/>
-            </a:solidFill>
-          </a:ln>
-        </p:spPr>
-        <p:style>
-          <a:lnRef idx="2">
-            <a:schemeClr val="dk1">
-              <a:shade val="50000"/>
-            </a:schemeClr>
-          </a:lnRef>
-          <a:fillRef idx="1">
-            <a:schemeClr val="dk1"/>
-          </a:fillRef>
-          <a:effectRef idx="0">
-            <a:schemeClr val="dk1"/>
-          </a:effectRef>
-          <a:fontRef idx="minor">
-            <a:schemeClr val="lt1"/>
-          </a:fontRef>
-        </p:style>
-        <p:txBody>
-          <a:bodyPr rtlCol="0" anchor="ctr"/>
-          <a:lstStyle/>
-          <a:p>
-            <a:pPr algn="ctr"/>
-            <a:r>
-              <a:rPr kumimoji="1" lang="ja-JP" altLang="en-US" dirty="0"/>
-              <a:t>暗号化</a:t>
-            </a:r>
-          </a:p>
-        </p:txBody>
-      </p:sp>
-      <p:sp>
-        <p:nvSpPr>
-          <p:cNvPr id="30" name="正方形/長方形 29">
-            <a:extLst>
-              <a:ext uri="{FF2B5EF4-FFF2-40B4-BE49-F238E27FC236}">
-                <a16:creationId xmlns:a16="http://schemas.microsoft.com/office/drawing/2014/main" id="{A62ACAA8-52B3-43B0-AAD2-0339E259EB70}"/>
-              </a:ext>
-            </a:extLst>
-          </p:cNvPr>
-          <p:cNvSpPr/>
-          <p:nvPr/>
-        </p:nvSpPr>
-        <p:spPr>
-          <a:xfrm>
-            <a:off x="2295562" y="4857156"/>
-            <a:ext cx="917102" cy="531248"/>
-          </a:xfrm>
-          <a:prstGeom prst="rect">
-            <a:avLst/>
-          </a:prstGeom>
-          <a:ln>
-            <a:solidFill>
-              <a:schemeClr val="bg1"/>
-            </a:solidFill>
-          </a:ln>
-        </p:spPr>
-        <p:style>
-          <a:lnRef idx="2">
-            <a:schemeClr val="dk1">
-              <a:shade val="50000"/>
-            </a:schemeClr>
-          </a:lnRef>
-          <a:fillRef idx="1">
-            <a:schemeClr val="dk1"/>
-          </a:fillRef>
-          <a:effectRef idx="0">
-            <a:schemeClr val="dk1"/>
-          </a:effectRef>
-          <a:fontRef idx="minor">
-            <a:schemeClr val="lt1"/>
-          </a:fontRef>
-        </p:style>
-        <p:txBody>
-          <a:bodyPr rtlCol="0" anchor="ctr"/>
-          <a:lstStyle/>
-          <a:p>
-            <a:pPr algn="ctr"/>
-            <a:r>
-              <a:rPr kumimoji="1" lang="ja-JP" altLang="en-US" dirty="0"/>
-              <a:t>復号化</a:t>
-            </a:r>
-          </a:p>
-        </p:txBody>
-      </p:sp>
-      <p:sp>
-        <p:nvSpPr>
-          <p:cNvPr id="32" name="正方形/長方形 31">
-            <a:extLst>
-              <a:ext uri="{FF2B5EF4-FFF2-40B4-BE49-F238E27FC236}">
-                <a16:creationId xmlns:a16="http://schemas.microsoft.com/office/drawing/2014/main" id="{37B8F169-7A9C-4C31-A577-DDE29FDFE785}"/>
-              </a:ext>
-            </a:extLst>
-          </p:cNvPr>
-          <p:cNvSpPr/>
-          <p:nvPr/>
-        </p:nvSpPr>
-        <p:spPr>
-          <a:xfrm>
-            <a:off x="4710651" y="4095128"/>
-            <a:ext cx="917102" cy="531248"/>
-          </a:xfrm>
-          <a:prstGeom prst="rect">
-            <a:avLst/>
-          </a:prstGeom>
-          <a:ln>
-            <a:solidFill>
-              <a:schemeClr val="bg1"/>
-            </a:solidFill>
-          </a:ln>
-        </p:spPr>
-        <p:style>
-          <a:lnRef idx="2">
-            <a:schemeClr val="dk1">
-              <a:shade val="50000"/>
-            </a:schemeClr>
-          </a:lnRef>
-          <a:fillRef idx="1">
-            <a:schemeClr val="dk1"/>
-          </a:fillRef>
-          <a:effectRef idx="0">
-            <a:schemeClr val="dk1"/>
-          </a:effectRef>
-          <a:fontRef idx="minor">
-            <a:schemeClr val="lt1"/>
-          </a:fontRef>
-        </p:style>
-        <p:txBody>
-          <a:bodyPr rtlCol="0" anchor="ctr"/>
-          <a:lstStyle/>
-          <a:p>
-            <a:pPr algn="ctr"/>
-            <a:r>
-              <a:rPr kumimoji="1" lang="ja-JP" altLang="en-US" dirty="0"/>
-              <a:t>暗号化</a:t>
-            </a:r>
-          </a:p>
-        </p:txBody>
-      </p:sp>
-      <p:sp>
-        <p:nvSpPr>
-          <p:cNvPr id="33" name="正方形/長方形 32">
-            <a:extLst>
-              <a:ext uri="{FF2B5EF4-FFF2-40B4-BE49-F238E27FC236}">
-                <a16:creationId xmlns:a16="http://schemas.microsoft.com/office/drawing/2014/main" id="{12B9689D-3D62-4B94-BEF5-B940026BCA7A}"/>
-              </a:ext>
-            </a:extLst>
-          </p:cNvPr>
-          <p:cNvSpPr/>
-          <p:nvPr/>
-        </p:nvSpPr>
-        <p:spPr>
-          <a:xfrm>
-            <a:off x="4678001" y="3298259"/>
-            <a:ext cx="917102" cy="531248"/>
-          </a:xfrm>
-          <a:prstGeom prst="rect">
-            <a:avLst/>
-          </a:prstGeom>
-          <a:ln>
-            <a:solidFill>
-              <a:schemeClr val="bg1"/>
-            </a:solidFill>
-          </a:ln>
-        </p:spPr>
-        <p:style>
-          <a:lnRef idx="2">
-            <a:schemeClr val="dk1">
-              <a:shade val="50000"/>
-            </a:schemeClr>
-          </a:lnRef>
-          <a:fillRef idx="1">
-            <a:schemeClr val="dk1"/>
-          </a:fillRef>
-          <a:effectRef idx="0">
-            <a:schemeClr val="dk1"/>
-          </a:effectRef>
-          <a:fontRef idx="minor">
-            <a:schemeClr val="lt1"/>
-          </a:fontRef>
-        </p:style>
-        <p:txBody>
-          <a:bodyPr rtlCol="0" anchor="ctr"/>
-          <a:lstStyle/>
-          <a:p>
-            <a:pPr algn="ctr"/>
-            <a:r>
-              <a:rPr kumimoji="1" lang="ja-JP" altLang="en-US" dirty="0"/>
-              <a:t>復号化</a:t>
-            </a:r>
-          </a:p>
-        </p:txBody>
-      </p:sp>
-      <p:sp>
-        <p:nvSpPr>
-          <p:cNvPr id="18" name="正方形/長方形 17">
-            <a:extLst>
-              <a:ext uri="{FF2B5EF4-FFF2-40B4-BE49-F238E27FC236}">
-                <a16:creationId xmlns:a16="http://schemas.microsoft.com/office/drawing/2014/main" id="{5625E540-73AB-4DC2-8457-CCE527885FE9}"/>
-              </a:ext>
-            </a:extLst>
-          </p:cNvPr>
-          <p:cNvSpPr/>
-          <p:nvPr/>
-        </p:nvSpPr>
-        <p:spPr>
-          <a:xfrm>
-            <a:off x="5988950" y="3355908"/>
-            <a:ext cx="1160492" cy="1274092"/>
-          </a:xfrm>
-          <a:prstGeom prst="rect">
-            <a:avLst/>
-          </a:prstGeom>
-          <a:ln>
-            <a:solidFill>
-              <a:schemeClr val="bg1"/>
-            </a:solidFill>
-          </a:ln>
-        </p:spPr>
-        <p:style>
-          <a:lnRef idx="2">
-            <a:schemeClr val="dk1">
-              <a:shade val="50000"/>
-            </a:schemeClr>
-          </a:lnRef>
-          <a:fillRef idx="1">
-            <a:schemeClr val="dk1"/>
-          </a:fillRef>
-          <a:effectRef idx="0">
-            <a:schemeClr val="dk1"/>
-          </a:effectRef>
-          <a:fontRef idx="minor">
-            <a:schemeClr val="lt1"/>
-          </a:fontRef>
-        </p:style>
-        <p:txBody>
-          <a:bodyPr rtlCol="0" anchor="ctr"/>
-          <a:lstStyle/>
-          <a:p>
-            <a:pPr algn="ctr"/>
-            <a:r>
-              <a:rPr kumimoji="1" lang="ja-JP" altLang="en-US" dirty="0"/>
-              <a:t>医用</a:t>
-            </a:r>
-            <a:r>
-              <a:rPr kumimoji="1" lang="en-US" altLang="ja-JP" dirty="0"/>
-              <a:t>AI</a:t>
-            </a:r>
-            <a:endParaRPr kumimoji="1" lang="ja-JP" altLang="en-US" dirty="0"/>
-          </a:p>
-        </p:txBody>
-      </p:sp>
-    </p:spTree>
-    <p:extLst>
-      <p:ext uri="{BB962C8B-B14F-4D97-AF65-F5344CB8AC3E}">
         <p14:creationId xmlns:p14="http://schemas.microsoft.com/office/powerpoint/2010/main" val="4043159214"/>
       </p:ext>
     </p:extLst>
